--- a/presentation.pptx
+++ b/presentation.pptx
@@ -6,6 +6,8 @@
   </p:sldMasterIdLst>
   <p:sldIdLst>
     <p:sldId id="256" r:id="rId2"/>
+    <p:sldId id="257" r:id="rId3"/>
+    <p:sldId id="258" r:id="rId4"/>
   </p:sldIdLst>
   <p:sldSz cx="12192000" cy="6858000"/>
   <p:notesSz cx="6858000" cy="9144000"/>
@@ -104,6 +106,11 @@
       </a:defRPr>
     </a:lvl9pPr>
   </p:defaultTextStyle>
+  <p:extLst>
+    <p:ext uri="{EFAFB233-063F-42B5-8137-9DF3F51BA10A}">
+      <p15:sldGuideLst xmlns:p15="http://schemas.microsoft.com/office/powerpoint/2012/main"/>
+    </p:ext>
+  </p:extLst>
 </p:presentation>
 </file>
 
@@ -3428,6 +3435,181 @@
 </p:sld>
 </file>
 
+<file path=ppt/slides/slide2.xml><?xml version="1.0" encoding="utf-8"?>
+<p:sld xmlns:a="http://schemas.openxmlformats.org/drawingml/2006/main" xmlns:r="http://schemas.openxmlformats.org/officeDocument/2006/relationships" xmlns:p="http://schemas.openxmlformats.org/presentationml/2006/main">
+  <p:cSld>
+    <p:spTree>
+      <p:nvGrpSpPr>
+        <p:cNvPr id="1" name=""/>
+        <p:cNvGrpSpPr/>
+        <p:nvPr/>
+      </p:nvGrpSpPr>
+      <p:grpSpPr>
+        <a:xfrm>
+          <a:off x="0" y="0"/>
+          <a:ext cx="0" cy="0"/>
+          <a:chOff x="0" y="0"/>
+          <a:chExt cx="0" cy="0"/>
+        </a:xfrm>
+      </p:grpSpPr>
+      <p:sp>
+        <p:nvSpPr>
+          <p:cNvPr id="2" name="Title 1">
+            <a:extLst>
+              <a:ext uri="{FF2B5EF4-FFF2-40B4-BE49-F238E27FC236}">
+                <a16:creationId xmlns:a16="http://schemas.microsoft.com/office/drawing/2014/main" id="{008E9C63-7CEE-3249-8C42-E0DB7DEFC5DB}"/>
+              </a:ext>
+            </a:extLst>
+          </p:cNvPr>
+          <p:cNvSpPr>
+            <a:spLocks noGrp="1"/>
+          </p:cNvSpPr>
+          <p:nvPr>
+            <p:ph type="ctrTitle"/>
+          </p:nvPr>
+        </p:nvSpPr>
+        <p:spPr>
+          <a:xfrm>
+            <a:off x="1524000" y="871605"/>
+            <a:ext cx="9144000" cy="5114789"/>
+          </a:xfrm>
+        </p:spPr>
+        <p:txBody>
+          <a:bodyPr anchor="ctr">
+            <a:normAutofit fontScale="90000"/>
+          </a:bodyPr>
+          <a:lstStyle/>
+          <a:p>
+            <a:pPr>
+              <a:lnSpc>
+                <a:spcPct val="150000"/>
+              </a:lnSpc>
+            </a:pPr>
+            <a:r>
+              <a:rPr lang="en-US" dirty="0"/>
+              <a:t>Software Developer</a:t>
+            </a:r>
+            <a:br>
+              <a:rPr lang="en-US" dirty="0"/>
+            </a:br>
+            <a:r>
+              <a:rPr lang="en-US" dirty="0">
+                <a:solidFill>
+                  <a:schemeClr val="bg1"/>
+                </a:solidFill>
+              </a:rPr>
+              <a:t>Software Engineer</a:t>
+            </a:r>
+            <a:br>
+              <a:rPr lang="en-US" dirty="0">
+                <a:solidFill>
+                  <a:schemeClr val="bg1"/>
+                </a:solidFill>
+              </a:rPr>
+            </a:br>
+            <a:r>
+              <a:rPr lang="en-US" dirty="0">
+                <a:solidFill>
+                  <a:schemeClr val="bg1"/>
+                </a:solidFill>
+              </a:rPr>
+              <a:t>Web Developer</a:t>
+            </a:r>
+            <a:br>
+              <a:rPr lang="en-US" dirty="0">
+                <a:solidFill>
+                  <a:schemeClr val="bg1"/>
+                </a:solidFill>
+              </a:rPr>
+            </a:br>
+            <a:r>
+              <a:rPr lang="en-US" dirty="0">
+                <a:solidFill>
+                  <a:schemeClr val="bg1"/>
+                </a:solidFill>
+              </a:rPr>
+              <a:t>Computer programmer</a:t>
+            </a:r>
+          </a:p>
+        </p:txBody>
+      </p:sp>
+    </p:spTree>
+    <p:extLst>
+      <p:ext uri="{BB962C8B-B14F-4D97-AF65-F5344CB8AC3E}">
+        <p14:creationId xmlns:p14="http://schemas.microsoft.com/office/powerpoint/2010/main" val="225878432"/>
+      </p:ext>
+    </p:extLst>
+  </p:cSld>
+  <p:clrMapOvr>
+    <a:masterClrMapping/>
+  </p:clrMapOvr>
+</p:sld>
+</file>
+
+<file path=ppt/slides/slide3.xml><?xml version="1.0" encoding="utf-8"?>
+<p:sld xmlns:a="http://schemas.openxmlformats.org/drawingml/2006/main" xmlns:r="http://schemas.openxmlformats.org/officeDocument/2006/relationships" xmlns:p="http://schemas.openxmlformats.org/presentationml/2006/main">
+  <p:cSld>
+    <p:spTree>
+      <p:nvGrpSpPr>
+        <p:cNvPr id="1" name=""/>
+        <p:cNvGrpSpPr/>
+        <p:nvPr/>
+      </p:nvGrpSpPr>
+      <p:grpSpPr>
+        <a:xfrm>
+          <a:off x="0" y="0"/>
+          <a:ext cx="0" cy="0"/>
+          <a:chOff x="0" y="0"/>
+          <a:chExt cx="0" cy="0"/>
+        </a:xfrm>
+      </p:grpSpPr>
+      <p:sp>
+        <p:nvSpPr>
+          <p:cNvPr id="2" name="Title 1">
+            <a:extLst>
+              <a:ext uri="{FF2B5EF4-FFF2-40B4-BE49-F238E27FC236}">
+                <a16:creationId xmlns:a16="http://schemas.microsoft.com/office/drawing/2014/main" id="{A4739B66-687C-5641-8204-5192E04DB9BF}"/>
+              </a:ext>
+            </a:extLst>
+          </p:cNvPr>
+          <p:cNvSpPr>
+            <a:spLocks noGrp="1"/>
+          </p:cNvSpPr>
+          <p:nvPr>
+            <p:ph type="title"/>
+          </p:nvPr>
+        </p:nvSpPr>
+        <p:spPr>
+          <a:xfrm>
+            <a:off x="831850" y="2002631"/>
+            <a:ext cx="10515600" cy="2852737"/>
+          </a:xfrm>
+        </p:spPr>
+        <p:txBody>
+          <a:bodyPr anchor="ctr"/>
+          <a:lstStyle/>
+          <a:p>
+            <a:pPr algn="ctr"/>
+            <a:r>
+              <a:rPr lang="en-US" dirty="0"/>
+              <a:t>Teach computers to solve problems</a:t>
+            </a:r>
+          </a:p>
+        </p:txBody>
+      </p:sp>
+    </p:spTree>
+    <p:extLst>
+      <p:ext uri="{BB962C8B-B14F-4D97-AF65-F5344CB8AC3E}">
+        <p14:creationId xmlns:p14="http://schemas.microsoft.com/office/powerpoint/2010/main" val="2770878958"/>
+      </p:ext>
+    </p:extLst>
+  </p:cSld>
+  <p:clrMapOvr>
+    <a:masterClrMapping/>
+  </p:clrMapOvr>
+</p:sld>
+</file>
+
 <file path=ppt/theme/theme1.xml><?xml version="1.0" encoding="utf-8"?>
 <a:theme xmlns:a="http://schemas.openxmlformats.org/drawingml/2006/main" name="Office Theme">
   <a:themeElements>

--- a/presentation.pptx
+++ b/presentation.pptx
@@ -8,6 +8,16 @@
     <p:sldId id="256" r:id="rId2"/>
     <p:sldId id="257" r:id="rId3"/>
     <p:sldId id="258" r:id="rId4"/>
+    <p:sldId id="265" r:id="rId5"/>
+    <p:sldId id="264" r:id="rId6"/>
+    <p:sldId id="266" r:id="rId7"/>
+    <p:sldId id="263" r:id="rId8"/>
+    <p:sldId id="259" r:id="rId9"/>
+    <p:sldId id="260" r:id="rId10"/>
+    <p:sldId id="261" r:id="rId11"/>
+    <p:sldId id="267" r:id="rId12"/>
+    <p:sldId id="268" r:id="rId13"/>
+    <p:sldId id="269" r:id="rId14"/>
   </p:sldIdLst>
   <p:sldSz cx="12192000" cy="6858000"/>
   <p:notesSz cx="6858000" cy="9144000"/>
@@ -3435,6 +3445,822 @@
 </p:sld>
 </file>
 
+<file path=ppt/slides/slide10.xml><?xml version="1.0" encoding="utf-8"?>
+<p:sld xmlns:a="http://schemas.openxmlformats.org/drawingml/2006/main" xmlns:r="http://schemas.openxmlformats.org/officeDocument/2006/relationships" xmlns:p="http://schemas.openxmlformats.org/presentationml/2006/main">
+  <p:cSld>
+    <p:spTree>
+      <p:nvGrpSpPr>
+        <p:cNvPr id="1" name=""/>
+        <p:cNvGrpSpPr/>
+        <p:nvPr/>
+      </p:nvGrpSpPr>
+      <p:grpSpPr>
+        <a:xfrm>
+          <a:off x="0" y="0"/>
+          <a:ext cx="0" cy="0"/>
+          <a:chOff x="0" y="0"/>
+          <a:chExt cx="0" cy="0"/>
+        </a:xfrm>
+      </p:grpSpPr>
+      <p:sp>
+        <p:nvSpPr>
+          <p:cNvPr id="2" name="Title 1">
+            <a:extLst>
+              <a:ext uri="{FF2B5EF4-FFF2-40B4-BE49-F238E27FC236}">
+                <a16:creationId xmlns:a16="http://schemas.microsoft.com/office/drawing/2014/main" id="{47B59599-FA96-E94F-9B51-94C3826DFC16}"/>
+              </a:ext>
+            </a:extLst>
+          </p:cNvPr>
+          <p:cNvSpPr>
+            <a:spLocks noGrp="1"/>
+          </p:cNvSpPr>
+          <p:nvPr>
+            <p:ph type="title"/>
+          </p:nvPr>
+        </p:nvSpPr>
+        <p:spPr/>
+        <p:txBody>
+          <a:bodyPr/>
+          <a:lstStyle/>
+          <a:p>
+            <a:r>
+              <a:rPr lang="en-US" dirty="0"/>
+              <a:t>Sorting shapes</a:t>
+            </a:r>
+          </a:p>
+        </p:txBody>
+      </p:sp>
+      <p:sp>
+        <p:nvSpPr>
+          <p:cNvPr id="3" name="Content Placeholder 2">
+            <a:extLst>
+              <a:ext uri="{FF2B5EF4-FFF2-40B4-BE49-F238E27FC236}">
+                <a16:creationId xmlns:a16="http://schemas.microsoft.com/office/drawing/2014/main" id="{73CB2ADE-C822-3B48-B20D-4253B0AF0DC7}"/>
+              </a:ext>
+            </a:extLst>
+          </p:cNvPr>
+          <p:cNvSpPr>
+            <a:spLocks noGrp="1"/>
+          </p:cNvSpPr>
+          <p:nvPr>
+            <p:ph idx="1"/>
+          </p:nvPr>
+        </p:nvSpPr>
+        <p:spPr>
+          <a:xfrm>
+            <a:off x="838200" y="1825625"/>
+            <a:ext cx="10515600" cy="4351338"/>
+          </a:xfrm>
+        </p:spPr>
+        <p:txBody>
+          <a:bodyPr>
+            <a:normAutofit/>
+          </a:bodyPr>
+          <a:lstStyle/>
+          <a:p>
+            <a:pPr marL="0" indent="0">
+              <a:buNone/>
+            </a:pPr>
+            <a:r>
+              <a:rPr lang="en-US" dirty="0"/>
+              <a:t>{</a:t>
+            </a:r>
+          </a:p>
+          <a:p>
+            <a:pPr marL="457200" lvl="1" indent="0">
+              <a:buNone/>
+            </a:pPr>
+            <a:r>
+              <a:rPr lang="en-US" sz="2800" dirty="0"/>
+              <a:t>"id": 1,</a:t>
+            </a:r>
+          </a:p>
+          <a:p>
+            <a:pPr marL="457200" lvl="1" indent="0">
+              <a:buNone/>
+            </a:pPr>
+            <a:r>
+              <a:rPr lang="en-US" sz="2800" dirty="0"/>
+              <a:t>"</a:t>
+            </a:r>
+            <a:r>
+              <a:rPr lang="en-US" sz="2800" dirty="0" err="1"/>
+              <a:t>side_count</a:t>
+            </a:r>
+            <a:r>
+              <a:rPr lang="en-US" sz="2800" dirty="0"/>
+              <a:t>": 3,</a:t>
+            </a:r>
+          </a:p>
+          <a:p>
+            <a:pPr marL="457200" lvl="1" indent="0">
+              <a:buNone/>
+            </a:pPr>
+            <a:r>
+              <a:rPr lang="en-US" sz="2800" dirty="0"/>
+              <a:t>"</a:t>
+            </a:r>
+            <a:r>
+              <a:rPr lang="en-US" sz="2800" dirty="0" err="1"/>
+              <a:t>is_closed</a:t>
+            </a:r>
+            <a:r>
+              <a:rPr lang="en-US" sz="2800" dirty="0"/>
+              <a:t>": true</a:t>
+            </a:r>
+          </a:p>
+          <a:p>
+            <a:pPr marL="0" indent="0">
+              <a:buNone/>
+            </a:pPr>
+            <a:r>
+              <a:rPr lang="en-US" dirty="0"/>
+              <a:t>}</a:t>
+            </a:r>
+          </a:p>
+        </p:txBody>
+      </p:sp>
+    </p:spTree>
+    <p:extLst>
+      <p:ext uri="{BB962C8B-B14F-4D97-AF65-F5344CB8AC3E}">
+        <p14:creationId xmlns:p14="http://schemas.microsoft.com/office/powerpoint/2010/main" val="548113500"/>
+      </p:ext>
+    </p:extLst>
+  </p:cSld>
+  <p:clrMapOvr>
+    <a:masterClrMapping/>
+  </p:clrMapOvr>
+</p:sld>
+</file>
+
+<file path=ppt/slides/slide11.xml><?xml version="1.0" encoding="utf-8"?>
+<p:sld xmlns:a="http://schemas.openxmlformats.org/drawingml/2006/main" xmlns:r="http://schemas.openxmlformats.org/officeDocument/2006/relationships" xmlns:p="http://schemas.openxmlformats.org/presentationml/2006/main">
+  <p:cSld>
+    <p:spTree>
+      <p:nvGrpSpPr>
+        <p:cNvPr id="1" name=""/>
+        <p:cNvGrpSpPr/>
+        <p:nvPr/>
+      </p:nvGrpSpPr>
+      <p:grpSpPr>
+        <a:xfrm>
+          <a:off x="0" y="0"/>
+          <a:ext cx="0" cy="0"/>
+          <a:chOff x="0" y="0"/>
+          <a:chExt cx="0" cy="0"/>
+        </a:xfrm>
+      </p:grpSpPr>
+      <p:sp>
+        <p:nvSpPr>
+          <p:cNvPr id="2" name="Title 1">
+            <a:extLst>
+              <a:ext uri="{FF2B5EF4-FFF2-40B4-BE49-F238E27FC236}">
+                <a16:creationId xmlns:a16="http://schemas.microsoft.com/office/drawing/2014/main" id="{47B59599-FA96-E94F-9B51-94C3826DFC16}"/>
+              </a:ext>
+            </a:extLst>
+          </p:cNvPr>
+          <p:cNvSpPr>
+            <a:spLocks noGrp="1"/>
+          </p:cNvSpPr>
+          <p:nvPr>
+            <p:ph type="title"/>
+          </p:nvPr>
+        </p:nvSpPr>
+        <p:spPr/>
+        <p:txBody>
+          <a:bodyPr/>
+          <a:lstStyle/>
+          <a:p>
+            <a:r>
+              <a:rPr lang="en-US" dirty="0"/>
+              <a:t>Sorting shapes</a:t>
+            </a:r>
+          </a:p>
+        </p:txBody>
+      </p:sp>
+      <p:sp>
+        <p:nvSpPr>
+          <p:cNvPr id="3" name="Content Placeholder 2">
+            <a:extLst>
+              <a:ext uri="{FF2B5EF4-FFF2-40B4-BE49-F238E27FC236}">
+                <a16:creationId xmlns:a16="http://schemas.microsoft.com/office/drawing/2014/main" id="{73CB2ADE-C822-3B48-B20D-4253B0AF0DC7}"/>
+              </a:ext>
+            </a:extLst>
+          </p:cNvPr>
+          <p:cNvSpPr>
+            <a:spLocks noGrp="1"/>
+          </p:cNvSpPr>
+          <p:nvPr>
+            <p:ph sz="half" idx="1"/>
+          </p:nvPr>
+        </p:nvSpPr>
+        <p:spPr>
+          <a:xfrm>
+            <a:off x="838200" y="1825625"/>
+            <a:ext cx="7146072" cy="4351338"/>
+          </a:xfrm>
+        </p:spPr>
+        <p:txBody>
+          <a:bodyPr>
+            <a:normAutofit/>
+          </a:bodyPr>
+          <a:lstStyle/>
+          <a:p>
+            <a:pPr marL="0" indent="0">
+              <a:buNone/>
+            </a:pPr>
+            <a:r>
+              <a:rPr lang="en-US" dirty="0"/>
+              <a:t>function </a:t>
+            </a:r>
+            <a:r>
+              <a:rPr lang="en-US" dirty="0" err="1"/>
+              <a:t>sort_shape</a:t>
+            </a:r>
+            <a:endParaRPr lang="en-US" dirty="0"/>
+          </a:p>
+          <a:p>
+            <a:pPr marL="0" indent="0">
+              <a:buNone/>
+            </a:pPr>
+            <a:r>
+              <a:rPr lang="en-US" dirty="0"/>
+              <a:t>  in: </a:t>
+            </a:r>
+            <a:r>
+              <a:rPr lang="en-US" i="1" dirty="0"/>
+              <a:t>shape</a:t>
+            </a:r>
+          </a:p>
+          <a:p>
+            <a:pPr marL="0" indent="0">
+              <a:buNone/>
+            </a:pPr>
+            <a:endParaRPr lang="en-US" dirty="0"/>
+          </a:p>
+          <a:p>
+            <a:pPr marL="0" indent="0">
+              <a:buNone/>
+            </a:pPr>
+            <a:r>
+              <a:rPr lang="en-US" dirty="0"/>
+              <a:t>  if </a:t>
+            </a:r>
+            <a:r>
+              <a:rPr lang="en-US" i="1" dirty="0" err="1"/>
+              <a:t>shape.side_count</a:t>
+            </a:r>
+            <a:r>
+              <a:rPr lang="en-US" dirty="0"/>
+              <a:t> </a:t>
+            </a:r>
+            <a:r>
+              <a:rPr lang="en-US" b="1" dirty="0"/>
+              <a:t>is</a:t>
+            </a:r>
+            <a:r>
+              <a:rPr lang="en-US" dirty="0"/>
+              <a:t> 3</a:t>
+            </a:r>
+          </a:p>
+          <a:p>
+            <a:pPr marL="0" indent="0">
+              <a:buNone/>
+            </a:pPr>
+            <a:r>
+              <a:rPr lang="en-US" dirty="0"/>
+              <a:t>    out: “triangle”</a:t>
+            </a:r>
+          </a:p>
+        </p:txBody>
+      </p:sp>
+      <p:sp>
+        <p:nvSpPr>
+          <p:cNvPr id="5" name="Content Placeholder 4">
+            <a:extLst>
+              <a:ext uri="{FF2B5EF4-FFF2-40B4-BE49-F238E27FC236}">
+                <a16:creationId xmlns:a16="http://schemas.microsoft.com/office/drawing/2014/main" id="{254F6720-656D-9C42-BE08-B965740DC11C}"/>
+              </a:ext>
+            </a:extLst>
+          </p:cNvPr>
+          <p:cNvSpPr>
+            <a:spLocks noGrp="1"/>
+          </p:cNvSpPr>
+          <p:nvPr>
+            <p:ph sz="half" idx="2"/>
+          </p:nvPr>
+        </p:nvSpPr>
+        <p:spPr>
+          <a:xfrm>
+            <a:off x="7984272" y="1825625"/>
+            <a:ext cx="3369528" cy="4351338"/>
+          </a:xfrm>
+        </p:spPr>
+        <p:txBody>
+          <a:bodyPr/>
+          <a:lstStyle/>
+          <a:p>
+            <a:pPr marL="0" indent="0">
+              <a:buNone/>
+            </a:pPr>
+            <a:r>
+              <a:rPr lang="en-US" sz="1400" dirty="0"/>
+              <a:t>{</a:t>
+            </a:r>
+          </a:p>
+          <a:p>
+            <a:pPr marL="457200" lvl="1" indent="0">
+              <a:buNone/>
+            </a:pPr>
+            <a:r>
+              <a:rPr lang="en-US" sz="2000" dirty="0"/>
+              <a:t>"id": 1,</a:t>
+            </a:r>
+          </a:p>
+          <a:p>
+            <a:pPr marL="457200" lvl="1" indent="0">
+              <a:buNone/>
+            </a:pPr>
+            <a:r>
+              <a:rPr lang="en-US" sz="2000" dirty="0"/>
+              <a:t>"</a:t>
+            </a:r>
+            <a:r>
+              <a:rPr lang="en-US" sz="2000" dirty="0" err="1"/>
+              <a:t>side_count</a:t>
+            </a:r>
+            <a:r>
+              <a:rPr lang="en-US" sz="2000" dirty="0"/>
+              <a:t>": 3,</a:t>
+            </a:r>
+          </a:p>
+          <a:p>
+            <a:pPr marL="457200" lvl="1" indent="0">
+              <a:buNone/>
+            </a:pPr>
+            <a:r>
+              <a:rPr lang="en-US" sz="2000" dirty="0"/>
+              <a:t>"</a:t>
+            </a:r>
+            <a:r>
+              <a:rPr lang="en-US" sz="2000" dirty="0" err="1"/>
+              <a:t>is_closed</a:t>
+            </a:r>
+            <a:r>
+              <a:rPr lang="en-US" sz="2000" dirty="0"/>
+              <a:t>": true</a:t>
+            </a:r>
+          </a:p>
+          <a:p>
+            <a:pPr marL="0" indent="0">
+              <a:buNone/>
+            </a:pPr>
+            <a:r>
+              <a:rPr lang="en-US" sz="1400" dirty="0"/>
+              <a:t>}</a:t>
+            </a:r>
+            <a:endParaRPr lang="en-US" dirty="0"/>
+          </a:p>
+        </p:txBody>
+      </p:sp>
+    </p:spTree>
+    <p:extLst>
+      <p:ext uri="{BB962C8B-B14F-4D97-AF65-F5344CB8AC3E}">
+        <p14:creationId xmlns:p14="http://schemas.microsoft.com/office/powerpoint/2010/main" val="1342957122"/>
+      </p:ext>
+    </p:extLst>
+  </p:cSld>
+  <p:clrMapOvr>
+    <a:masterClrMapping/>
+  </p:clrMapOvr>
+</p:sld>
+</file>
+
+<file path=ppt/slides/slide12.xml><?xml version="1.0" encoding="utf-8"?>
+<p:sld xmlns:a="http://schemas.openxmlformats.org/drawingml/2006/main" xmlns:r="http://schemas.openxmlformats.org/officeDocument/2006/relationships" xmlns:p="http://schemas.openxmlformats.org/presentationml/2006/main">
+  <p:cSld>
+    <p:spTree>
+      <p:nvGrpSpPr>
+        <p:cNvPr id="1" name=""/>
+        <p:cNvGrpSpPr/>
+        <p:nvPr/>
+      </p:nvGrpSpPr>
+      <p:grpSpPr>
+        <a:xfrm>
+          <a:off x="0" y="0"/>
+          <a:ext cx="0" cy="0"/>
+          <a:chOff x="0" y="0"/>
+          <a:chExt cx="0" cy="0"/>
+        </a:xfrm>
+      </p:grpSpPr>
+      <p:sp>
+        <p:nvSpPr>
+          <p:cNvPr id="2" name="Title 1">
+            <a:extLst>
+              <a:ext uri="{FF2B5EF4-FFF2-40B4-BE49-F238E27FC236}">
+                <a16:creationId xmlns:a16="http://schemas.microsoft.com/office/drawing/2014/main" id="{47B59599-FA96-E94F-9B51-94C3826DFC16}"/>
+              </a:ext>
+            </a:extLst>
+          </p:cNvPr>
+          <p:cNvSpPr>
+            <a:spLocks noGrp="1"/>
+          </p:cNvSpPr>
+          <p:nvPr>
+            <p:ph type="title"/>
+          </p:nvPr>
+        </p:nvSpPr>
+        <p:spPr/>
+        <p:txBody>
+          <a:bodyPr/>
+          <a:lstStyle/>
+          <a:p>
+            <a:r>
+              <a:rPr lang="en-US" dirty="0"/>
+              <a:t>Sorting shapes</a:t>
+            </a:r>
+          </a:p>
+        </p:txBody>
+      </p:sp>
+      <p:sp>
+        <p:nvSpPr>
+          <p:cNvPr id="3" name="Content Placeholder 2">
+            <a:extLst>
+              <a:ext uri="{FF2B5EF4-FFF2-40B4-BE49-F238E27FC236}">
+                <a16:creationId xmlns:a16="http://schemas.microsoft.com/office/drawing/2014/main" id="{73CB2ADE-C822-3B48-B20D-4253B0AF0DC7}"/>
+              </a:ext>
+            </a:extLst>
+          </p:cNvPr>
+          <p:cNvSpPr>
+            <a:spLocks noGrp="1"/>
+          </p:cNvSpPr>
+          <p:nvPr>
+            <p:ph idx="1"/>
+          </p:nvPr>
+        </p:nvSpPr>
+        <p:spPr>
+          <a:xfrm>
+            <a:off x="838200" y="1825625"/>
+            <a:ext cx="10515600" cy="4351338"/>
+          </a:xfrm>
+        </p:spPr>
+        <p:txBody>
+          <a:bodyPr>
+            <a:normAutofit/>
+          </a:bodyPr>
+          <a:lstStyle/>
+          <a:p>
+            <a:pPr marL="0" indent="0">
+              <a:buNone/>
+            </a:pPr>
+            <a:r>
+              <a:rPr lang="en-US" dirty="0"/>
+              <a:t>{</a:t>
+            </a:r>
+          </a:p>
+          <a:p>
+            <a:pPr marL="457200" lvl="1" indent="0">
+              <a:buNone/>
+            </a:pPr>
+            <a:r>
+              <a:rPr lang="en-US" sz="2800" dirty="0"/>
+              <a:t>"id": 1,</a:t>
+            </a:r>
+          </a:p>
+          <a:p>
+            <a:pPr marL="457200" lvl="1" indent="0">
+              <a:buNone/>
+            </a:pPr>
+            <a:r>
+              <a:rPr lang="en-US" sz="2800" dirty="0"/>
+              <a:t>"</a:t>
+            </a:r>
+            <a:r>
+              <a:rPr lang="en-US" sz="2800" dirty="0" err="1"/>
+              <a:t>side_count</a:t>
+            </a:r>
+            <a:r>
+              <a:rPr lang="en-US" sz="2800" dirty="0"/>
+              <a:t>": 4,</a:t>
+            </a:r>
+          </a:p>
+          <a:p>
+            <a:pPr marL="457200" lvl="1" indent="0">
+              <a:buNone/>
+            </a:pPr>
+            <a:r>
+              <a:rPr lang="en-US" sz="2800" dirty="0"/>
+              <a:t>"</a:t>
+            </a:r>
+            <a:r>
+              <a:rPr lang="en-US" sz="2800" dirty="0" err="1"/>
+              <a:t>is_closed</a:t>
+            </a:r>
+            <a:r>
+              <a:rPr lang="en-US" sz="2800" dirty="0"/>
+              <a:t>": true</a:t>
+            </a:r>
+          </a:p>
+          <a:p>
+            <a:pPr marL="0" indent="0">
+              <a:buNone/>
+            </a:pPr>
+            <a:r>
+              <a:rPr lang="en-US" dirty="0"/>
+              <a:t>}</a:t>
+            </a:r>
+          </a:p>
+        </p:txBody>
+      </p:sp>
+    </p:spTree>
+    <p:extLst>
+      <p:ext uri="{BB962C8B-B14F-4D97-AF65-F5344CB8AC3E}">
+        <p14:creationId xmlns:p14="http://schemas.microsoft.com/office/powerpoint/2010/main" val="3406855302"/>
+      </p:ext>
+    </p:extLst>
+  </p:cSld>
+  <p:clrMapOvr>
+    <a:masterClrMapping/>
+  </p:clrMapOvr>
+</p:sld>
+</file>
+
+<file path=ppt/slides/slide13.xml><?xml version="1.0" encoding="utf-8"?>
+<p:sld xmlns:a="http://schemas.openxmlformats.org/drawingml/2006/main" xmlns:r="http://schemas.openxmlformats.org/officeDocument/2006/relationships" xmlns:p="http://schemas.openxmlformats.org/presentationml/2006/main">
+  <p:cSld>
+    <p:spTree>
+      <p:nvGrpSpPr>
+        <p:cNvPr id="1" name=""/>
+        <p:cNvGrpSpPr/>
+        <p:nvPr/>
+      </p:nvGrpSpPr>
+      <p:grpSpPr>
+        <a:xfrm>
+          <a:off x="0" y="0"/>
+          <a:ext cx="0" cy="0"/>
+          <a:chOff x="0" y="0"/>
+          <a:chExt cx="0" cy="0"/>
+        </a:xfrm>
+      </p:grpSpPr>
+      <p:sp>
+        <p:nvSpPr>
+          <p:cNvPr id="2" name="Title 1">
+            <a:extLst>
+              <a:ext uri="{FF2B5EF4-FFF2-40B4-BE49-F238E27FC236}">
+                <a16:creationId xmlns:a16="http://schemas.microsoft.com/office/drawing/2014/main" id="{47B59599-FA96-E94F-9B51-94C3826DFC16}"/>
+              </a:ext>
+            </a:extLst>
+          </p:cNvPr>
+          <p:cNvSpPr>
+            <a:spLocks noGrp="1"/>
+          </p:cNvSpPr>
+          <p:nvPr>
+            <p:ph type="title"/>
+          </p:nvPr>
+        </p:nvSpPr>
+        <p:spPr/>
+        <p:txBody>
+          <a:bodyPr/>
+          <a:lstStyle/>
+          <a:p>
+            <a:r>
+              <a:rPr lang="en-US" dirty="0"/>
+              <a:t>Sorting shapes</a:t>
+            </a:r>
+          </a:p>
+        </p:txBody>
+      </p:sp>
+      <p:sp>
+        <p:nvSpPr>
+          <p:cNvPr id="3" name="Content Placeholder 2">
+            <a:extLst>
+              <a:ext uri="{FF2B5EF4-FFF2-40B4-BE49-F238E27FC236}">
+                <a16:creationId xmlns:a16="http://schemas.microsoft.com/office/drawing/2014/main" id="{73CB2ADE-C822-3B48-B20D-4253B0AF0DC7}"/>
+              </a:ext>
+            </a:extLst>
+          </p:cNvPr>
+          <p:cNvSpPr>
+            <a:spLocks noGrp="1"/>
+          </p:cNvSpPr>
+          <p:nvPr>
+            <p:ph sz="half" idx="1"/>
+          </p:nvPr>
+        </p:nvSpPr>
+        <p:spPr>
+          <a:xfrm>
+            <a:off x="838200" y="1825625"/>
+            <a:ext cx="7146072" cy="4351338"/>
+          </a:xfrm>
+        </p:spPr>
+        <p:txBody>
+          <a:bodyPr>
+            <a:normAutofit/>
+          </a:bodyPr>
+          <a:lstStyle/>
+          <a:p>
+            <a:pPr marL="0" indent="0">
+              <a:buNone/>
+            </a:pPr>
+            <a:r>
+              <a:rPr lang="en-US" dirty="0"/>
+              <a:t>function </a:t>
+            </a:r>
+            <a:r>
+              <a:rPr lang="en-US" dirty="0" err="1"/>
+              <a:t>sort_shape</a:t>
+            </a:r>
+            <a:endParaRPr lang="en-US" dirty="0"/>
+          </a:p>
+          <a:p>
+            <a:pPr marL="0" indent="0">
+              <a:buNone/>
+            </a:pPr>
+            <a:r>
+              <a:rPr lang="en-US" dirty="0"/>
+              <a:t>  in: </a:t>
+            </a:r>
+            <a:r>
+              <a:rPr lang="en-US" i="1" dirty="0"/>
+              <a:t>shape</a:t>
+            </a:r>
+          </a:p>
+          <a:p>
+            <a:pPr marL="0" indent="0">
+              <a:buNone/>
+            </a:pPr>
+            <a:endParaRPr lang="en-US" dirty="0"/>
+          </a:p>
+          <a:p>
+            <a:pPr marL="0" indent="0">
+              <a:buNone/>
+            </a:pPr>
+            <a:r>
+              <a:rPr lang="en-US" dirty="0"/>
+              <a:t>  if </a:t>
+            </a:r>
+            <a:r>
+              <a:rPr lang="en-US" i="1" dirty="0" err="1"/>
+              <a:t>shape.side_count</a:t>
+            </a:r>
+            <a:r>
+              <a:rPr lang="en-US" dirty="0"/>
+              <a:t> </a:t>
+            </a:r>
+            <a:r>
+              <a:rPr lang="en-US" b="1" dirty="0"/>
+              <a:t>is</a:t>
+            </a:r>
+            <a:r>
+              <a:rPr lang="en-US" dirty="0"/>
+              <a:t> 3</a:t>
+            </a:r>
+          </a:p>
+          <a:p>
+            <a:pPr marL="0" indent="0">
+              <a:buNone/>
+            </a:pPr>
+            <a:r>
+              <a:rPr lang="en-US" dirty="0"/>
+              <a:t>    out: “triangle”</a:t>
+            </a:r>
+          </a:p>
+          <a:p>
+            <a:pPr marL="0" indent="0">
+              <a:buNone/>
+            </a:pPr>
+            <a:r>
+              <a:rPr lang="en-US" dirty="0"/>
+              <a:t>  if </a:t>
+            </a:r>
+            <a:r>
+              <a:rPr lang="en-US" i="1" dirty="0" err="1"/>
+              <a:t>shape.side_count</a:t>
+            </a:r>
+            <a:r>
+              <a:rPr lang="en-US" b="1" i="1" dirty="0"/>
+              <a:t> </a:t>
+            </a:r>
+            <a:r>
+              <a:rPr lang="en-US" b="1" dirty="0"/>
+              <a:t>is</a:t>
+            </a:r>
+            <a:r>
+              <a:rPr lang="en-US" dirty="0"/>
+              <a:t> 4</a:t>
+            </a:r>
+          </a:p>
+          <a:p>
+            <a:pPr marL="0" indent="0">
+              <a:buNone/>
+            </a:pPr>
+            <a:r>
+              <a:rPr lang="en-US" dirty="0"/>
+              <a:t>	out: “rectangle”</a:t>
+            </a:r>
+          </a:p>
+        </p:txBody>
+      </p:sp>
+      <p:sp>
+        <p:nvSpPr>
+          <p:cNvPr id="5" name="Content Placeholder 4">
+            <a:extLst>
+              <a:ext uri="{FF2B5EF4-FFF2-40B4-BE49-F238E27FC236}">
+                <a16:creationId xmlns:a16="http://schemas.microsoft.com/office/drawing/2014/main" id="{254F6720-656D-9C42-BE08-B965740DC11C}"/>
+              </a:ext>
+            </a:extLst>
+          </p:cNvPr>
+          <p:cNvSpPr>
+            <a:spLocks noGrp="1"/>
+          </p:cNvSpPr>
+          <p:nvPr>
+            <p:ph sz="half" idx="2"/>
+          </p:nvPr>
+        </p:nvSpPr>
+        <p:spPr>
+          <a:xfrm>
+            <a:off x="7984272" y="1825625"/>
+            <a:ext cx="3369528" cy="4351338"/>
+          </a:xfrm>
+        </p:spPr>
+        <p:txBody>
+          <a:bodyPr/>
+          <a:lstStyle/>
+          <a:p>
+            <a:pPr marL="0" indent="0">
+              <a:buNone/>
+            </a:pPr>
+            <a:r>
+              <a:rPr lang="en-US" sz="1400" dirty="0"/>
+              <a:t>{</a:t>
+            </a:r>
+          </a:p>
+          <a:p>
+            <a:pPr marL="457200" lvl="1" indent="0">
+              <a:buNone/>
+            </a:pPr>
+            <a:r>
+              <a:rPr lang="en-US" sz="2000" dirty="0"/>
+              <a:t>"id": 1,</a:t>
+            </a:r>
+          </a:p>
+          <a:p>
+            <a:pPr marL="457200" lvl="1" indent="0">
+              <a:buNone/>
+            </a:pPr>
+            <a:r>
+              <a:rPr lang="en-US" sz="2000" dirty="0"/>
+              <a:t>"</a:t>
+            </a:r>
+            <a:r>
+              <a:rPr lang="en-US" sz="2000" dirty="0" err="1"/>
+              <a:t>side_count</a:t>
+            </a:r>
+            <a:r>
+              <a:rPr lang="en-US" sz="2000" dirty="0"/>
+              <a:t>": 4,</a:t>
+            </a:r>
+          </a:p>
+          <a:p>
+            <a:pPr marL="457200" lvl="1" indent="0">
+              <a:buNone/>
+            </a:pPr>
+            <a:r>
+              <a:rPr lang="en-US" sz="2000" dirty="0"/>
+              <a:t>"</a:t>
+            </a:r>
+            <a:r>
+              <a:rPr lang="en-US" sz="2000" dirty="0" err="1"/>
+              <a:t>is_closed</a:t>
+            </a:r>
+            <a:r>
+              <a:rPr lang="en-US" sz="2000" dirty="0"/>
+              <a:t>": true</a:t>
+            </a:r>
+          </a:p>
+          <a:p>
+            <a:pPr marL="0" indent="0">
+              <a:buNone/>
+            </a:pPr>
+            <a:r>
+              <a:rPr lang="en-US" sz="1400" dirty="0"/>
+              <a:t>}</a:t>
+            </a:r>
+            <a:endParaRPr lang="en-US" dirty="0"/>
+          </a:p>
+        </p:txBody>
+      </p:sp>
+    </p:spTree>
+    <p:extLst>
+      <p:ext uri="{BB962C8B-B14F-4D97-AF65-F5344CB8AC3E}">
+        <p14:creationId xmlns:p14="http://schemas.microsoft.com/office/powerpoint/2010/main" val="261062400"/>
+      </p:ext>
+    </p:extLst>
+  </p:cSld>
+  <p:clrMapOvr>
+    <a:masterClrMapping/>
+  </p:clrMapOvr>
+</p:sld>
+</file>
+
 <file path=ppt/slides/slide2.xml><?xml version="1.0" encoding="utf-8"?>
 <p:sld xmlns:a="http://schemas.openxmlformats.org/drawingml/2006/main" xmlns:r="http://schemas.openxmlformats.org/officeDocument/2006/relationships" xmlns:p="http://schemas.openxmlformats.org/presentationml/2006/main">
   <p:cSld>
@@ -3601,6 +4427,876 @@
     <p:extLst>
       <p:ext uri="{BB962C8B-B14F-4D97-AF65-F5344CB8AC3E}">
         <p14:creationId xmlns:p14="http://schemas.microsoft.com/office/powerpoint/2010/main" val="2770878958"/>
+      </p:ext>
+    </p:extLst>
+  </p:cSld>
+  <p:clrMapOvr>
+    <a:masterClrMapping/>
+  </p:clrMapOvr>
+</p:sld>
+</file>
+
+<file path=ppt/slides/slide4.xml><?xml version="1.0" encoding="utf-8"?>
+<p:sld xmlns:a="http://schemas.openxmlformats.org/drawingml/2006/main" xmlns:r="http://schemas.openxmlformats.org/officeDocument/2006/relationships" xmlns:p="http://schemas.openxmlformats.org/presentationml/2006/main">
+  <p:cSld>
+    <p:spTree>
+      <p:nvGrpSpPr>
+        <p:cNvPr id="1" name=""/>
+        <p:cNvGrpSpPr/>
+        <p:nvPr/>
+      </p:nvGrpSpPr>
+      <p:grpSpPr>
+        <a:xfrm>
+          <a:off x="0" y="0"/>
+          <a:ext cx="0" cy="0"/>
+          <a:chOff x="0" y="0"/>
+          <a:chExt cx="0" cy="0"/>
+        </a:xfrm>
+      </p:grpSpPr>
+      <p:sp>
+        <p:nvSpPr>
+          <p:cNvPr id="2" name="Title 1">
+            <a:extLst>
+              <a:ext uri="{FF2B5EF4-FFF2-40B4-BE49-F238E27FC236}">
+                <a16:creationId xmlns:a16="http://schemas.microsoft.com/office/drawing/2014/main" id="{2DA56969-15FF-8F42-B749-9A139427B75C}"/>
+              </a:ext>
+            </a:extLst>
+          </p:cNvPr>
+          <p:cNvSpPr>
+            <a:spLocks noGrp="1"/>
+          </p:cNvSpPr>
+          <p:nvPr>
+            <p:ph type="title"/>
+          </p:nvPr>
+        </p:nvSpPr>
+        <p:spPr/>
+        <p:txBody>
+          <a:bodyPr/>
+          <a:lstStyle/>
+          <a:p>
+            <a:r>
+              <a:rPr lang="en-US" dirty="0"/>
+              <a:t>Vari</a:t>
+            </a:r>
+            <a:r>
+              <a:rPr lang="en-US" b="1" dirty="0"/>
+              <a:t>able</a:t>
+            </a:r>
+            <a:r>
+              <a:rPr lang="en-US" dirty="0"/>
+              <a:t>s</a:t>
+            </a:r>
+          </a:p>
+        </p:txBody>
+      </p:sp>
+      <p:sp>
+        <p:nvSpPr>
+          <p:cNvPr id="3" name="Content Placeholder 2">
+            <a:extLst>
+              <a:ext uri="{FF2B5EF4-FFF2-40B4-BE49-F238E27FC236}">
+                <a16:creationId xmlns:a16="http://schemas.microsoft.com/office/drawing/2014/main" id="{E46C9E63-9392-874D-A50C-AE2C0244DC47}"/>
+              </a:ext>
+            </a:extLst>
+          </p:cNvPr>
+          <p:cNvSpPr>
+            <a:spLocks noGrp="1"/>
+          </p:cNvSpPr>
+          <p:nvPr>
+            <p:ph idx="1"/>
+          </p:nvPr>
+        </p:nvSpPr>
+        <p:spPr/>
+        <p:txBody>
+          <a:bodyPr/>
+          <a:lstStyle/>
+          <a:p>
+            <a:r>
+              <a:rPr lang="en-US" dirty="0"/>
+              <a:t>Way to store data</a:t>
+            </a:r>
+          </a:p>
+          <a:p>
+            <a:pPr lvl="1"/>
+            <a:r>
+              <a:rPr lang="en-US" dirty="0"/>
+              <a:t>Words</a:t>
+            </a:r>
+          </a:p>
+          <a:p>
+            <a:pPr lvl="1"/>
+            <a:r>
+              <a:rPr lang="en-US" dirty="0"/>
+              <a:t>Numbers</a:t>
+            </a:r>
+          </a:p>
+          <a:p>
+            <a:pPr lvl="1"/>
+            <a:r>
+              <a:rPr lang="en-US" dirty="0"/>
+              <a:t>True/false (</a:t>
+            </a:r>
+            <a:r>
+              <a:rPr lang="en-US" dirty="0" err="1"/>
+              <a:t>boolean</a:t>
+            </a:r>
+            <a:r>
+              <a:rPr lang="en-US" dirty="0"/>
+              <a:t>)</a:t>
+            </a:r>
+          </a:p>
+          <a:p>
+            <a:pPr lvl="1"/>
+            <a:r>
+              <a:rPr lang="en-US" dirty="0"/>
+              <a:t>Lists</a:t>
+            </a:r>
+          </a:p>
+          <a:p>
+            <a:pPr lvl="1"/>
+            <a:r>
+              <a:rPr lang="en-US" i="1" dirty="0"/>
+              <a:t>etc</a:t>
+            </a:r>
+            <a:r>
+              <a:rPr lang="en-US" dirty="0"/>
+              <a:t>.</a:t>
+            </a:r>
+          </a:p>
+          <a:p>
+            <a:endParaRPr lang="en-US" dirty="0"/>
+          </a:p>
+        </p:txBody>
+      </p:sp>
+    </p:spTree>
+    <p:extLst>
+      <p:ext uri="{BB962C8B-B14F-4D97-AF65-F5344CB8AC3E}">
+        <p14:creationId xmlns:p14="http://schemas.microsoft.com/office/powerpoint/2010/main" val="3734023340"/>
+      </p:ext>
+    </p:extLst>
+  </p:cSld>
+  <p:clrMapOvr>
+    <a:masterClrMapping/>
+  </p:clrMapOvr>
+</p:sld>
+</file>
+
+<file path=ppt/slides/slide5.xml><?xml version="1.0" encoding="utf-8"?>
+<p:sld xmlns:a="http://schemas.openxmlformats.org/drawingml/2006/main" xmlns:r="http://schemas.openxmlformats.org/officeDocument/2006/relationships" xmlns:p="http://schemas.openxmlformats.org/presentationml/2006/main">
+  <p:cSld>
+    <p:spTree>
+      <p:nvGrpSpPr>
+        <p:cNvPr id="1" name=""/>
+        <p:cNvGrpSpPr/>
+        <p:nvPr/>
+      </p:nvGrpSpPr>
+      <p:grpSpPr>
+        <a:xfrm>
+          <a:off x="0" y="0"/>
+          <a:ext cx="0" cy="0"/>
+          <a:chOff x="0" y="0"/>
+          <a:chExt cx="0" cy="0"/>
+        </a:xfrm>
+      </p:grpSpPr>
+      <p:sp>
+        <p:nvSpPr>
+          <p:cNvPr id="2" name="Title 1">
+            <a:extLst>
+              <a:ext uri="{FF2B5EF4-FFF2-40B4-BE49-F238E27FC236}">
+                <a16:creationId xmlns:a16="http://schemas.microsoft.com/office/drawing/2014/main" id="{501E8393-3898-E94F-B71F-D5324B2AF856}"/>
+              </a:ext>
+            </a:extLst>
+          </p:cNvPr>
+          <p:cNvSpPr>
+            <a:spLocks noGrp="1"/>
+          </p:cNvSpPr>
+          <p:nvPr>
+            <p:ph type="title"/>
+          </p:nvPr>
+        </p:nvSpPr>
+        <p:spPr/>
+        <p:txBody>
+          <a:bodyPr/>
+          <a:lstStyle/>
+          <a:p>
+            <a:r>
+              <a:rPr lang="en-US" dirty="0"/>
+              <a:t>Vari</a:t>
+            </a:r>
+            <a:r>
+              <a:rPr lang="en-US" b="1" dirty="0"/>
+              <a:t>able</a:t>
+            </a:r>
+            <a:r>
+              <a:rPr lang="en-US" dirty="0"/>
+              <a:t>s example</a:t>
+            </a:r>
+          </a:p>
+        </p:txBody>
+      </p:sp>
+      <p:sp>
+        <p:nvSpPr>
+          <p:cNvPr id="3" name="Content Placeholder 2">
+            <a:extLst>
+              <a:ext uri="{FF2B5EF4-FFF2-40B4-BE49-F238E27FC236}">
+                <a16:creationId xmlns:a16="http://schemas.microsoft.com/office/drawing/2014/main" id="{7890EAB6-04AB-864E-8731-7F94FC112911}"/>
+              </a:ext>
+            </a:extLst>
+          </p:cNvPr>
+          <p:cNvSpPr>
+            <a:spLocks noGrp="1"/>
+          </p:cNvSpPr>
+          <p:nvPr>
+            <p:ph idx="1"/>
+          </p:nvPr>
+        </p:nvSpPr>
+        <p:spPr/>
+        <p:txBody>
+          <a:bodyPr/>
+          <a:lstStyle/>
+          <a:p>
+            <a:pPr marL="0" indent="0">
+              <a:buNone/>
+            </a:pPr>
+            <a:r>
+              <a:rPr lang="en-US" i="1" dirty="0"/>
+              <a:t>name</a:t>
+            </a:r>
+            <a:r>
+              <a:rPr lang="en-US" b="1" i="1" dirty="0"/>
+              <a:t> </a:t>
+            </a:r>
+            <a:r>
+              <a:rPr lang="en-US" b="1" dirty="0"/>
+              <a:t>= </a:t>
+            </a:r>
+            <a:r>
+              <a:rPr lang="en-US" dirty="0"/>
+              <a:t>“Sean”</a:t>
+            </a:r>
+          </a:p>
+          <a:p>
+            <a:pPr marL="0" indent="0">
+              <a:buNone/>
+            </a:pPr>
+            <a:r>
+              <a:rPr lang="en-US" i="1" dirty="0"/>
+              <a:t>age</a:t>
+            </a:r>
+            <a:r>
+              <a:rPr lang="en-US" dirty="0"/>
+              <a:t> </a:t>
+            </a:r>
+            <a:r>
+              <a:rPr lang="en-US" b="1" dirty="0"/>
+              <a:t>=</a:t>
+            </a:r>
+            <a:r>
+              <a:rPr lang="en-US" dirty="0"/>
+              <a:t> 72</a:t>
+            </a:r>
+          </a:p>
+          <a:p>
+            <a:pPr marL="0" indent="0">
+              <a:buNone/>
+            </a:pPr>
+            <a:r>
+              <a:rPr lang="en-US" i="1" dirty="0" err="1"/>
+              <a:t>is_female</a:t>
+            </a:r>
+            <a:r>
+              <a:rPr lang="en-US" dirty="0"/>
+              <a:t> </a:t>
+            </a:r>
+            <a:r>
+              <a:rPr lang="en-US" b="1" dirty="0"/>
+              <a:t>=</a:t>
+            </a:r>
+            <a:r>
+              <a:rPr lang="en-US" dirty="0"/>
+              <a:t> false</a:t>
+            </a:r>
+          </a:p>
+          <a:p>
+            <a:pPr marL="0" indent="0">
+              <a:buNone/>
+            </a:pPr>
+            <a:r>
+              <a:rPr lang="en-US" i="1" dirty="0"/>
+              <a:t>hobbies</a:t>
+            </a:r>
+            <a:r>
+              <a:rPr lang="en-US" dirty="0"/>
+              <a:t> </a:t>
+            </a:r>
+            <a:r>
+              <a:rPr lang="en-US" b="1" dirty="0"/>
+              <a:t>=</a:t>
+            </a:r>
+            <a:r>
+              <a:rPr lang="en-US" dirty="0"/>
+              <a:t> [“coding”, “reading”, “soccer”]</a:t>
+            </a:r>
+          </a:p>
+        </p:txBody>
+      </p:sp>
+    </p:spTree>
+    <p:extLst>
+      <p:ext uri="{BB962C8B-B14F-4D97-AF65-F5344CB8AC3E}">
+        <p14:creationId xmlns:p14="http://schemas.microsoft.com/office/powerpoint/2010/main" val="334598782"/>
+      </p:ext>
+    </p:extLst>
+  </p:cSld>
+  <p:clrMapOvr>
+    <a:masterClrMapping/>
+  </p:clrMapOvr>
+</p:sld>
+</file>
+
+<file path=ppt/slides/slide6.xml><?xml version="1.0" encoding="utf-8"?>
+<p:sld xmlns:a="http://schemas.openxmlformats.org/drawingml/2006/main" xmlns:r="http://schemas.openxmlformats.org/officeDocument/2006/relationships" xmlns:p="http://schemas.openxmlformats.org/presentationml/2006/main">
+  <p:cSld>
+    <p:spTree>
+      <p:nvGrpSpPr>
+        <p:cNvPr id="1" name=""/>
+        <p:cNvGrpSpPr/>
+        <p:nvPr/>
+      </p:nvGrpSpPr>
+      <p:grpSpPr>
+        <a:xfrm>
+          <a:off x="0" y="0"/>
+          <a:ext cx="0" cy="0"/>
+          <a:chOff x="0" y="0"/>
+          <a:chExt cx="0" cy="0"/>
+        </a:xfrm>
+      </p:grpSpPr>
+      <p:sp>
+        <p:nvSpPr>
+          <p:cNvPr id="2" name="Title 1">
+            <a:extLst>
+              <a:ext uri="{FF2B5EF4-FFF2-40B4-BE49-F238E27FC236}">
+                <a16:creationId xmlns:a16="http://schemas.microsoft.com/office/drawing/2014/main" id="{2DA56969-15FF-8F42-B749-9A139427B75C}"/>
+              </a:ext>
+            </a:extLst>
+          </p:cNvPr>
+          <p:cNvSpPr>
+            <a:spLocks noGrp="1"/>
+          </p:cNvSpPr>
+          <p:nvPr>
+            <p:ph type="title"/>
+          </p:nvPr>
+        </p:nvSpPr>
+        <p:spPr/>
+        <p:txBody>
+          <a:bodyPr/>
+          <a:lstStyle/>
+          <a:p>
+            <a:r>
+              <a:rPr lang="en-US" b="1" dirty="0"/>
+              <a:t>Fun</a:t>
+            </a:r>
+            <a:r>
+              <a:rPr lang="en-US" dirty="0"/>
+              <a:t>ctions</a:t>
+            </a:r>
+          </a:p>
+        </p:txBody>
+      </p:sp>
+      <p:sp>
+        <p:nvSpPr>
+          <p:cNvPr id="3" name="Content Placeholder 2">
+            <a:extLst>
+              <a:ext uri="{FF2B5EF4-FFF2-40B4-BE49-F238E27FC236}">
+                <a16:creationId xmlns:a16="http://schemas.microsoft.com/office/drawing/2014/main" id="{E46C9E63-9392-874D-A50C-AE2C0244DC47}"/>
+              </a:ext>
+            </a:extLst>
+          </p:cNvPr>
+          <p:cNvSpPr>
+            <a:spLocks noGrp="1"/>
+          </p:cNvSpPr>
+          <p:nvPr>
+            <p:ph idx="1"/>
+          </p:nvPr>
+        </p:nvSpPr>
+        <p:spPr/>
+        <p:txBody>
+          <a:bodyPr/>
+          <a:lstStyle/>
+          <a:p>
+            <a:r>
+              <a:rPr lang="en-US" dirty="0"/>
+              <a:t>Little robot that does something</a:t>
+            </a:r>
+          </a:p>
+          <a:p>
+            <a:pPr lvl="1"/>
+            <a:r>
+              <a:rPr lang="en-US" dirty="0"/>
+              <a:t>Takes in (input)</a:t>
+            </a:r>
+          </a:p>
+          <a:p>
+            <a:pPr lvl="1"/>
+            <a:r>
+              <a:rPr lang="en-US" dirty="0"/>
+              <a:t>Gives out (output)</a:t>
+            </a:r>
+          </a:p>
+        </p:txBody>
+      </p:sp>
+    </p:spTree>
+    <p:extLst>
+      <p:ext uri="{BB962C8B-B14F-4D97-AF65-F5344CB8AC3E}">
+        <p14:creationId xmlns:p14="http://schemas.microsoft.com/office/powerpoint/2010/main" val="2603212825"/>
+      </p:ext>
+    </p:extLst>
+  </p:cSld>
+  <p:clrMapOvr>
+    <a:masterClrMapping/>
+  </p:clrMapOvr>
+</p:sld>
+</file>
+
+<file path=ppt/slides/slide7.xml><?xml version="1.0" encoding="utf-8"?>
+<p:sld xmlns:a="http://schemas.openxmlformats.org/drawingml/2006/main" xmlns:r="http://schemas.openxmlformats.org/officeDocument/2006/relationships" xmlns:p="http://schemas.openxmlformats.org/presentationml/2006/main">
+  <p:cSld>
+    <p:spTree>
+      <p:nvGrpSpPr>
+        <p:cNvPr id="1" name=""/>
+        <p:cNvGrpSpPr/>
+        <p:nvPr/>
+      </p:nvGrpSpPr>
+      <p:grpSpPr>
+        <a:xfrm>
+          <a:off x="0" y="0"/>
+          <a:ext cx="0" cy="0"/>
+          <a:chOff x="0" y="0"/>
+          <a:chExt cx="0" cy="0"/>
+        </a:xfrm>
+      </p:grpSpPr>
+      <p:sp>
+        <p:nvSpPr>
+          <p:cNvPr id="2" name="Title 1">
+            <a:extLst>
+              <a:ext uri="{FF2B5EF4-FFF2-40B4-BE49-F238E27FC236}">
+                <a16:creationId xmlns:a16="http://schemas.microsoft.com/office/drawing/2014/main" id="{03BC00B2-B2FA-3A40-B9E7-944EC9A22633}"/>
+              </a:ext>
+            </a:extLst>
+          </p:cNvPr>
+          <p:cNvSpPr>
+            <a:spLocks noGrp="1"/>
+          </p:cNvSpPr>
+          <p:nvPr>
+            <p:ph type="title"/>
+          </p:nvPr>
+        </p:nvSpPr>
+        <p:spPr/>
+        <p:txBody>
+          <a:bodyPr/>
+          <a:lstStyle/>
+          <a:p>
+            <a:r>
+              <a:rPr lang="en-US" b="1" dirty="0"/>
+              <a:t>Fun</a:t>
+            </a:r>
+            <a:r>
+              <a:rPr lang="en-US" dirty="0"/>
+              <a:t>ctions example</a:t>
+            </a:r>
+            <a:endParaRPr lang="en-US" b="1" dirty="0"/>
+          </a:p>
+        </p:txBody>
+      </p:sp>
+      <p:sp>
+        <p:nvSpPr>
+          <p:cNvPr id="3" name="Content Placeholder 2">
+            <a:extLst>
+              <a:ext uri="{FF2B5EF4-FFF2-40B4-BE49-F238E27FC236}">
+                <a16:creationId xmlns:a16="http://schemas.microsoft.com/office/drawing/2014/main" id="{4F380F03-F161-AF44-BF55-7A5B6FAE0B51}"/>
+              </a:ext>
+            </a:extLst>
+          </p:cNvPr>
+          <p:cNvSpPr>
+            <a:spLocks noGrp="1"/>
+          </p:cNvSpPr>
+          <p:nvPr>
+            <p:ph idx="1"/>
+          </p:nvPr>
+        </p:nvSpPr>
+        <p:spPr/>
+        <p:txBody>
+          <a:bodyPr/>
+          <a:lstStyle/>
+          <a:p>
+            <a:pPr marL="0" indent="0">
+              <a:buNone/>
+            </a:pPr>
+            <a:r>
+              <a:rPr lang="en-US" dirty="0"/>
+              <a:t>function </a:t>
+            </a:r>
+            <a:r>
+              <a:rPr lang="en-US" dirty="0" err="1"/>
+              <a:t>name_of_function</a:t>
+            </a:r>
+            <a:endParaRPr lang="en-US" dirty="0"/>
+          </a:p>
+          <a:p>
+            <a:pPr marL="0" indent="0">
+              <a:buNone/>
+            </a:pPr>
+            <a:r>
+              <a:rPr lang="en-US" dirty="0"/>
+              <a:t>  in: </a:t>
+            </a:r>
+            <a:r>
+              <a:rPr lang="en-US" i="1" dirty="0"/>
+              <a:t>input</a:t>
+            </a:r>
+          </a:p>
+          <a:p>
+            <a:pPr marL="0" indent="0">
+              <a:buNone/>
+            </a:pPr>
+            <a:endParaRPr lang="en-US" dirty="0"/>
+          </a:p>
+          <a:p>
+            <a:pPr marL="0" indent="0">
+              <a:buNone/>
+            </a:pPr>
+            <a:r>
+              <a:rPr lang="en-US" dirty="0"/>
+              <a:t>  out: output</a:t>
+            </a:r>
+          </a:p>
+        </p:txBody>
+      </p:sp>
+    </p:spTree>
+    <p:extLst>
+      <p:ext uri="{BB962C8B-B14F-4D97-AF65-F5344CB8AC3E}">
+        <p14:creationId xmlns:p14="http://schemas.microsoft.com/office/powerpoint/2010/main" val="151906686"/>
+      </p:ext>
+    </p:extLst>
+  </p:cSld>
+  <p:clrMapOvr>
+    <a:masterClrMapping/>
+  </p:clrMapOvr>
+</p:sld>
+</file>
+
+<file path=ppt/slides/slide8.xml><?xml version="1.0" encoding="utf-8"?>
+<p:sld xmlns:a="http://schemas.openxmlformats.org/drawingml/2006/main" xmlns:r="http://schemas.openxmlformats.org/officeDocument/2006/relationships" xmlns:p="http://schemas.openxmlformats.org/presentationml/2006/main">
+  <p:cSld>
+    <p:spTree>
+      <p:nvGrpSpPr>
+        <p:cNvPr id="1" name=""/>
+        <p:cNvGrpSpPr/>
+        <p:nvPr/>
+      </p:nvGrpSpPr>
+      <p:grpSpPr>
+        <a:xfrm>
+          <a:off x="0" y="0"/>
+          <a:ext cx="0" cy="0"/>
+          <a:chOff x="0" y="0"/>
+          <a:chExt cx="0" cy="0"/>
+        </a:xfrm>
+      </p:grpSpPr>
+      <p:sp>
+        <p:nvSpPr>
+          <p:cNvPr id="2" name="Title 1">
+            <a:extLst>
+              <a:ext uri="{FF2B5EF4-FFF2-40B4-BE49-F238E27FC236}">
+                <a16:creationId xmlns:a16="http://schemas.microsoft.com/office/drawing/2014/main" id="{F38EF949-F4DC-D944-A9CB-9CF30463CE08}"/>
+              </a:ext>
+            </a:extLst>
+          </p:cNvPr>
+          <p:cNvSpPr>
+            <a:spLocks noGrp="1"/>
+          </p:cNvSpPr>
+          <p:nvPr>
+            <p:ph type="title"/>
+          </p:nvPr>
+        </p:nvSpPr>
+        <p:spPr/>
+        <p:txBody>
+          <a:bodyPr/>
+          <a:lstStyle/>
+          <a:p>
+            <a:r>
+              <a:rPr lang="en-US" dirty="0"/>
+              <a:t>Sorting with </a:t>
+            </a:r>
+            <a:r>
+              <a:rPr lang="en-US" b="1" dirty="0"/>
+              <a:t>if</a:t>
+            </a:r>
+            <a:endParaRPr lang="en-US" dirty="0"/>
+          </a:p>
+        </p:txBody>
+      </p:sp>
+      <p:sp>
+        <p:nvSpPr>
+          <p:cNvPr id="3" name="Content Placeholder 2">
+            <a:extLst>
+              <a:ext uri="{FF2B5EF4-FFF2-40B4-BE49-F238E27FC236}">
+                <a16:creationId xmlns:a16="http://schemas.microsoft.com/office/drawing/2014/main" id="{EFF8AAE5-396D-8F43-BD3A-DDD0D50479CA}"/>
+              </a:ext>
+            </a:extLst>
+          </p:cNvPr>
+          <p:cNvSpPr>
+            <a:spLocks noGrp="1"/>
+          </p:cNvSpPr>
+          <p:nvPr>
+            <p:ph idx="1"/>
+          </p:nvPr>
+        </p:nvSpPr>
+        <p:spPr/>
+        <p:txBody>
+          <a:bodyPr/>
+          <a:lstStyle/>
+          <a:p>
+            <a:pPr marL="0" indent="0">
+              <a:buNone/>
+            </a:pPr>
+            <a:r>
+              <a:rPr lang="en-US" dirty="0"/>
+              <a:t>function </a:t>
+            </a:r>
+            <a:r>
+              <a:rPr lang="en-US" dirty="0" err="1"/>
+              <a:t>is_number</a:t>
+            </a:r>
+            <a:endParaRPr lang="en-US" dirty="0"/>
+          </a:p>
+          <a:p>
+            <a:pPr marL="0" indent="0">
+              <a:buNone/>
+            </a:pPr>
+            <a:r>
+              <a:rPr lang="en-US" dirty="0"/>
+              <a:t>  in: </a:t>
+            </a:r>
+            <a:r>
+              <a:rPr lang="en-US" i="1" dirty="0"/>
+              <a:t>value</a:t>
+            </a:r>
+          </a:p>
+          <a:p>
+            <a:pPr marL="0" indent="0">
+              <a:buNone/>
+            </a:pPr>
+            <a:endParaRPr lang="en-US" dirty="0"/>
+          </a:p>
+          <a:p>
+            <a:pPr marL="0" indent="0">
+              <a:buNone/>
+            </a:pPr>
+            <a:r>
+              <a:rPr lang="en-US" dirty="0"/>
+              <a:t>  if </a:t>
+            </a:r>
+            <a:r>
+              <a:rPr lang="en-US" i="1" dirty="0"/>
+              <a:t>value</a:t>
+            </a:r>
+            <a:r>
+              <a:rPr lang="en-US" dirty="0"/>
+              <a:t> </a:t>
+            </a:r>
+            <a:r>
+              <a:rPr lang="en-US" b="1" dirty="0"/>
+              <a:t>is</a:t>
+            </a:r>
+            <a:r>
+              <a:rPr lang="en-US" dirty="0"/>
+              <a:t> number</a:t>
+            </a:r>
+          </a:p>
+          <a:p>
+            <a:pPr marL="0" indent="0">
+              <a:buNone/>
+            </a:pPr>
+            <a:r>
+              <a:rPr lang="en-US" dirty="0"/>
+              <a:t>    out: ”Yes, it’s a number!”</a:t>
+            </a:r>
+          </a:p>
+        </p:txBody>
+      </p:sp>
+    </p:spTree>
+    <p:extLst>
+      <p:ext uri="{BB962C8B-B14F-4D97-AF65-F5344CB8AC3E}">
+        <p14:creationId xmlns:p14="http://schemas.microsoft.com/office/powerpoint/2010/main" val="1165837687"/>
+      </p:ext>
+    </p:extLst>
+  </p:cSld>
+  <p:clrMapOvr>
+    <a:masterClrMapping/>
+  </p:clrMapOvr>
+</p:sld>
+</file>
+
+<file path=ppt/slides/slide9.xml><?xml version="1.0" encoding="utf-8"?>
+<p:sld xmlns:a="http://schemas.openxmlformats.org/drawingml/2006/main" xmlns:r="http://schemas.openxmlformats.org/officeDocument/2006/relationships" xmlns:p="http://schemas.openxmlformats.org/presentationml/2006/main">
+  <p:cSld>
+    <p:spTree>
+      <p:nvGrpSpPr>
+        <p:cNvPr id="1" name=""/>
+        <p:cNvGrpSpPr/>
+        <p:nvPr/>
+      </p:nvGrpSpPr>
+      <p:grpSpPr>
+        <a:xfrm>
+          <a:off x="0" y="0"/>
+          <a:ext cx="0" cy="0"/>
+          <a:chOff x="0" y="0"/>
+          <a:chExt cx="0" cy="0"/>
+        </a:xfrm>
+      </p:grpSpPr>
+      <p:sp>
+        <p:nvSpPr>
+          <p:cNvPr id="2" name="Title 1">
+            <a:extLst>
+              <a:ext uri="{FF2B5EF4-FFF2-40B4-BE49-F238E27FC236}">
+                <a16:creationId xmlns:a16="http://schemas.microsoft.com/office/drawing/2014/main" id="{F38EF949-F4DC-D944-A9CB-9CF30463CE08}"/>
+              </a:ext>
+            </a:extLst>
+          </p:cNvPr>
+          <p:cNvSpPr>
+            <a:spLocks noGrp="1"/>
+          </p:cNvSpPr>
+          <p:nvPr>
+            <p:ph type="title"/>
+          </p:nvPr>
+        </p:nvSpPr>
+        <p:spPr/>
+        <p:txBody>
+          <a:bodyPr/>
+          <a:lstStyle/>
+          <a:p>
+            <a:r>
+              <a:rPr lang="en-US" b="1" dirty="0"/>
+              <a:t>Add</a:t>
+            </a:r>
+            <a:r>
+              <a:rPr lang="en-US" dirty="0"/>
+              <a:t>itional conditionals</a:t>
+            </a:r>
+            <a:endParaRPr lang="en-US" b="1" dirty="0"/>
+          </a:p>
+        </p:txBody>
+      </p:sp>
+      <p:sp>
+        <p:nvSpPr>
+          <p:cNvPr id="3" name="Content Placeholder 2">
+            <a:extLst>
+              <a:ext uri="{FF2B5EF4-FFF2-40B4-BE49-F238E27FC236}">
+                <a16:creationId xmlns:a16="http://schemas.microsoft.com/office/drawing/2014/main" id="{EFF8AAE5-396D-8F43-BD3A-DDD0D50479CA}"/>
+              </a:ext>
+            </a:extLst>
+          </p:cNvPr>
+          <p:cNvSpPr>
+            <a:spLocks noGrp="1"/>
+          </p:cNvSpPr>
+          <p:nvPr>
+            <p:ph idx="1"/>
+          </p:nvPr>
+        </p:nvSpPr>
+        <p:spPr/>
+        <p:txBody>
+          <a:bodyPr>
+            <a:normAutofit/>
+          </a:bodyPr>
+          <a:lstStyle/>
+          <a:p>
+            <a:pPr marL="0" indent="0">
+              <a:buNone/>
+            </a:pPr>
+            <a:r>
+              <a:rPr lang="en-US" dirty="0"/>
+              <a:t>function </a:t>
+            </a:r>
+            <a:r>
+              <a:rPr lang="en-US" dirty="0" err="1"/>
+              <a:t>greet_student</a:t>
+            </a:r>
+            <a:endParaRPr lang="en-US" dirty="0"/>
+          </a:p>
+          <a:p>
+            <a:pPr marL="0" indent="0">
+              <a:buNone/>
+            </a:pPr>
+            <a:r>
+              <a:rPr lang="en-US" dirty="0"/>
+              <a:t>  in: </a:t>
+            </a:r>
+            <a:r>
+              <a:rPr lang="en-US" i="1" dirty="0" err="1"/>
+              <a:t>is_student</a:t>
+            </a:r>
+            <a:r>
+              <a:rPr lang="en-US" dirty="0"/>
+              <a:t>, </a:t>
+            </a:r>
+            <a:r>
+              <a:rPr lang="en-US" i="1" dirty="0" err="1"/>
+              <a:t>is_present</a:t>
+            </a:r>
+            <a:r>
+              <a:rPr lang="en-US" i="1" dirty="0"/>
+              <a:t> </a:t>
+            </a:r>
+          </a:p>
+          <a:p>
+            <a:pPr marL="0" indent="0">
+              <a:buNone/>
+            </a:pPr>
+            <a:endParaRPr lang="en-US" dirty="0"/>
+          </a:p>
+          <a:p>
+            <a:pPr marL="0" indent="0">
+              <a:buNone/>
+            </a:pPr>
+            <a:r>
+              <a:rPr lang="en-US" dirty="0"/>
+              <a:t>  if </a:t>
+            </a:r>
+            <a:r>
+              <a:rPr lang="en-US" i="1" dirty="0" err="1"/>
+              <a:t>is_student</a:t>
+            </a:r>
+            <a:r>
+              <a:rPr lang="en-US" dirty="0"/>
+              <a:t> </a:t>
+            </a:r>
+            <a:r>
+              <a:rPr lang="en-US" b="1" dirty="0"/>
+              <a:t>and </a:t>
+            </a:r>
+            <a:r>
+              <a:rPr lang="en-US" i="1" dirty="0" err="1"/>
+              <a:t>is_present</a:t>
+            </a:r>
+            <a:endParaRPr lang="en-US" i="1" dirty="0"/>
+          </a:p>
+          <a:p>
+            <a:pPr marL="0" indent="0">
+              <a:buNone/>
+            </a:pPr>
+            <a:r>
+              <a:rPr lang="en-US" i="1" dirty="0"/>
+              <a:t>    </a:t>
+            </a:r>
+            <a:r>
+              <a:rPr lang="en-US" dirty="0"/>
+              <a:t>out: ”Welcome to class!”</a:t>
+            </a:r>
+          </a:p>
+        </p:txBody>
+      </p:sp>
+    </p:spTree>
+    <p:extLst>
+      <p:ext uri="{BB962C8B-B14F-4D97-AF65-F5344CB8AC3E}">
+        <p14:creationId xmlns:p14="http://schemas.microsoft.com/office/powerpoint/2010/main" val="1403667875"/>
       </p:ext>
     </p:extLst>
   </p:cSld>

--- a/presentation.pptx
+++ b/presentation.pptx
@@ -6,18 +6,35 @@
   </p:sldMasterIdLst>
   <p:sldIdLst>
     <p:sldId id="256" r:id="rId2"/>
-    <p:sldId id="257" r:id="rId3"/>
-    <p:sldId id="258" r:id="rId4"/>
-    <p:sldId id="265" r:id="rId5"/>
-    <p:sldId id="264" r:id="rId6"/>
-    <p:sldId id="266" r:id="rId7"/>
-    <p:sldId id="263" r:id="rId8"/>
-    <p:sldId id="259" r:id="rId9"/>
-    <p:sldId id="260" r:id="rId10"/>
-    <p:sldId id="261" r:id="rId11"/>
-    <p:sldId id="267" r:id="rId12"/>
-    <p:sldId id="268" r:id="rId13"/>
-    <p:sldId id="269" r:id="rId14"/>
+    <p:sldId id="270" r:id="rId3"/>
+    <p:sldId id="271" r:id="rId4"/>
+    <p:sldId id="257" r:id="rId5"/>
+    <p:sldId id="258" r:id="rId6"/>
+    <p:sldId id="288" r:id="rId7"/>
+    <p:sldId id="272" r:id="rId8"/>
+    <p:sldId id="265" r:id="rId9"/>
+    <p:sldId id="273" r:id="rId10"/>
+    <p:sldId id="264" r:id="rId11"/>
+    <p:sldId id="266" r:id="rId12"/>
+    <p:sldId id="263" r:id="rId13"/>
+    <p:sldId id="259" r:id="rId14"/>
+    <p:sldId id="260" r:id="rId15"/>
+    <p:sldId id="261" r:id="rId16"/>
+    <p:sldId id="277" r:id="rId17"/>
+    <p:sldId id="268" r:id="rId18"/>
+    <p:sldId id="276" r:id="rId19"/>
+    <p:sldId id="274" r:id="rId20"/>
+    <p:sldId id="275" r:id="rId21"/>
+    <p:sldId id="278" r:id="rId22"/>
+    <p:sldId id="282" r:id="rId23"/>
+    <p:sldId id="281" r:id="rId24"/>
+    <p:sldId id="283" r:id="rId25"/>
+    <p:sldId id="284" r:id="rId26"/>
+    <p:sldId id="285" r:id="rId27"/>
+    <p:sldId id="279" r:id="rId28"/>
+    <p:sldId id="280" r:id="rId29"/>
+    <p:sldId id="287" r:id="rId30"/>
+    <p:sldId id="286" r:id="rId31"/>
   </p:sldIdLst>
   <p:sldSz cx="12192000" cy="6858000"/>
   <p:notesSz cx="6858000" cy="9144000"/>
@@ -273,7 +290,7 @@
           <a:p>
             <a:fld id="{57B5B646-48DC-484A-B431-072F6D23B7CC}" type="datetimeFigureOut">
               <a:rPr lang="en-US" smtClean="0"/>
-              <a:t>3/19/19</a:t>
+              <a:t>3/20/19</a:t>
             </a:fld>
             <a:endParaRPr lang="en-US"/>
           </a:p>
@@ -471,7 +488,7 @@
           <a:p>
             <a:fld id="{57B5B646-48DC-484A-B431-072F6D23B7CC}" type="datetimeFigureOut">
               <a:rPr lang="en-US" smtClean="0"/>
-              <a:t>3/19/19</a:t>
+              <a:t>3/20/19</a:t>
             </a:fld>
             <a:endParaRPr lang="en-US"/>
           </a:p>
@@ -679,7 +696,7 @@
           <a:p>
             <a:fld id="{57B5B646-48DC-484A-B431-072F6D23B7CC}" type="datetimeFigureOut">
               <a:rPr lang="en-US" smtClean="0"/>
-              <a:t>3/19/19</a:t>
+              <a:t>3/20/19</a:t>
             </a:fld>
             <a:endParaRPr lang="en-US"/>
           </a:p>
@@ -877,7 +894,7 @@
           <a:p>
             <a:fld id="{57B5B646-48DC-484A-B431-072F6D23B7CC}" type="datetimeFigureOut">
               <a:rPr lang="en-US" smtClean="0"/>
-              <a:t>3/19/19</a:t>
+              <a:t>3/20/19</a:t>
             </a:fld>
             <a:endParaRPr lang="en-US"/>
           </a:p>
@@ -1033,33 +1050,44 @@
               <a:buNone/>
               <a:defRPr sz="2400">
                 <a:solidFill>
+                  <a:schemeClr val="tx2">
+                    <a:lumMod val="60000"/>
+                    <a:lumOff val="40000"/>
+                  </a:schemeClr>
+                </a:solidFill>
+              </a:defRPr>
+            </a:lvl1pPr>
+            <a:lvl2pPr marL="457200" indent="0">
+              <a:buNone/>
+              <a:defRPr sz="2000">
+                <a:solidFill>
                   <a:schemeClr val="tx1">
                     <a:tint val="75000"/>
                   </a:schemeClr>
                 </a:solidFill>
               </a:defRPr>
-            </a:lvl1pPr>
-            <a:lvl2pPr marL="457200" indent="0">
-              <a:buNone/>
-              <a:defRPr sz="2000">
+            </a:lvl2pPr>
+            <a:lvl3pPr marL="914400" indent="0">
+              <a:buNone/>
+              <a:defRPr sz="1800">
                 <a:solidFill>
                   <a:schemeClr val="tx1">
                     <a:tint val="75000"/>
                   </a:schemeClr>
                 </a:solidFill>
               </a:defRPr>
-            </a:lvl2pPr>
-            <a:lvl3pPr marL="914400" indent="0">
-              <a:buNone/>
-              <a:defRPr sz="1800">
+            </a:lvl3pPr>
+            <a:lvl4pPr marL="1371600" indent="0">
+              <a:buNone/>
+              <a:defRPr sz="1600">
                 <a:solidFill>
                   <a:schemeClr val="tx1">
                     <a:tint val="75000"/>
                   </a:schemeClr>
                 </a:solidFill>
               </a:defRPr>
-            </a:lvl3pPr>
-            <a:lvl4pPr marL="1371600" indent="0">
+            </a:lvl4pPr>
+            <a:lvl5pPr marL="1828800" indent="0">
               <a:buNone/>
               <a:defRPr sz="1600">
                 <a:solidFill>
@@ -1068,8 +1096,8 @@
                   </a:schemeClr>
                 </a:solidFill>
               </a:defRPr>
-            </a:lvl4pPr>
-            <a:lvl5pPr marL="1828800" indent="0">
+            </a:lvl5pPr>
+            <a:lvl6pPr marL="2286000" indent="0">
               <a:buNone/>
               <a:defRPr sz="1600">
                 <a:solidFill>
@@ -1078,8 +1106,8 @@
                   </a:schemeClr>
                 </a:solidFill>
               </a:defRPr>
-            </a:lvl5pPr>
-            <a:lvl6pPr marL="2286000" indent="0">
+            </a:lvl6pPr>
+            <a:lvl7pPr marL="2743200" indent="0">
               <a:buNone/>
               <a:defRPr sz="1600">
                 <a:solidFill>
@@ -1088,8 +1116,8 @@
                   </a:schemeClr>
                 </a:solidFill>
               </a:defRPr>
-            </a:lvl6pPr>
-            <a:lvl7pPr marL="2743200" indent="0">
+            </a:lvl7pPr>
+            <a:lvl8pPr marL="3200400" indent="0">
               <a:buNone/>
               <a:defRPr sz="1600">
                 <a:solidFill>
@@ -1098,8 +1126,8 @@
                   </a:schemeClr>
                 </a:solidFill>
               </a:defRPr>
-            </a:lvl7pPr>
-            <a:lvl8pPr marL="3200400" indent="0">
+            </a:lvl8pPr>
+            <a:lvl9pPr marL="3657600" indent="0">
               <a:buNone/>
               <a:defRPr sz="1600">
                 <a:solidFill>
@@ -1108,22 +1136,12 @@
                   </a:schemeClr>
                 </a:solidFill>
               </a:defRPr>
-            </a:lvl8pPr>
-            <a:lvl9pPr marL="3657600" indent="0">
-              <a:buNone/>
-              <a:defRPr sz="1600">
-                <a:solidFill>
-                  <a:schemeClr val="tx1">
-                    <a:tint val="75000"/>
-                  </a:schemeClr>
-                </a:solidFill>
-              </a:defRPr>
             </a:lvl9pPr>
           </a:lstStyle>
           <a:p>
             <a:pPr lvl="0"/>
             <a:r>
-              <a:rPr lang="en-US"/>
+              <a:rPr lang="en-US" dirty="0"/>
               <a:t>Click to edit Master text styles</a:t>
             </a:r>
           </a:p>
@@ -1152,7 +1170,7 @@
           <a:p>
             <a:fld id="{57B5B646-48DC-484A-B431-072F6D23B7CC}" type="datetimeFigureOut">
               <a:rPr lang="en-US" smtClean="0"/>
-              <a:t>3/19/19</a:t>
+              <a:t>3/20/19</a:t>
             </a:fld>
             <a:endParaRPr lang="en-US"/>
           </a:p>
@@ -1417,7 +1435,7 @@
           <a:p>
             <a:fld id="{57B5B646-48DC-484A-B431-072F6D23B7CC}" type="datetimeFigureOut">
               <a:rPr lang="en-US" smtClean="0"/>
-              <a:t>3/19/19</a:t>
+              <a:t>3/20/19</a:t>
             </a:fld>
             <a:endParaRPr lang="en-US"/>
           </a:p>
@@ -1829,7 +1847,7 @@
           <a:p>
             <a:fld id="{57B5B646-48DC-484A-B431-072F6D23B7CC}" type="datetimeFigureOut">
               <a:rPr lang="en-US" smtClean="0"/>
-              <a:t>3/19/19</a:t>
+              <a:t>3/20/19</a:t>
             </a:fld>
             <a:endParaRPr lang="en-US"/>
           </a:p>
@@ -1970,7 +1988,7 @@
           <a:p>
             <a:fld id="{57B5B646-48DC-484A-B431-072F6D23B7CC}" type="datetimeFigureOut">
               <a:rPr lang="en-US" smtClean="0"/>
-              <a:t>3/19/19</a:t>
+              <a:t>3/20/19</a:t>
             </a:fld>
             <a:endParaRPr lang="en-US"/>
           </a:p>
@@ -2083,7 +2101,7 @@
           <a:p>
             <a:fld id="{57B5B646-48DC-484A-B431-072F6D23B7CC}" type="datetimeFigureOut">
               <a:rPr lang="en-US" smtClean="0"/>
-              <a:t>3/19/19</a:t>
+              <a:t>3/20/19</a:t>
             </a:fld>
             <a:endParaRPr lang="en-US"/>
           </a:p>
@@ -2394,7 +2412,7 @@
           <a:p>
             <a:fld id="{57B5B646-48DC-484A-B431-072F6D23B7CC}" type="datetimeFigureOut">
               <a:rPr lang="en-US" smtClean="0"/>
-              <a:t>3/19/19</a:t>
+              <a:t>3/20/19</a:t>
             </a:fld>
             <a:endParaRPr lang="en-US"/>
           </a:p>
@@ -2682,7 +2700,7 @@
           <a:p>
             <a:fld id="{57B5B646-48DC-484A-B431-072F6D23B7CC}" type="datetimeFigureOut">
               <a:rPr lang="en-US" smtClean="0"/>
-              <a:t>3/19/19</a:t>
+              <a:t>3/20/19</a:t>
             </a:fld>
             <a:endParaRPr lang="en-US"/>
           </a:p>
@@ -2933,7 +2951,7 @@
             <a:fld id="{57B5B646-48DC-484A-B431-072F6D23B7CC}" type="datetimeFigureOut">
               <a:rPr lang="en-US" smtClean="0"/>
               <a:pPr/>
-              <a:t>3/19/19</a:t>
+              <a:t>3/20/19</a:t>
             </a:fld>
             <a:endParaRPr lang="en-US" dirty="0"/>
           </a:p>
@@ -3467,7 +3485,7 @@
           <p:cNvPr id="2" name="Title 1">
             <a:extLst>
               <a:ext uri="{FF2B5EF4-FFF2-40B4-BE49-F238E27FC236}">
-                <a16:creationId xmlns:a16="http://schemas.microsoft.com/office/drawing/2014/main" id="{47B59599-FA96-E94F-9B51-94C3826DFC16}"/>
+                <a16:creationId xmlns:a16="http://schemas.microsoft.com/office/drawing/2014/main" id="{501E8393-3898-E94F-B71F-D5324B2AF856}"/>
               </a:ext>
             </a:extLst>
           </p:cNvPr>
@@ -3485,7 +3503,15 @@
           <a:p>
             <a:r>
               <a:rPr lang="en-US" dirty="0"/>
-              <a:t>Sorting shapes</a:t>
+              <a:t>Vari</a:t>
+            </a:r>
+            <a:r>
+              <a:rPr lang="en-US" b="1" dirty="0"/>
+              <a:t>able</a:t>
+            </a:r>
+            <a:r>
+              <a:rPr lang="en-US" dirty="0"/>
+              <a:t>s example</a:t>
             </a:r>
           </a:p>
         </p:txBody>
@@ -3495,7 +3521,7 @@
           <p:cNvPr id="3" name="Content Placeholder 2">
             <a:extLst>
               <a:ext uri="{FF2B5EF4-FFF2-40B4-BE49-F238E27FC236}">
-                <a16:creationId xmlns:a16="http://schemas.microsoft.com/office/drawing/2014/main" id="{73CB2ADE-C822-3B48-B20D-4253B0AF0DC7}"/>
+                <a16:creationId xmlns:a16="http://schemas.microsoft.com/office/drawing/2014/main" id="{7890EAB6-04AB-864E-8731-7F94FC112911}"/>
               </a:ext>
             </a:extLst>
           </p:cNvPr>
@@ -3506,67 +3532,37 @@
             <p:ph idx="1"/>
           </p:nvPr>
         </p:nvSpPr>
-        <p:spPr>
-          <a:xfrm>
-            <a:off x="838200" y="1825625"/>
-            <a:ext cx="10515600" cy="4351338"/>
-          </a:xfrm>
-        </p:spPr>
-        <p:txBody>
-          <a:bodyPr>
-            <a:normAutofit/>
-          </a:bodyPr>
+        <p:spPr/>
+        <p:txBody>
+          <a:bodyPr/>
           <a:lstStyle/>
           <a:p>
             <a:pPr marL="0" indent="0">
               <a:buNone/>
             </a:pPr>
             <a:r>
-              <a:rPr lang="en-US" dirty="0"/>
-              <a:t>{</a:t>
-            </a:r>
-          </a:p>
-          <a:p>
-            <a:pPr marL="457200" lvl="1" indent="0">
-              <a:buNone/>
-            </a:pPr>
-            <a:r>
-              <a:rPr lang="en-US" sz="2800" dirty="0"/>
-              <a:t>"id": 1,</a:t>
-            </a:r>
-          </a:p>
-          <a:p>
-            <a:pPr marL="457200" lvl="1" indent="0">
-              <a:buNone/>
-            </a:pPr>
-            <a:r>
-              <a:rPr lang="en-US" sz="2800" dirty="0"/>
-              <a:t>"</a:t>
-            </a:r>
-            <a:r>
-              <a:rPr lang="en-US" sz="2800" dirty="0" err="1"/>
-              <a:t>side_count</a:t>
-            </a:r>
-            <a:r>
-              <a:rPr lang="en-US" sz="2800" dirty="0"/>
-              <a:t>": 3,</a:t>
-            </a:r>
-          </a:p>
-          <a:p>
-            <a:pPr marL="457200" lvl="1" indent="0">
-              <a:buNone/>
-            </a:pPr>
-            <a:r>
-              <a:rPr lang="en-US" sz="2800" dirty="0"/>
-              <a:t>"</a:t>
-            </a:r>
-            <a:r>
-              <a:rPr lang="en-US" sz="2800" dirty="0" err="1"/>
-              <a:t>is_closed</a:t>
-            </a:r>
-            <a:r>
-              <a:rPr lang="en-US" sz="2800" dirty="0"/>
-              <a:t>": true</a:t>
+              <a:rPr lang="en-US" dirty="0" err="1"/>
+              <a:t>var</a:t>
+            </a:r>
+            <a:r>
+              <a:rPr lang="en-US" dirty="0"/>
+              <a:t> </a:t>
+            </a:r>
+            <a:r>
+              <a:rPr lang="en-US" i="1" dirty="0"/>
+              <a:t>name</a:t>
+            </a:r>
+            <a:r>
+              <a:rPr lang="en-US" b="1" i="1" dirty="0"/>
+              <a:t> </a:t>
+            </a:r>
+            <a:r>
+              <a:rPr lang="en-US" b="1" dirty="0"/>
+              <a:t>= </a:t>
+            </a:r>
+            <a:r>
+              <a:rPr lang="en-US" dirty="0"/>
+              <a:t>“Sean”</a:t>
             </a:r>
           </a:p>
           <a:p>
@@ -3574,8 +3570,86 @@
               <a:buNone/>
             </a:pPr>
             <a:r>
-              <a:rPr lang="en-US" dirty="0"/>
-              <a:t>}</a:t>
+              <a:rPr lang="en-US" dirty="0" err="1"/>
+              <a:t>var</a:t>
+            </a:r>
+            <a:r>
+              <a:rPr lang="en-US" dirty="0"/>
+              <a:t> </a:t>
+            </a:r>
+            <a:r>
+              <a:rPr lang="en-US" i="1" dirty="0"/>
+              <a:t>age</a:t>
+            </a:r>
+            <a:r>
+              <a:rPr lang="en-US" dirty="0"/>
+              <a:t> </a:t>
+            </a:r>
+            <a:r>
+              <a:rPr lang="en-US" b="1" dirty="0"/>
+              <a:t>=</a:t>
+            </a:r>
+            <a:r>
+              <a:rPr lang="en-US" dirty="0"/>
+              <a:t> 72</a:t>
+            </a:r>
+          </a:p>
+          <a:p>
+            <a:pPr marL="0" indent="0">
+              <a:buNone/>
+            </a:pPr>
+            <a:r>
+              <a:rPr lang="en-US" dirty="0" err="1"/>
+              <a:t>var</a:t>
+            </a:r>
+            <a:r>
+              <a:rPr lang="en-US" dirty="0"/>
+              <a:t> </a:t>
+            </a:r>
+            <a:r>
+              <a:rPr lang="en-US" i="1" dirty="0" err="1"/>
+              <a:t>is_female</a:t>
+            </a:r>
+            <a:r>
+              <a:rPr lang="en-US" dirty="0"/>
+              <a:t> </a:t>
+            </a:r>
+            <a:r>
+              <a:rPr lang="en-US" b="1" dirty="0"/>
+              <a:t>=</a:t>
+            </a:r>
+            <a:r>
+              <a:rPr lang="en-US" dirty="0"/>
+              <a:t> false</a:t>
+            </a:r>
+          </a:p>
+          <a:p>
+            <a:pPr marL="0" indent="0">
+              <a:buNone/>
+            </a:pPr>
+            <a:r>
+              <a:rPr lang="en-US" dirty="0" err="1"/>
+              <a:t>var</a:t>
+            </a:r>
+            <a:r>
+              <a:rPr lang="en-US" dirty="0"/>
+              <a:t> </a:t>
+            </a:r>
+            <a:r>
+              <a:rPr lang="en-US" i="1" dirty="0"/>
+              <a:t>hobbies</a:t>
+            </a:r>
+            <a:r>
+              <a:rPr lang="en-US" dirty="0"/>
+              <a:t> </a:t>
+            </a:r>
+            <a:r>
+              <a:rPr lang="en-US" b="1" dirty="0"/>
+              <a:t>=</a:t>
+            </a:r>
+            <a:r>
+              <a:rPr lang="en-US" dirty="0"/>
+              <a:t> [“coding”, “reading”, “soccer”]</a:t>
             </a:r>
           </a:p>
         </p:txBody>
@@ -3583,7 +3657,7 @@
     </p:spTree>
     <p:extLst>
       <p:ext uri="{BB962C8B-B14F-4D97-AF65-F5344CB8AC3E}">
-        <p14:creationId xmlns:p14="http://schemas.microsoft.com/office/powerpoint/2010/main" val="548113500"/>
+        <p14:creationId xmlns:p14="http://schemas.microsoft.com/office/powerpoint/2010/main" val="334598782"/>
       </p:ext>
     </p:extLst>
   </p:cSld>
@@ -3615,7 +3689,7 @@
           <p:cNvPr id="2" name="Title 1">
             <a:extLst>
               <a:ext uri="{FF2B5EF4-FFF2-40B4-BE49-F238E27FC236}">
-                <a16:creationId xmlns:a16="http://schemas.microsoft.com/office/drawing/2014/main" id="{47B59599-FA96-E94F-9B51-94C3826DFC16}"/>
+                <a16:creationId xmlns:a16="http://schemas.microsoft.com/office/drawing/2014/main" id="{2DA56969-15FF-8F42-B749-9A139427B75C}"/>
               </a:ext>
             </a:extLst>
           </p:cNvPr>
@@ -3632,8 +3706,12 @@
           <a:lstStyle/>
           <a:p>
             <a:r>
-              <a:rPr lang="en-US" dirty="0"/>
-              <a:t>Sorting shapes</a:t>
+              <a:rPr lang="en-US" b="1" dirty="0"/>
+              <a:t>Fun</a:t>
+            </a:r>
+            <a:r>
+              <a:rPr lang="en-US" dirty="0"/>
+              <a:t>ctions</a:t>
             </a:r>
           </a:p>
         </p:txBody>
@@ -3643,190 +3721,47 @@
           <p:cNvPr id="3" name="Content Placeholder 2">
             <a:extLst>
               <a:ext uri="{FF2B5EF4-FFF2-40B4-BE49-F238E27FC236}">
-                <a16:creationId xmlns:a16="http://schemas.microsoft.com/office/drawing/2014/main" id="{73CB2ADE-C822-3B48-B20D-4253B0AF0DC7}"/>
-              </a:ext>
-            </a:extLst>
-          </p:cNvPr>
-          <p:cNvSpPr>
-            <a:spLocks noGrp="1"/>
-          </p:cNvSpPr>
-          <p:nvPr>
-            <p:ph sz="half" idx="1"/>
-          </p:nvPr>
-        </p:nvSpPr>
-        <p:spPr>
-          <a:xfrm>
-            <a:off x="838200" y="1825625"/>
-            <a:ext cx="7146072" cy="4351338"/>
-          </a:xfrm>
-        </p:spPr>
-        <p:txBody>
-          <a:bodyPr>
-            <a:normAutofit/>
-          </a:bodyPr>
-          <a:lstStyle/>
-          <a:p>
-            <a:pPr marL="0" indent="0">
-              <a:buNone/>
-            </a:pPr>
-            <a:r>
-              <a:rPr lang="en-US" dirty="0"/>
-              <a:t>function </a:t>
-            </a:r>
-            <a:r>
-              <a:rPr lang="en-US" dirty="0" err="1"/>
-              <a:t>sort_shape</a:t>
-            </a:r>
-            <a:endParaRPr lang="en-US" dirty="0"/>
-          </a:p>
-          <a:p>
-            <a:pPr marL="0" indent="0">
-              <a:buNone/>
-            </a:pPr>
-            <a:r>
-              <a:rPr lang="en-US" dirty="0"/>
-              <a:t>  in: </a:t>
-            </a:r>
-            <a:r>
-              <a:rPr lang="en-US" i="1" dirty="0"/>
-              <a:t>shape</a:t>
-            </a:r>
-          </a:p>
-          <a:p>
-            <a:pPr marL="0" indent="0">
-              <a:buNone/>
-            </a:pPr>
-            <a:endParaRPr lang="en-US" dirty="0"/>
-          </a:p>
-          <a:p>
-            <a:pPr marL="0" indent="0">
-              <a:buNone/>
-            </a:pPr>
-            <a:r>
-              <a:rPr lang="en-US" dirty="0"/>
-              <a:t>  if </a:t>
-            </a:r>
-            <a:r>
-              <a:rPr lang="en-US" i="1" dirty="0" err="1"/>
-              <a:t>shape.side_count</a:t>
-            </a:r>
-            <a:r>
-              <a:rPr lang="en-US" dirty="0"/>
-              <a:t> </a:t>
-            </a:r>
-            <a:r>
-              <a:rPr lang="en-US" b="1" dirty="0"/>
-              <a:t>is</a:t>
-            </a:r>
-            <a:r>
-              <a:rPr lang="en-US" dirty="0"/>
-              <a:t> 3</a:t>
-            </a:r>
-          </a:p>
-          <a:p>
-            <a:pPr marL="0" indent="0">
-              <a:buNone/>
-            </a:pPr>
-            <a:r>
-              <a:rPr lang="en-US" dirty="0"/>
-              <a:t>    out: “triangle”</a:t>
-            </a:r>
-          </a:p>
-        </p:txBody>
-      </p:sp>
-      <p:sp>
-        <p:nvSpPr>
-          <p:cNvPr id="5" name="Content Placeholder 4">
-            <a:extLst>
-              <a:ext uri="{FF2B5EF4-FFF2-40B4-BE49-F238E27FC236}">
-                <a16:creationId xmlns:a16="http://schemas.microsoft.com/office/drawing/2014/main" id="{254F6720-656D-9C42-BE08-B965740DC11C}"/>
-              </a:ext>
-            </a:extLst>
-          </p:cNvPr>
-          <p:cNvSpPr>
-            <a:spLocks noGrp="1"/>
-          </p:cNvSpPr>
-          <p:nvPr>
-            <p:ph sz="half" idx="2"/>
-          </p:nvPr>
-        </p:nvSpPr>
-        <p:spPr>
-          <a:xfrm>
-            <a:off x="7984272" y="1825625"/>
-            <a:ext cx="3369528" cy="4351338"/>
-          </a:xfrm>
-        </p:spPr>
+                <a16:creationId xmlns:a16="http://schemas.microsoft.com/office/drawing/2014/main" id="{E46C9E63-9392-874D-A50C-AE2C0244DC47}"/>
+              </a:ext>
+            </a:extLst>
+          </p:cNvPr>
+          <p:cNvSpPr>
+            <a:spLocks noGrp="1"/>
+          </p:cNvSpPr>
+          <p:nvPr>
+            <p:ph idx="1"/>
+          </p:nvPr>
+        </p:nvSpPr>
+        <p:spPr/>
         <p:txBody>
           <a:bodyPr/>
           <a:lstStyle/>
           <a:p>
-            <a:pPr marL="0" indent="0">
-              <a:buNone/>
-            </a:pPr>
-            <a:r>
-              <a:rPr lang="en-US" sz="1400" dirty="0"/>
-              <a:t>{</a:t>
-            </a:r>
-          </a:p>
-          <a:p>
-            <a:pPr marL="457200" lvl="1" indent="0">
-              <a:buNone/>
-            </a:pPr>
-            <a:r>
-              <a:rPr lang="en-US" sz="2000" dirty="0"/>
-              <a:t>"id": 1,</a:t>
-            </a:r>
-          </a:p>
-          <a:p>
-            <a:pPr marL="457200" lvl="1" indent="0">
-              <a:buNone/>
-            </a:pPr>
-            <a:r>
-              <a:rPr lang="en-US" sz="2000" dirty="0"/>
-              <a:t>"</a:t>
-            </a:r>
-            <a:r>
-              <a:rPr lang="en-US" sz="2000" dirty="0" err="1"/>
-              <a:t>side_count</a:t>
-            </a:r>
-            <a:r>
-              <a:rPr lang="en-US" sz="2000" dirty="0"/>
-              <a:t>": 3,</a:t>
-            </a:r>
-          </a:p>
-          <a:p>
-            <a:pPr marL="457200" lvl="1" indent="0">
-              <a:buNone/>
-            </a:pPr>
-            <a:r>
-              <a:rPr lang="en-US" sz="2000" dirty="0"/>
-              <a:t>"</a:t>
-            </a:r>
-            <a:r>
-              <a:rPr lang="en-US" sz="2000" dirty="0" err="1"/>
-              <a:t>is_closed</a:t>
-            </a:r>
-            <a:r>
-              <a:rPr lang="en-US" sz="2000" dirty="0"/>
-              <a:t>": true</a:t>
-            </a:r>
-          </a:p>
-          <a:p>
-            <a:pPr marL="0" indent="0">
-              <a:buNone/>
-            </a:pPr>
-            <a:r>
-              <a:rPr lang="en-US" sz="1400" dirty="0"/>
-              <a:t>}</a:t>
-            </a:r>
-            <a:endParaRPr lang="en-US" dirty="0"/>
+            <a:r>
+              <a:rPr lang="en-US" dirty="0"/>
+              <a:t>Little robot that does something</a:t>
+            </a:r>
+          </a:p>
+          <a:p>
+            <a:pPr lvl="1"/>
+            <a:r>
+              <a:rPr lang="en-US" dirty="0"/>
+              <a:t>Takes in (input)</a:t>
+            </a:r>
+          </a:p>
+          <a:p>
+            <a:pPr lvl="1"/>
+            <a:r>
+              <a:rPr lang="en-US" dirty="0"/>
+              <a:t>Gives out (output)</a:t>
+            </a:r>
           </a:p>
         </p:txBody>
       </p:sp>
     </p:spTree>
     <p:extLst>
       <p:ext uri="{BB962C8B-B14F-4D97-AF65-F5344CB8AC3E}">
-        <p14:creationId xmlns:p14="http://schemas.microsoft.com/office/powerpoint/2010/main" val="1342957122"/>
+        <p14:creationId xmlns:p14="http://schemas.microsoft.com/office/powerpoint/2010/main" val="2603212825"/>
       </p:ext>
     </p:extLst>
   </p:cSld>
@@ -3858,7 +3793,7 @@
           <p:cNvPr id="2" name="Title 1">
             <a:extLst>
               <a:ext uri="{FF2B5EF4-FFF2-40B4-BE49-F238E27FC236}">
-                <a16:creationId xmlns:a16="http://schemas.microsoft.com/office/drawing/2014/main" id="{47B59599-FA96-E94F-9B51-94C3826DFC16}"/>
+                <a16:creationId xmlns:a16="http://schemas.microsoft.com/office/drawing/2014/main" id="{03BC00B2-B2FA-3A40-B9E7-944EC9A22633}"/>
               </a:ext>
             </a:extLst>
           </p:cNvPr>
@@ -3875,9 +3810,14 @@
           <a:lstStyle/>
           <a:p>
             <a:r>
-              <a:rPr lang="en-US" dirty="0"/>
-              <a:t>Sorting shapes</a:t>
-            </a:r>
+              <a:rPr lang="en-US" b="1" dirty="0"/>
+              <a:t>Fun</a:t>
+            </a:r>
+            <a:r>
+              <a:rPr lang="en-US" dirty="0"/>
+              <a:t>ctions example</a:t>
+            </a:r>
+            <a:endParaRPr lang="en-US" b="1" dirty="0"/>
           </a:p>
         </p:txBody>
       </p:sp>
@@ -3886,7 +3826,7 @@
           <p:cNvPr id="3" name="Content Placeholder 2">
             <a:extLst>
               <a:ext uri="{FF2B5EF4-FFF2-40B4-BE49-F238E27FC236}">
-                <a16:creationId xmlns:a16="http://schemas.microsoft.com/office/drawing/2014/main" id="{73CB2ADE-C822-3B48-B20D-4253B0AF0DC7}"/>
+                <a16:creationId xmlns:a16="http://schemas.microsoft.com/office/drawing/2014/main" id="{4F380F03-F161-AF44-BF55-7A5B6FAE0B51}"/>
               </a:ext>
             </a:extLst>
           </p:cNvPr>
@@ -3897,16 +3837,9 @@
             <p:ph idx="1"/>
           </p:nvPr>
         </p:nvSpPr>
-        <p:spPr>
-          <a:xfrm>
-            <a:off x="838200" y="1825625"/>
-            <a:ext cx="10515600" cy="4351338"/>
-          </a:xfrm>
-        </p:spPr>
-        <p:txBody>
-          <a:bodyPr>
-            <a:normAutofit/>
-          </a:bodyPr>
+        <p:spPr/>
+        <p:txBody>
+          <a:bodyPr/>
           <a:lstStyle/>
           <a:p>
             <a:pPr marL="0" indent="0">
@@ -3914,50 +3847,32 @@
             </a:pPr>
             <a:r>
               <a:rPr lang="en-US" dirty="0"/>
-              <a:t>{</a:t>
-            </a:r>
-          </a:p>
-          <a:p>
-            <a:pPr marL="457200" lvl="1" indent="0">
-              <a:buNone/>
-            </a:pPr>
-            <a:r>
-              <a:rPr lang="en-US" sz="2800" dirty="0"/>
-              <a:t>"id": 1,</a:t>
-            </a:r>
-          </a:p>
-          <a:p>
-            <a:pPr marL="457200" lvl="1" indent="0">
-              <a:buNone/>
-            </a:pPr>
-            <a:r>
-              <a:rPr lang="en-US" sz="2800" dirty="0"/>
-              <a:t>"</a:t>
-            </a:r>
-            <a:r>
-              <a:rPr lang="en-US" sz="2800" dirty="0" err="1"/>
-              <a:t>side_count</a:t>
-            </a:r>
-            <a:r>
-              <a:rPr lang="en-US" sz="2800" dirty="0"/>
-              <a:t>": 4,</a:t>
-            </a:r>
-          </a:p>
-          <a:p>
-            <a:pPr marL="457200" lvl="1" indent="0">
-              <a:buNone/>
-            </a:pPr>
-            <a:r>
-              <a:rPr lang="en-US" sz="2800" dirty="0"/>
-              <a:t>"</a:t>
-            </a:r>
-            <a:r>
-              <a:rPr lang="en-US" sz="2800" dirty="0" err="1"/>
-              <a:t>is_closed</a:t>
-            </a:r>
-            <a:r>
-              <a:rPr lang="en-US" sz="2800" dirty="0"/>
-              <a:t>": true</a:t>
+              <a:t>function </a:t>
+            </a:r>
+            <a:r>
+              <a:rPr lang="en-US" dirty="0" err="1"/>
+              <a:t>name_of_function</a:t>
+            </a:r>
+            <a:r>
+              <a:rPr lang="en-US" dirty="0"/>
+              <a:t>(</a:t>
+            </a:r>
+            <a:r>
+              <a:rPr lang="en-US" i="1" dirty="0"/>
+              <a:t>input</a:t>
+            </a:r>
+            <a:r>
+              <a:rPr lang="en-US" dirty="0"/>
+              <a:t>) {</a:t>
+            </a:r>
+          </a:p>
+          <a:p>
+            <a:pPr marL="0" indent="0">
+              <a:buNone/>
+            </a:pPr>
+            <a:r>
+              <a:rPr lang="en-US" dirty="0"/>
+              <a:t>	return output</a:t>
             </a:r>
           </a:p>
           <a:p>
@@ -3974,7 +3889,7 @@
     </p:spTree>
     <p:extLst>
       <p:ext uri="{BB962C8B-B14F-4D97-AF65-F5344CB8AC3E}">
-        <p14:creationId xmlns:p14="http://schemas.microsoft.com/office/powerpoint/2010/main" val="3406855302"/>
+        <p14:creationId xmlns:p14="http://schemas.microsoft.com/office/powerpoint/2010/main" val="151906686"/>
       </p:ext>
     </p:extLst>
   </p:cSld>
@@ -4006,6 +3921,425 @@
           <p:cNvPr id="2" name="Title 1">
             <a:extLst>
               <a:ext uri="{FF2B5EF4-FFF2-40B4-BE49-F238E27FC236}">
+                <a16:creationId xmlns:a16="http://schemas.microsoft.com/office/drawing/2014/main" id="{F38EF949-F4DC-D944-A9CB-9CF30463CE08}"/>
+              </a:ext>
+            </a:extLst>
+          </p:cNvPr>
+          <p:cNvSpPr>
+            <a:spLocks noGrp="1"/>
+          </p:cNvSpPr>
+          <p:nvPr>
+            <p:ph type="title"/>
+          </p:nvPr>
+        </p:nvSpPr>
+        <p:spPr/>
+        <p:txBody>
+          <a:bodyPr/>
+          <a:lstStyle/>
+          <a:p>
+            <a:r>
+              <a:rPr lang="en-US" dirty="0"/>
+              <a:t>Categorizing with </a:t>
+            </a:r>
+            <a:r>
+              <a:rPr lang="en-US" b="1" dirty="0"/>
+              <a:t>if</a:t>
+            </a:r>
+            <a:endParaRPr lang="en-US" dirty="0"/>
+          </a:p>
+        </p:txBody>
+      </p:sp>
+      <p:sp>
+        <p:nvSpPr>
+          <p:cNvPr id="3" name="Content Placeholder 2">
+            <a:extLst>
+              <a:ext uri="{FF2B5EF4-FFF2-40B4-BE49-F238E27FC236}">
+                <a16:creationId xmlns:a16="http://schemas.microsoft.com/office/drawing/2014/main" id="{EFF8AAE5-396D-8F43-BD3A-DDD0D50479CA}"/>
+              </a:ext>
+            </a:extLst>
+          </p:cNvPr>
+          <p:cNvSpPr>
+            <a:spLocks noGrp="1"/>
+          </p:cNvSpPr>
+          <p:nvPr>
+            <p:ph idx="1"/>
+          </p:nvPr>
+        </p:nvSpPr>
+        <p:spPr/>
+        <p:txBody>
+          <a:bodyPr/>
+          <a:lstStyle/>
+          <a:p>
+            <a:pPr marL="0" indent="0">
+              <a:buNone/>
+            </a:pPr>
+            <a:r>
+              <a:rPr lang="en-US" dirty="0"/>
+              <a:t>function </a:t>
+            </a:r>
+            <a:r>
+              <a:rPr lang="en-US" dirty="0" err="1"/>
+              <a:t>is_my_name</a:t>
+            </a:r>
+            <a:r>
+              <a:rPr lang="en-US" dirty="0"/>
+              <a:t>(</a:t>
+            </a:r>
+            <a:r>
+              <a:rPr lang="en-US" i="1" dirty="0"/>
+              <a:t>name</a:t>
+            </a:r>
+            <a:r>
+              <a:rPr lang="en-US" dirty="0"/>
+              <a:t>) {</a:t>
+            </a:r>
+            <a:endParaRPr lang="en-US" i="1" dirty="0"/>
+          </a:p>
+          <a:p>
+            <a:pPr marL="0" indent="0">
+              <a:buNone/>
+            </a:pPr>
+            <a:endParaRPr lang="en-US" dirty="0"/>
+          </a:p>
+          <a:p>
+            <a:pPr marL="0" indent="0">
+              <a:buNone/>
+            </a:pPr>
+            <a:r>
+              <a:rPr lang="en-US" dirty="0"/>
+              <a:t>  if (</a:t>
+            </a:r>
+            <a:r>
+              <a:rPr lang="en-US" i="1" dirty="0"/>
+              <a:t>name</a:t>
+            </a:r>
+            <a:r>
+              <a:rPr lang="en-US" dirty="0"/>
+              <a:t> </a:t>
+            </a:r>
+            <a:r>
+              <a:rPr lang="en-US" b="1" dirty="0"/>
+              <a:t>===</a:t>
+            </a:r>
+            <a:r>
+              <a:rPr lang="en-US" dirty="0"/>
+              <a:t> ”Sean”)</a:t>
+            </a:r>
+          </a:p>
+          <a:p>
+            <a:pPr marL="0" indent="0">
+              <a:buNone/>
+            </a:pPr>
+            <a:r>
+              <a:rPr lang="en-US" dirty="0"/>
+              <a:t>    return ”Yes, it’s my name!”</a:t>
+            </a:r>
+          </a:p>
+          <a:p>
+            <a:pPr marL="0" indent="0">
+              <a:buNone/>
+            </a:pPr>
+            <a:endParaRPr lang="en-US" dirty="0"/>
+          </a:p>
+          <a:p>
+            <a:pPr marL="0" indent="0">
+              <a:buNone/>
+            </a:pPr>
+            <a:r>
+              <a:rPr lang="en-US" dirty="0"/>
+              <a:t>}</a:t>
+            </a:r>
+          </a:p>
+          <a:p>
+            <a:pPr marL="0" indent="0">
+              <a:buNone/>
+            </a:pPr>
+            <a:endParaRPr lang="en-US" dirty="0"/>
+          </a:p>
+          <a:p>
+            <a:pPr marL="0" indent="0">
+              <a:buNone/>
+            </a:pPr>
+            <a:r>
+              <a:rPr lang="en-US" baseline="30000" dirty="0">
+                <a:solidFill>
+                  <a:schemeClr val="tx2">
+                    <a:lumMod val="60000"/>
+                    <a:lumOff val="40000"/>
+                  </a:schemeClr>
+                </a:solidFill>
+              </a:rPr>
+              <a:t>*</a:t>
+            </a:r>
+            <a:r>
+              <a:rPr lang="en-US" dirty="0">
+                <a:solidFill>
+                  <a:schemeClr val="tx2">
+                    <a:lumMod val="60000"/>
+                    <a:lumOff val="40000"/>
+                  </a:schemeClr>
+                </a:solidFill>
+              </a:rPr>
+              <a:t> === means equal</a:t>
+            </a:r>
+          </a:p>
+        </p:txBody>
+      </p:sp>
+    </p:spTree>
+    <p:extLst>
+      <p:ext uri="{BB962C8B-B14F-4D97-AF65-F5344CB8AC3E}">
+        <p14:creationId xmlns:p14="http://schemas.microsoft.com/office/powerpoint/2010/main" val="1165837687"/>
+      </p:ext>
+    </p:extLst>
+  </p:cSld>
+  <p:clrMapOvr>
+    <a:masterClrMapping/>
+  </p:clrMapOvr>
+</p:sld>
+</file>
+
+<file path=ppt/slides/slide14.xml><?xml version="1.0" encoding="utf-8"?>
+<p:sld xmlns:a="http://schemas.openxmlformats.org/drawingml/2006/main" xmlns:r="http://schemas.openxmlformats.org/officeDocument/2006/relationships" xmlns:p="http://schemas.openxmlformats.org/presentationml/2006/main">
+  <p:cSld>
+    <p:spTree>
+      <p:nvGrpSpPr>
+        <p:cNvPr id="1" name=""/>
+        <p:cNvGrpSpPr/>
+        <p:nvPr/>
+      </p:nvGrpSpPr>
+      <p:grpSpPr>
+        <a:xfrm>
+          <a:off x="0" y="0"/>
+          <a:ext cx="0" cy="0"/>
+          <a:chOff x="0" y="0"/>
+          <a:chExt cx="0" cy="0"/>
+        </a:xfrm>
+      </p:grpSpPr>
+      <p:sp>
+        <p:nvSpPr>
+          <p:cNvPr id="2" name="Title 1">
+            <a:extLst>
+              <a:ext uri="{FF2B5EF4-FFF2-40B4-BE49-F238E27FC236}">
+                <a16:creationId xmlns:a16="http://schemas.microsoft.com/office/drawing/2014/main" id="{F38EF949-F4DC-D944-A9CB-9CF30463CE08}"/>
+              </a:ext>
+            </a:extLst>
+          </p:cNvPr>
+          <p:cNvSpPr>
+            <a:spLocks noGrp="1"/>
+          </p:cNvSpPr>
+          <p:nvPr>
+            <p:ph type="title"/>
+          </p:nvPr>
+        </p:nvSpPr>
+        <p:spPr/>
+        <p:txBody>
+          <a:bodyPr/>
+          <a:lstStyle/>
+          <a:p>
+            <a:r>
+              <a:rPr lang="en-US" b="1" dirty="0"/>
+              <a:t>Add</a:t>
+            </a:r>
+            <a:r>
+              <a:rPr lang="en-US" dirty="0"/>
+              <a:t>itional conditionals</a:t>
+            </a:r>
+            <a:endParaRPr lang="en-US" b="1" dirty="0"/>
+          </a:p>
+        </p:txBody>
+      </p:sp>
+      <p:sp>
+        <p:nvSpPr>
+          <p:cNvPr id="3" name="Content Placeholder 2">
+            <a:extLst>
+              <a:ext uri="{FF2B5EF4-FFF2-40B4-BE49-F238E27FC236}">
+                <a16:creationId xmlns:a16="http://schemas.microsoft.com/office/drawing/2014/main" id="{EFF8AAE5-396D-8F43-BD3A-DDD0D50479CA}"/>
+              </a:ext>
+            </a:extLst>
+          </p:cNvPr>
+          <p:cNvSpPr>
+            <a:spLocks noGrp="1"/>
+          </p:cNvSpPr>
+          <p:nvPr>
+            <p:ph idx="1"/>
+          </p:nvPr>
+        </p:nvSpPr>
+        <p:spPr/>
+        <p:txBody>
+          <a:bodyPr>
+            <a:normAutofit/>
+          </a:bodyPr>
+          <a:lstStyle/>
+          <a:p>
+            <a:pPr marL="0" indent="0">
+              <a:buNone/>
+            </a:pPr>
+            <a:r>
+              <a:rPr lang="en-US" dirty="0"/>
+              <a:t>function </a:t>
+            </a:r>
+            <a:r>
+              <a:rPr lang="en-US" dirty="0" err="1"/>
+              <a:t>greet_student</a:t>
+            </a:r>
+            <a:r>
+              <a:rPr lang="en-US" dirty="0"/>
+              <a:t>(</a:t>
+            </a:r>
+            <a:r>
+              <a:rPr lang="en-US" i="1" dirty="0" err="1"/>
+              <a:t>is_student</a:t>
+            </a:r>
+            <a:r>
+              <a:rPr lang="en-US" dirty="0"/>
+              <a:t>, </a:t>
+            </a:r>
+            <a:r>
+              <a:rPr lang="en-US" i="1" dirty="0" err="1"/>
+              <a:t>is_present</a:t>
+            </a:r>
+            <a:r>
+              <a:rPr lang="en-US" dirty="0"/>
+              <a:t>) {</a:t>
+            </a:r>
+            <a:r>
+              <a:rPr lang="en-US" i="1" dirty="0"/>
+              <a:t> </a:t>
+            </a:r>
+          </a:p>
+          <a:p>
+            <a:pPr marL="0" indent="0">
+              <a:buNone/>
+            </a:pPr>
+            <a:endParaRPr lang="en-US" dirty="0"/>
+          </a:p>
+          <a:p>
+            <a:pPr marL="0" indent="0">
+              <a:buNone/>
+            </a:pPr>
+            <a:r>
+              <a:rPr lang="en-US" dirty="0"/>
+              <a:t>  if (</a:t>
+            </a:r>
+            <a:r>
+              <a:rPr lang="en-US" i="1" dirty="0" err="1"/>
+              <a:t>is_student</a:t>
+            </a:r>
+            <a:r>
+              <a:rPr lang="en-US" dirty="0"/>
+              <a:t> </a:t>
+            </a:r>
+            <a:r>
+              <a:rPr lang="en-US" b="1" dirty="0"/>
+              <a:t>&amp;&amp; </a:t>
+            </a:r>
+            <a:r>
+              <a:rPr lang="en-US" i="1" dirty="0" err="1"/>
+              <a:t>is_present</a:t>
+            </a:r>
+            <a:r>
+              <a:rPr lang="en-US" dirty="0"/>
+              <a:t>)</a:t>
+            </a:r>
+          </a:p>
+          <a:p>
+            <a:pPr marL="0" indent="0">
+              <a:buNone/>
+            </a:pPr>
+            <a:r>
+              <a:rPr lang="en-US" i="1" dirty="0"/>
+              <a:t>    </a:t>
+            </a:r>
+            <a:r>
+              <a:rPr lang="en-US" dirty="0"/>
+              <a:t>return ”Welcome to class!”</a:t>
+            </a:r>
+          </a:p>
+          <a:p>
+            <a:pPr marL="0" indent="0">
+              <a:buNone/>
+            </a:pPr>
+            <a:endParaRPr lang="en-US" dirty="0"/>
+          </a:p>
+          <a:p>
+            <a:pPr marL="0" indent="0">
+              <a:buNone/>
+            </a:pPr>
+            <a:r>
+              <a:rPr lang="en-US" dirty="0"/>
+              <a:t>}</a:t>
+            </a:r>
+          </a:p>
+          <a:p>
+            <a:pPr marL="0" indent="0">
+              <a:buNone/>
+            </a:pPr>
+            <a:endParaRPr lang="en-US" dirty="0"/>
+          </a:p>
+          <a:p>
+            <a:pPr marL="0" indent="0">
+              <a:buNone/>
+            </a:pPr>
+            <a:r>
+              <a:rPr lang="en-US" baseline="30000" dirty="0">
+                <a:solidFill>
+                  <a:schemeClr val="tx2">
+                    <a:lumMod val="60000"/>
+                    <a:lumOff val="40000"/>
+                  </a:schemeClr>
+                </a:solidFill>
+              </a:rPr>
+              <a:t>*</a:t>
+            </a:r>
+            <a:r>
+              <a:rPr lang="en-US" dirty="0">
+                <a:solidFill>
+                  <a:schemeClr val="tx2">
+                    <a:lumMod val="60000"/>
+                    <a:lumOff val="40000"/>
+                  </a:schemeClr>
+                </a:solidFill>
+              </a:rPr>
+              <a:t> &amp;&amp; means and</a:t>
+            </a:r>
+          </a:p>
+        </p:txBody>
+      </p:sp>
+    </p:spTree>
+    <p:extLst>
+      <p:ext uri="{BB962C8B-B14F-4D97-AF65-F5344CB8AC3E}">
+        <p14:creationId xmlns:p14="http://schemas.microsoft.com/office/powerpoint/2010/main" val="1403667875"/>
+      </p:ext>
+    </p:extLst>
+  </p:cSld>
+  <p:clrMapOvr>
+    <a:masterClrMapping/>
+  </p:clrMapOvr>
+</p:sld>
+</file>
+
+<file path=ppt/slides/slide15.xml><?xml version="1.0" encoding="utf-8"?>
+<p:sld xmlns:a="http://schemas.openxmlformats.org/drawingml/2006/main" xmlns:r="http://schemas.openxmlformats.org/officeDocument/2006/relationships" xmlns:p="http://schemas.openxmlformats.org/presentationml/2006/main">
+  <p:cSld>
+    <p:spTree>
+      <p:nvGrpSpPr>
+        <p:cNvPr id="1" name=""/>
+        <p:cNvGrpSpPr/>
+        <p:nvPr/>
+      </p:nvGrpSpPr>
+      <p:grpSpPr>
+        <a:xfrm>
+          <a:off x="0" y="0"/>
+          <a:ext cx="0" cy="0"/>
+          <a:chOff x="0" y="0"/>
+          <a:chExt cx="0" cy="0"/>
+        </a:xfrm>
+      </p:grpSpPr>
+      <p:sp>
+        <p:nvSpPr>
+          <p:cNvPr id="2" name="Title 1">
+            <a:extLst>
+              <a:ext uri="{FF2B5EF4-FFF2-40B4-BE49-F238E27FC236}">
                 <a16:creationId xmlns:a16="http://schemas.microsoft.com/office/drawing/2014/main" id="{47B59599-FA96-E94F-9B51-94C3826DFC16}"/>
               </a:ext>
             </a:extLst>
@@ -4024,7 +4358,7 @@
           <a:p>
             <a:r>
               <a:rPr lang="en-US" dirty="0"/>
-              <a:t>Sorting shapes</a:t>
+              <a:t>Categorizing shapes</a:t>
             </a:r>
           </a:p>
         </p:txBody>
@@ -4042,13 +4376,13 @@
             <a:spLocks noGrp="1"/>
           </p:cNvSpPr>
           <p:nvPr>
-            <p:ph sz="half" idx="1"/>
+            <p:ph idx="1"/>
           </p:nvPr>
         </p:nvSpPr>
         <p:spPr>
           <a:xfrm>
             <a:off x="838200" y="1825625"/>
-            <a:ext cx="7146072" cy="4351338"/>
+            <a:ext cx="10515600" cy="4351338"/>
           </a:xfrm>
         </p:spPr>
         <p:txBody>
@@ -4062,12 +4396,65 @@
             </a:pPr>
             <a:r>
               <a:rPr lang="en-US" dirty="0"/>
-              <a:t>function </a:t>
-            </a:r>
-            <a:r>
-              <a:rPr lang="en-US" dirty="0" err="1"/>
-              <a:t>sort_shape</a:t>
-            </a:r>
+              <a:t>{</a:t>
+            </a:r>
+          </a:p>
+          <a:p>
+            <a:pPr marL="457200" lvl="1" indent="0">
+              <a:buNone/>
+            </a:pPr>
+            <a:r>
+              <a:rPr lang="en-US" sz="2800" dirty="0"/>
+              <a:t>"id": 1,</a:t>
+            </a:r>
+          </a:p>
+          <a:p>
+            <a:pPr marL="457200" lvl="1" indent="0">
+              <a:buNone/>
+            </a:pPr>
+            <a:r>
+              <a:rPr lang="en-US" sz="2800" dirty="0"/>
+              <a:t>"</a:t>
+            </a:r>
+            <a:r>
+              <a:rPr lang="en-US" sz="2800" dirty="0" err="1"/>
+              <a:t>side_count</a:t>
+            </a:r>
+            <a:r>
+              <a:rPr lang="en-US" sz="2800" dirty="0"/>
+              <a:t>": 3,</a:t>
+            </a:r>
+          </a:p>
+          <a:p>
+            <a:pPr marL="457200" lvl="1" indent="0">
+              <a:buNone/>
+            </a:pPr>
+            <a:r>
+              <a:rPr lang="en-US" sz="2800" dirty="0"/>
+              <a:t>"</a:t>
+            </a:r>
+            <a:r>
+              <a:rPr lang="en-US" sz="2800" dirty="0" err="1"/>
+              <a:t>is_closed</a:t>
+            </a:r>
+            <a:r>
+              <a:rPr lang="en-US" sz="2800" dirty="0"/>
+              <a:t>": true</a:t>
+            </a:r>
+          </a:p>
+          <a:p>
+            <a:pPr marL="0" indent="0">
+              <a:buNone/>
+            </a:pPr>
+            <a:r>
+              <a:rPr lang="en-US" dirty="0"/>
+              <a:t>}</a:t>
+            </a:r>
+          </a:p>
+          <a:p>
+            <a:pPr marL="0" indent="0">
+              <a:buNone/>
+            </a:pPr>
             <a:endParaRPr lang="en-US" dirty="0"/>
           </a:p>
           <a:p>
@@ -4075,183 +4462,1854 @@
               <a:buNone/>
             </a:pPr>
             <a:r>
-              <a:rPr lang="en-US" dirty="0"/>
-              <a:t>  in: </a:t>
-            </a:r>
-            <a:r>
-              <a:rPr lang="en-US" i="1" dirty="0"/>
-              <a:t>shape</a:t>
-            </a:r>
-          </a:p>
-          <a:p>
-            <a:pPr marL="0" indent="0">
-              <a:buNone/>
-            </a:pPr>
-            <a:endParaRPr lang="en-US" dirty="0"/>
-          </a:p>
-          <a:p>
-            <a:pPr marL="0" indent="0">
-              <a:buNone/>
-            </a:pPr>
-            <a:r>
-              <a:rPr lang="en-US" dirty="0"/>
-              <a:t>  if </a:t>
-            </a:r>
-            <a:r>
-              <a:rPr lang="en-US" i="1" dirty="0" err="1"/>
-              <a:t>shape.side_count</a:t>
-            </a:r>
-            <a:r>
-              <a:rPr lang="en-US" dirty="0"/>
-              <a:t> </a:t>
-            </a:r>
-            <a:r>
-              <a:rPr lang="en-US" b="1" dirty="0"/>
-              <a:t>is</a:t>
-            </a:r>
-            <a:r>
-              <a:rPr lang="en-US" dirty="0"/>
-              <a:t> 3</a:t>
-            </a:r>
-          </a:p>
-          <a:p>
-            <a:pPr marL="0" indent="0">
-              <a:buNone/>
-            </a:pPr>
-            <a:r>
-              <a:rPr lang="en-US" dirty="0"/>
-              <a:t>    out: “triangle”</a:t>
-            </a:r>
-          </a:p>
-          <a:p>
-            <a:pPr marL="0" indent="0">
-              <a:buNone/>
-            </a:pPr>
-            <a:r>
-              <a:rPr lang="en-US" dirty="0"/>
-              <a:t>  if </a:t>
-            </a:r>
-            <a:r>
-              <a:rPr lang="en-US" i="1" dirty="0" err="1"/>
-              <a:t>shape.side_count</a:t>
-            </a:r>
-            <a:r>
-              <a:rPr lang="en-US" b="1" i="1" dirty="0"/>
-              <a:t> </a:t>
-            </a:r>
-            <a:r>
-              <a:rPr lang="en-US" b="1" dirty="0"/>
-              <a:t>is</a:t>
-            </a:r>
-            <a:r>
-              <a:rPr lang="en-US" dirty="0"/>
-              <a:t> 4</a:t>
-            </a:r>
-          </a:p>
-          <a:p>
-            <a:pPr marL="0" indent="0">
-              <a:buNone/>
-            </a:pPr>
-            <a:r>
-              <a:rPr lang="en-US" dirty="0"/>
-              <a:t>	out: “rectangle”</a:t>
-            </a:r>
-          </a:p>
-        </p:txBody>
-      </p:sp>
-      <p:sp>
-        <p:nvSpPr>
-          <p:cNvPr id="5" name="Content Placeholder 4">
-            <a:extLst>
-              <a:ext uri="{FF2B5EF4-FFF2-40B4-BE49-F238E27FC236}">
-                <a16:creationId xmlns:a16="http://schemas.microsoft.com/office/drawing/2014/main" id="{254F6720-656D-9C42-BE08-B965740DC11C}"/>
-              </a:ext>
-            </a:extLst>
-          </p:cNvPr>
-          <p:cNvSpPr>
-            <a:spLocks noGrp="1"/>
-          </p:cNvSpPr>
-          <p:nvPr>
-            <p:ph sz="half" idx="2"/>
-          </p:nvPr>
-        </p:nvSpPr>
-        <p:spPr>
-          <a:xfrm>
-            <a:off x="7984272" y="1825625"/>
-            <a:ext cx="3369528" cy="4351338"/>
-          </a:xfrm>
-        </p:spPr>
-        <p:txBody>
-          <a:bodyPr/>
-          <a:lstStyle/>
-          <a:p>
-            <a:pPr marL="0" indent="0">
-              <a:buNone/>
-            </a:pPr>
-            <a:r>
-              <a:rPr lang="en-US" sz="1400" dirty="0"/>
-              <a:t>{</a:t>
-            </a:r>
-          </a:p>
-          <a:p>
-            <a:pPr marL="457200" lvl="1" indent="0">
-              <a:buNone/>
-            </a:pPr>
-            <a:r>
-              <a:rPr lang="en-US" sz="2000" dirty="0"/>
-              <a:t>"id": 1,</a:t>
-            </a:r>
-          </a:p>
-          <a:p>
-            <a:pPr marL="457200" lvl="1" indent="0">
-              <a:buNone/>
-            </a:pPr>
-            <a:r>
-              <a:rPr lang="en-US" sz="2000" dirty="0"/>
-              <a:t>"</a:t>
-            </a:r>
-            <a:r>
-              <a:rPr lang="en-US" sz="2000" dirty="0" err="1"/>
-              <a:t>side_count</a:t>
-            </a:r>
-            <a:r>
-              <a:rPr lang="en-US" sz="2000" dirty="0"/>
-              <a:t>": 4,</a:t>
-            </a:r>
-          </a:p>
-          <a:p>
-            <a:pPr marL="457200" lvl="1" indent="0">
-              <a:buNone/>
-            </a:pPr>
-            <a:r>
-              <a:rPr lang="en-US" sz="2000" dirty="0"/>
-              <a:t>"</a:t>
-            </a:r>
-            <a:r>
-              <a:rPr lang="en-US" sz="2000" dirty="0" err="1"/>
-              <a:t>is_closed</a:t>
-            </a:r>
-            <a:r>
-              <a:rPr lang="en-US" sz="2000" dirty="0"/>
-              <a:t>": true</a:t>
-            </a:r>
-          </a:p>
-          <a:p>
-            <a:pPr marL="0" indent="0">
-              <a:buNone/>
-            </a:pPr>
-            <a:r>
-              <a:rPr lang="en-US" sz="1400" dirty="0"/>
-              <a:t>}</a:t>
-            </a:r>
-            <a:endParaRPr lang="en-US" dirty="0"/>
+              <a:rPr lang="en-US" dirty="0">
+                <a:solidFill>
+                  <a:schemeClr val="tx2">
+                    <a:lumMod val="60000"/>
+                    <a:lumOff val="40000"/>
+                  </a:schemeClr>
+                </a:solidFill>
+              </a:rPr>
+              <a:t>// What info can help me identify the shape?</a:t>
+            </a:r>
           </a:p>
         </p:txBody>
       </p:sp>
     </p:spTree>
     <p:extLst>
       <p:ext uri="{BB962C8B-B14F-4D97-AF65-F5344CB8AC3E}">
-        <p14:creationId xmlns:p14="http://schemas.microsoft.com/office/powerpoint/2010/main" val="261062400"/>
+        <p14:creationId xmlns:p14="http://schemas.microsoft.com/office/powerpoint/2010/main" val="548113500"/>
+      </p:ext>
+    </p:extLst>
+  </p:cSld>
+  <p:clrMapOvr>
+    <a:masterClrMapping/>
+  </p:clrMapOvr>
+</p:sld>
+</file>
+
+<file path=ppt/slides/slide16.xml><?xml version="1.0" encoding="utf-8"?>
+<p:sld xmlns:a="http://schemas.openxmlformats.org/drawingml/2006/main" xmlns:r="http://schemas.openxmlformats.org/officeDocument/2006/relationships" xmlns:p="http://schemas.openxmlformats.org/presentationml/2006/main">
+  <p:cSld>
+    <p:spTree>
+      <p:nvGrpSpPr>
+        <p:cNvPr id="1" name=""/>
+        <p:cNvGrpSpPr/>
+        <p:nvPr/>
+      </p:nvGrpSpPr>
+      <p:grpSpPr>
+        <a:xfrm>
+          <a:off x="0" y="0"/>
+          <a:ext cx="0" cy="0"/>
+          <a:chOff x="0" y="0"/>
+          <a:chExt cx="0" cy="0"/>
+        </a:xfrm>
+      </p:grpSpPr>
+      <p:sp>
+        <p:nvSpPr>
+          <p:cNvPr id="2" name="Title 1">
+            <a:extLst>
+              <a:ext uri="{FF2B5EF4-FFF2-40B4-BE49-F238E27FC236}">
+                <a16:creationId xmlns:a16="http://schemas.microsoft.com/office/drawing/2014/main" id="{1F902445-A1CF-4049-BEC6-6785EC63F2E5}"/>
+              </a:ext>
+            </a:extLst>
+          </p:cNvPr>
+          <p:cNvSpPr>
+            <a:spLocks noGrp="1"/>
+          </p:cNvSpPr>
+          <p:nvPr>
+            <p:ph type="title"/>
+          </p:nvPr>
+        </p:nvSpPr>
+        <p:spPr>
+          <a:xfrm>
+            <a:off x="457201" y="365125"/>
+            <a:ext cx="6917471" cy="1115331"/>
+          </a:xfrm>
+        </p:spPr>
+        <p:txBody>
+          <a:bodyPr>
+            <a:normAutofit/>
+          </a:bodyPr>
+          <a:lstStyle/>
+          <a:p>
+            <a:r>
+              <a:rPr lang="en-US" sz="3600" dirty="0"/>
+              <a:t>Categorizing shapes</a:t>
+            </a:r>
+          </a:p>
+        </p:txBody>
+      </p:sp>
+      <p:sp>
+        <p:nvSpPr>
+          <p:cNvPr id="3" name="Content Placeholder 2">
+            <a:extLst>
+              <a:ext uri="{FF2B5EF4-FFF2-40B4-BE49-F238E27FC236}">
+                <a16:creationId xmlns:a16="http://schemas.microsoft.com/office/drawing/2014/main" id="{A00A9857-D27E-2647-A6AC-E728A05D77A0}"/>
+              </a:ext>
+            </a:extLst>
+          </p:cNvPr>
+          <p:cNvSpPr>
+            <a:spLocks noGrp="1"/>
+          </p:cNvSpPr>
+          <p:nvPr>
+            <p:ph idx="1"/>
+          </p:nvPr>
+        </p:nvSpPr>
+        <p:spPr>
+          <a:xfrm>
+            <a:off x="457201" y="1480456"/>
+            <a:ext cx="6917471" cy="4920343"/>
+          </a:xfrm>
+        </p:spPr>
+        <p:txBody>
+          <a:bodyPr>
+            <a:normAutofit/>
+          </a:bodyPr>
+          <a:lstStyle/>
+          <a:p>
+            <a:pPr marL="0" indent="0">
+              <a:lnSpc>
+                <a:spcPct val="100000"/>
+              </a:lnSpc>
+              <a:buNone/>
+            </a:pPr>
+            <a:r>
+              <a:rPr lang="en-US" sz="2400" dirty="0"/>
+              <a:t>function </a:t>
+            </a:r>
+            <a:r>
+              <a:rPr lang="en-US" sz="2400" dirty="0" err="1"/>
+              <a:t>categorize_shape</a:t>
+            </a:r>
+            <a:r>
+              <a:rPr lang="en-US" sz="2400" dirty="0"/>
+              <a:t>(</a:t>
+            </a:r>
+            <a:r>
+              <a:rPr lang="en-US" sz="2400" i="1" dirty="0"/>
+              <a:t>shape</a:t>
+            </a:r>
+            <a:r>
+              <a:rPr lang="en-US" sz="2400" dirty="0"/>
+              <a:t>) {</a:t>
+            </a:r>
+          </a:p>
+          <a:p>
+            <a:pPr marL="0" indent="0">
+              <a:lnSpc>
+                <a:spcPct val="100000"/>
+              </a:lnSpc>
+              <a:buNone/>
+            </a:pPr>
+            <a:endParaRPr lang="en-US" sz="2400" dirty="0"/>
+          </a:p>
+          <a:p>
+            <a:pPr marL="0" indent="0">
+              <a:buNone/>
+            </a:pPr>
+            <a:r>
+              <a:rPr lang="en-US" sz="2400" dirty="0"/>
+              <a:t>  if (</a:t>
+            </a:r>
+            <a:r>
+              <a:rPr lang="en-US" sz="2400" i="1" dirty="0" err="1"/>
+              <a:t>shape.side_count</a:t>
+            </a:r>
+            <a:r>
+              <a:rPr lang="en-US" sz="2400" dirty="0"/>
+              <a:t> </a:t>
+            </a:r>
+            <a:r>
+              <a:rPr lang="en-US" sz="2400" b="1" dirty="0"/>
+              <a:t>===</a:t>
+            </a:r>
+            <a:r>
+              <a:rPr lang="en-US" sz="2400" dirty="0"/>
+              <a:t> 3)</a:t>
+            </a:r>
+          </a:p>
+          <a:p>
+            <a:pPr marL="0" indent="0">
+              <a:buNone/>
+            </a:pPr>
+            <a:r>
+              <a:rPr lang="en-US" sz="2400" dirty="0"/>
+              <a:t>    return “triangle”</a:t>
+            </a:r>
+          </a:p>
+          <a:p>
+            <a:pPr marL="0" indent="0">
+              <a:lnSpc>
+                <a:spcPct val="100000"/>
+              </a:lnSpc>
+              <a:buNone/>
+            </a:pPr>
+            <a:endParaRPr lang="en-US" sz="2400" dirty="0"/>
+          </a:p>
+          <a:p>
+            <a:pPr marL="0" indent="0">
+              <a:lnSpc>
+                <a:spcPct val="100000"/>
+              </a:lnSpc>
+              <a:buNone/>
+            </a:pPr>
+            <a:r>
+              <a:rPr lang="en-US" sz="2400" dirty="0"/>
+              <a:t>}</a:t>
+            </a:r>
+          </a:p>
+        </p:txBody>
+      </p:sp>
+      <p:sp>
+        <p:nvSpPr>
+          <p:cNvPr id="6" name="Rectangle 5">
+            <a:extLst>
+              <a:ext uri="{FF2B5EF4-FFF2-40B4-BE49-F238E27FC236}">
+                <a16:creationId xmlns:a16="http://schemas.microsoft.com/office/drawing/2014/main" id="{9976206F-C770-914A-BEDB-3F3B9797C383}"/>
+              </a:ext>
+            </a:extLst>
+          </p:cNvPr>
+          <p:cNvSpPr/>
+          <p:nvPr/>
+        </p:nvSpPr>
+        <p:spPr>
+          <a:xfrm>
+            <a:off x="7685314" y="0"/>
+            <a:ext cx="4506686" cy="6858000"/>
+          </a:xfrm>
+          <a:prstGeom prst="rect">
+            <a:avLst/>
+          </a:prstGeom>
+          <a:solidFill>
+            <a:srgbClr val="1B222C"/>
+          </a:solidFill>
+          <a:ln>
+            <a:noFill/>
+          </a:ln>
+        </p:spPr>
+        <p:style>
+          <a:lnRef idx="2">
+            <a:schemeClr val="accent1">
+              <a:shade val="50000"/>
+            </a:schemeClr>
+          </a:lnRef>
+          <a:fillRef idx="1">
+            <a:schemeClr val="accent1"/>
+          </a:fillRef>
+          <a:effectRef idx="0">
+            <a:schemeClr val="accent1"/>
+          </a:effectRef>
+          <a:fontRef idx="minor">
+            <a:schemeClr val="lt1"/>
+          </a:fontRef>
+        </p:style>
+        <p:txBody>
+          <a:bodyPr rtlCol="0" anchor="ctr"/>
+          <a:lstStyle/>
+          <a:p>
+            <a:pPr algn="ctr"/>
+            <a:endParaRPr lang="en-US"/>
+          </a:p>
+        </p:txBody>
+      </p:sp>
+      <p:sp>
+        <p:nvSpPr>
+          <p:cNvPr id="5" name="Content Placeholder 4">
+            <a:extLst>
+              <a:ext uri="{FF2B5EF4-FFF2-40B4-BE49-F238E27FC236}">
+                <a16:creationId xmlns:a16="http://schemas.microsoft.com/office/drawing/2014/main" id="{4D4EC926-B295-8945-B485-40296918C8A8}"/>
+              </a:ext>
+            </a:extLst>
+          </p:cNvPr>
+          <p:cNvSpPr txBox="1">
+            <a:spLocks/>
+          </p:cNvSpPr>
+          <p:nvPr/>
+        </p:nvSpPr>
+        <p:spPr>
+          <a:xfrm>
+            <a:off x="7949093" y="1480457"/>
+            <a:ext cx="3979128" cy="4696505"/>
+          </a:xfrm>
+          <a:prstGeom prst="rect">
+            <a:avLst/>
+          </a:prstGeom>
+        </p:spPr>
+        <p:txBody>
+          <a:bodyPr>
+            <a:normAutofit/>
+          </a:bodyPr>
+          <a:lstStyle>
+            <a:lvl1pPr marL="228600" indent="-228600" algn="l" defTabSz="914400" rtl="0" eaLnBrk="1" latinLnBrk="0" hangingPunct="1">
+              <a:lnSpc>
+                <a:spcPct val="90000"/>
+              </a:lnSpc>
+              <a:spcBef>
+                <a:spcPts val="1000"/>
+              </a:spcBef>
+              <a:buFont typeface="Arial" panose="020B0604020202020204" pitchFamily="34" charset="0"/>
+              <a:buChar char="•"/>
+              <a:defRPr sz="2800" kern="1200">
+                <a:solidFill>
+                  <a:schemeClr val="bg1"/>
+                </a:solidFill>
+                <a:latin typeface="Fira Code" panose="020B0509050000020004" pitchFamily="49" charset="0"/>
+                <a:ea typeface="Fira Code" panose="020B0509050000020004" pitchFamily="49" charset="0"/>
+                <a:cs typeface="Menlo" panose="020B0609030804020204" pitchFamily="49" charset="0"/>
+              </a:defRPr>
+            </a:lvl1pPr>
+            <a:lvl2pPr marL="685800" indent="-228600" algn="l" defTabSz="914400" rtl="0" eaLnBrk="1" latinLnBrk="0" hangingPunct="1">
+              <a:lnSpc>
+                <a:spcPct val="90000"/>
+              </a:lnSpc>
+              <a:spcBef>
+                <a:spcPts val="500"/>
+              </a:spcBef>
+              <a:buFont typeface="Arial" panose="020B0604020202020204" pitchFamily="34" charset="0"/>
+              <a:buChar char="•"/>
+              <a:defRPr sz="2400" kern="1200">
+                <a:solidFill>
+                  <a:schemeClr val="bg1"/>
+                </a:solidFill>
+                <a:latin typeface="Fira Code" panose="020B0509050000020004" pitchFamily="49" charset="0"/>
+                <a:ea typeface="Fira Code" panose="020B0509050000020004" pitchFamily="49" charset="0"/>
+                <a:cs typeface="Menlo" panose="020B0609030804020204" pitchFamily="49" charset="0"/>
+              </a:defRPr>
+            </a:lvl2pPr>
+            <a:lvl3pPr marL="1143000" indent="-228600" algn="l" defTabSz="914400" rtl="0" eaLnBrk="1" latinLnBrk="0" hangingPunct="1">
+              <a:lnSpc>
+                <a:spcPct val="90000"/>
+              </a:lnSpc>
+              <a:spcBef>
+                <a:spcPts val="500"/>
+              </a:spcBef>
+              <a:buFont typeface="Arial" panose="020B0604020202020204" pitchFamily="34" charset="0"/>
+              <a:buChar char="•"/>
+              <a:defRPr sz="2000" kern="1200">
+                <a:solidFill>
+                  <a:schemeClr val="bg1"/>
+                </a:solidFill>
+                <a:latin typeface="Fira Code" panose="020B0509050000020004" pitchFamily="49" charset="0"/>
+                <a:ea typeface="Fira Code" panose="020B0509050000020004" pitchFamily="49" charset="0"/>
+                <a:cs typeface="Menlo" panose="020B0609030804020204" pitchFamily="49" charset="0"/>
+              </a:defRPr>
+            </a:lvl3pPr>
+            <a:lvl4pPr marL="1600200" indent="-228600" algn="l" defTabSz="914400" rtl="0" eaLnBrk="1" latinLnBrk="0" hangingPunct="1">
+              <a:lnSpc>
+                <a:spcPct val="90000"/>
+              </a:lnSpc>
+              <a:spcBef>
+                <a:spcPts val="500"/>
+              </a:spcBef>
+              <a:buFont typeface="Arial" panose="020B0604020202020204" pitchFamily="34" charset="0"/>
+              <a:buChar char="•"/>
+              <a:defRPr sz="1800" kern="1200">
+                <a:solidFill>
+                  <a:schemeClr val="bg1"/>
+                </a:solidFill>
+                <a:latin typeface="Fira Code" panose="020B0509050000020004" pitchFamily="49" charset="0"/>
+                <a:ea typeface="Fira Code" panose="020B0509050000020004" pitchFamily="49" charset="0"/>
+                <a:cs typeface="Menlo" panose="020B0609030804020204" pitchFamily="49" charset="0"/>
+              </a:defRPr>
+            </a:lvl4pPr>
+            <a:lvl5pPr marL="2057400" indent="-228600" algn="l" defTabSz="914400" rtl="0" eaLnBrk="1" latinLnBrk="0" hangingPunct="1">
+              <a:lnSpc>
+                <a:spcPct val="90000"/>
+              </a:lnSpc>
+              <a:spcBef>
+                <a:spcPts val="500"/>
+              </a:spcBef>
+              <a:buFont typeface="Arial" panose="020B0604020202020204" pitchFamily="34" charset="0"/>
+              <a:buChar char="•"/>
+              <a:defRPr sz="1800" kern="1200">
+                <a:solidFill>
+                  <a:schemeClr val="bg1"/>
+                </a:solidFill>
+                <a:latin typeface="Fira Code" panose="020B0509050000020004" pitchFamily="49" charset="0"/>
+                <a:ea typeface="Fira Code" panose="020B0509050000020004" pitchFamily="49" charset="0"/>
+                <a:cs typeface="Menlo" panose="020B0609030804020204" pitchFamily="49" charset="0"/>
+              </a:defRPr>
+            </a:lvl5pPr>
+            <a:lvl6pPr marL="2514600" indent="-228600" algn="l" defTabSz="914400" rtl="0" eaLnBrk="1" latinLnBrk="0" hangingPunct="1">
+              <a:lnSpc>
+                <a:spcPct val="90000"/>
+              </a:lnSpc>
+              <a:spcBef>
+                <a:spcPts val="500"/>
+              </a:spcBef>
+              <a:buFont typeface="Arial" panose="020B0604020202020204" pitchFamily="34" charset="0"/>
+              <a:buChar char="•"/>
+              <a:defRPr sz="1800" kern="1200">
+                <a:solidFill>
+                  <a:schemeClr val="tx1"/>
+                </a:solidFill>
+                <a:latin typeface="+mn-lt"/>
+                <a:ea typeface="+mn-ea"/>
+                <a:cs typeface="+mn-cs"/>
+              </a:defRPr>
+            </a:lvl6pPr>
+            <a:lvl7pPr marL="2971800" indent="-228600" algn="l" defTabSz="914400" rtl="0" eaLnBrk="1" latinLnBrk="0" hangingPunct="1">
+              <a:lnSpc>
+                <a:spcPct val="90000"/>
+              </a:lnSpc>
+              <a:spcBef>
+                <a:spcPts val="500"/>
+              </a:spcBef>
+              <a:buFont typeface="Arial" panose="020B0604020202020204" pitchFamily="34" charset="0"/>
+              <a:buChar char="•"/>
+              <a:defRPr sz="1800" kern="1200">
+                <a:solidFill>
+                  <a:schemeClr val="tx1"/>
+                </a:solidFill>
+                <a:latin typeface="+mn-lt"/>
+                <a:ea typeface="+mn-ea"/>
+                <a:cs typeface="+mn-cs"/>
+              </a:defRPr>
+            </a:lvl7pPr>
+            <a:lvl8pPr marL="3429000" indent="-228600" algn="l" defTabSz="914400" rtl="0" eaLnBrk="1" latinLnBrk="0" hangingPunct="1">
+              <a:lnSpc>
+                <a:spcPct val="90000"/>
+              </a:lnSpc>
+              <a:spcBef>
+                <a:spcPts val="500"/>
+              </a:spcBef>
+              <a:buFont typeface="Arial" panose="020B0604020202020204" pitchFamily="34" charset="0"/>
+              <a:buChar char="•"/>
+              <a:defRPr sz="1800" kern="1200">
+                <a:solidFill>
+                  <a:schemeClr val="tx1"/>
+                </a:solidFill>
+                <a:latin typeface="+mn-lt"/>
+                <a:ea typeface="+mn-ea"/>
+                <a:cs typeface="+mn-cs"/>
+              </a:defRPr>
+            </a:lvl8pPr>
+            <a:lvl9pPr marL="3886200" indent="-228600" algn="l" defTabSz="914400" rtl="0" eaLnBrk="1" latinLnBrk="0" hangingPunct="1">
+              <a:lnSpc>
+                <a:spcPct val="90000"/>
+              </a:lnSpc>
+              <a:spcBef>
+                <a:spcPts val="500"/>
+              </a:spcBef>
+              <a:buFont typeface="Arial" panose="020B0604020202020204" pitchFamily="34" charset="0"/>
+              <a:buChar char="•"/>
+              <a:defRPr sz="1800" kern="1200">
+                <a:solidFill>
+                  <a:schemeClr val="tx1"/>
+                </a:solidFill>
+                <a:latin typeface="+mn-lt"/>
+                <a:ea typeface="+mn-ea"/>
+                <a:cs typeface="+mn-cs"/>
+              </a:defRPr>
+            </a:lvl9pPr>
+          </a:lstStyle>
+          <a:p>
+            <a:pPr marL="0" indent="0">
+              <a:buNone/>
+            </a:pPr>
+            <a:r>
+              <a:rPr lang="en-US" sz="1400" dirty="0"/>
+              <a:t>{</a:t>
+            </a:r>
+          </a:p>
+          <a:p>
+            <a:pPr marL="457200" lvl="1" indent="0">
+              <a:buNone/>
+            </a:pPr>
+            <a:r>
+              <a:rPr lang="en-US" sz="2000" dirty="0"/>
+              <a:t>"id": 1,</a:t>
+            </a:r>
+          </a:p>
+          <a:p>
+            <a:pPr marL="457200" lvl="1" indent="0">
+              <a:buNone/>
+            </a:pPr>
+            <a:r>
+              <a:rPr lang="en-US" sz="2000" dirty="0"/>
+              <a:t>"</a:t>
+            </a:r>
+            <a:r>
+              <a:rPr lang="en-US" sz="2000" dirty="0" err="1"/>
+              <a:t>side_count</a:t>
+            </a:r>
+            <a:r>
+              <a:rPr lang="en-US" sz="2000" dirty="0"/>
+              <a:t>": 3,</a:t>
+            </a:r>
+          </a:p>
+          <a:p>
+            <a:pPr marL="457200" lvl="1" indent="0">
+              <a:buNone/>
+            </a:pPr>
+            <a:r>
+              <a:rPr lang="en-US" sz="2000" dirty="0"/>
+              <a:t>"</a:t>
+            </a:r>
+            <a:r>
+              <a:rPr lang="en-US" sz="2000" dirty="0" err="1"/>
+              <a:t>is_closed</a:t>
+            </a:r>
+            <a:r>
+              <a:rPr lang="en-US" sz="2000" dirty="0"/>
+              <a:t>": true</a:t>
+            </a:r>
+          </a:p>
+          <a:p>
+            <a:pPr marL="0" indent="0">
+              <a:buNone/>
+            </a:pPr>
+            <a:r>
+              <a:rPr lang="en-US" sz="1400" dirty="0"/>
+              <a:t>}</a:t>
+            </a:r>
+            <a:endParaRPr lang="en-US" dirty="0"/>
+          </a:p>
+        </p:txBody>
+      </p:sp>
+    </p:spTree>
+    <p:extLst>
+      <p:ext uri="{BB962C8B-B14F-4D97-AF65-F5344CB8AC3E}">
+        <p14:creationId xmlns:p14="http://schemas.microsoft.com/office/powerpoint/2010/main" val="3472583505"/>
+      </p:ext>
+    </p:extLst>
+  </p:cSld>
+  <p:clrMapOvr>
+    <a:masterClrMapping/>
+  </p:clrMapOvr>
+</p:sld>
+</file>
+
+<file path=ppt/slides/slide17.xml><?xml version="1.0" encoding="utf-8"?>
+<p:sld xmlns:a="http://schemas.openxmlformats.org/drawingml/2006/main" xmlns:r="http://schemas.openxmlformats.org/officeDocument/2006/relationships" xmlns:p="http://schemas.openxmlformats.org/presentationml/2006/main">
+  <p:cSld>
+    <p:spTree>
+      <p:nvGrpSpPr>
+        <p:cNvPr id="1" name=""/>
+        <p:cNvGrpSpPr/>
+        <p:nvPr/>
+      </p:nvGrpSpPr>
+      <p:grpSpPr>
+        <a:xfrm>
+          <a:off x="0" y="0"/>
+          <a:ext cx="0" cy="0"/>
+          <a:chOff x="0" y="0"/>
+          <a:chExt cx="0" cy="0"/>
+        </a:xfrm>
+      </p:grpSpPr>
+      <p:sp>
+        <p:nvSpPr>
+          <p:cNvPr id="2" name="Title 1">
+            <a:extLst>
+              <a:ext uri="{FF2B5EF4-FFF2-40B4-BE49-F238E27FC236}">
+                <a16:creationId xmlns:a16="http://schemas.microsoft.com/office/drawing/2014/main" id="{47B59599-FA96-E94F-9B51-94C3826DFC16}"/>
+              </a:ext>
+            </a:extLst>
+          </p:cNvPr>
+          <p:cNvSpPr>
+            <a:spLocks noGrp="1"/>
+          </p:cNvSpPr>
+          <p:nvPr>
+            <p:ph type="title"/>
+          </p:nvPr>
+        </p:nvSpPr>
+        <p:spPr/>
+        <p:txBody>
+          <a:bodyPr/>
+          <a:lstStyle/>
+          <a:p>
+            <a:r>
+              <a:rPr lang="en-US" dirty="0"/>
+              <a:t>Categorizing shapes</a:t>
+            </a:r>
+          </a:p>
+        </p:txBody>
+      </p:sp>
+      <p:sp>
+        <p:nvSpPr>
+          <p:cNvPr id="3" name="Content Placeholder 2">
+            <a:extLst>
+              <a:ext uri="{FF2B5EF4-FFF2-40B4-BE49-F238E27FC236}">
+                <a16:creationId xmlns:a16="http://schemas.microsoft.com/office/drawing/2014/main" id="{73CB2ADE-C822-3B48-B20D-4253B0AF0DC7}"/>
+              </a:ext>
+            </a:extLst>
+          </p:cNvPr>
+          <p:cNvSpPr>
+            <a:spLocks noGrp="1"/>
+          </p:cNvSpPr>
+          <p:nvPr>
+            <p:ph idx="1"/>
+          </p:nvPr>
+        </p:nvSpPr>
+        <p:spPr>
+          <a:xfrm>
+            <a:off x="838200" y="1825625"/>
+            <a:ext cx="10515600" cy="4351338"/>
+          </a:xfrm>
+        </p:spPr>
+        <p:txBody>
+          <a:bodyPr>
+            <a:normAutofit/>
+          </a:bodyPr>
+          <a:lstStyle/>
+          <a:p>
+            <a:pPr marL="0" indent="0">
+              <a:buNone/>
+            </a:pPr>
+            <a:r>
+              <a:rPr lang="en-US" dirty="0"/>
+              <a:t>{</a:t>
+            </a:r>
+          </a:p>
+          <a:p>
+            <a:pPr marL="457200" lvl="1" indent="0">
+              <a:buNone/>
+            </a:pPr>
+            <a:r>
+              <a:rPr lang="en-US" sz="2800" dirty="0"/>
+              <a:t>"id": 2,</a:t>
+            </a:r>
+          </a:p>
+          <a:p>
+            <a:pPr marL="457200" lvl="1" indent="0">
+              <a:buNone/>
+            </a:pPr>
+            <a:r>
+              <a:rPr lang="en-US" sz="2800" dirty="0"/>
+              <a:t>"</a:t>
+            </a:r>
+            <a:r>
+              <a:rPr lang="en-US" sz="2800" dirty="0" err="1"/>
+              <a:t>side_count</a:t>
+            </a:r>
+            <a:r>
+              <a:rPr lang="en-US" sz="2800" dirty="0"/>
+              <a:t>": 4,</a:t>
+            </a:r>
+          </a:p>
+          <a:p>
+            <a:pPr marL="457200" lvl="1" indent="0">
+              <a:buNone/>
+            </a:pPr>
+            <a:r>
+              <a:rPr lang="en-US" sz="2800" dirty="0"/>
+              <a:t>"</a:t>
+            </a:r>
+            <a:r>
+              <a:rPr lang="en-US" sz="2800" dirty="0" err="1"/>
+              <a:t>is_closed</a:t>
+            </a:r>
+            <a:r>
+              <a:rPr lang="en-US" sz="2800" dirty="0"/>
+              <a:t>": true</a:t>
+            </a:r>
+          </a:p>
+          <a:p>
+            <a:pPr marL="0" indent="0">
+              <a:buNone/>
+            </a:pPr>
+            <a:r>
+              <a:rPr lang="en-US" dirty="0"/>
+              <a:t>}</a:t>
+            </a:r>
+          </a:p>
+        </p:txBody>
+      </p:sp>
+    </p:spTree>
+    <p:extLst>
+      <p:ext uri="{BB962C8B-B14F-4D97-AF65-F5344CB8AC3E}">
+        <p14:creationId xmlns:p14="http://schemas.microsoft.com/office/powerpoint/2010/main" val="3406855302"/>
+      </p:ext>
+    </p:extLst>
+  </p:cSld>
+  <p:clrMapOvr>
+    <a:masterClrMapping/>
+  </p:clrMapOvr>
+</p:sld>
+</file>
+
+<file path=ppt/slides/slide18.xml><?xml version="1.0" encoding="utf-8"?>
+<p:sld xmlns:a="http://schemas.openxmlformats.org/drawingml/2006/main" xmlns:r="http://schemas.openxmlformats.org/officeDocument/2006/relationships" xmlns:p="http://schemas.openxmlformats.org/presentationml/2006/main">
+  <p:cSld>
+    <p:spTree>
+      <p:nvGrpSpPr>
+        <p:cNvPr id="1" name=""/>
+        <p:cNvGrpSpPr/>
+        <p:nvPr/>
+      </p:nvGrpSpPr>
+      <p:grpSpPr>
+        <a:xfrm>
+          <a:off x="0" y="0"/>
+          <a:ext cx="0" cy="0"/>
+          <a:chOff x="0" y="0"/>
+          <a:chExt cx="0" cy="0"/>
+        </a:xfrm>
+      </p:grpSpPr>
+      <p:sp>
+        <p:nvSpPr>
+          <p:cNvPr id="2" name="Title 1">
+            <a:extLst>
+              <a:ext uri="{FF2B5EF4-FFF2-40B4-BE49-F238E27FC236}">
+                <a16:creationId xmlns:a16="http://schemas.microsoft.com/office/drawing/2014/main" id="{1F902445-A1CF-4049-BEC6-6785EC63F2E5}"/>
+              </a:ext>
+            </a:extLst>
+          </p:cNvPr>
+          <p:cNvSpPr>
+            <a:spLocks noGrp="1"/>
+          </p:cNvSpPr>
+          <p:nvPr>
+            <p:ph type="title"/>
+          </p:nvPr>
+        </p:nvSpPr>
+        <p:spPr>
+          <a:xfrm>
+            <a:off x="457201" y="365125"/>
+            <a:ext cx="6917471" cy="1115331"/>
+          </a:xfrm>
+        </p:spPr>
+        <p:txBody>
+          <a:bodyPr>
+            <a:normAutofit/>
+          </a:bodyPr>
+          <a:lstStyle/>
+          <a:p>
+            <a:r>
+              <a:rPr lang="en-US" sz="3600" dirty="0"/>
+              <a:t>Categorizing shapes</a:t>
+            </a:r>
+          </a:p>
+        </p:txBody>
+      </p:sp>
+      <p:sp>
+        <p:nvSpPr>
+          <p:cNvPr id="3" name="Content Placeholder 2">
+            <a:extLst>
+              <a:ext uri="{FF2B5EF4-FFF2-40B4-BE49-F238E27FC236}">
+                <a16:creationId xmlns:a16="http://schemas.microsoft.com/office/drawing/2014/main" id="{A00A9857-D27E-2647-A6AC-E728A05D77A0}"/>
+              </a:ext>
+            </a:extLst>
+          </p:cNvPr>
+          <p:cNvSpPr>
+            <a:spLocks noGrp="1"/>
+          </p:cNvSpPr>
+          <p:nvPr>
+            <p:ph idx="1"/>
+          </p:nvPr>
+        </p:nvSpPr>
+        <p:spPr>
+          <a:xfrm>
+            <a:off x="457201" y="1480456"/>
+            <a:ext cx="6917471" cy="4920343"/>
+          </a:xfrm>
+        </p:spPr>
+        <p:txBody>
+          <a:bodyPr>
+            <a:normAutofit/>
+          </a:bodyPr>
+          <a:lstStyle/>
+          <a:p>
+            <a:pPr marL="0" indent="0">
+              <a:lnSpc>
+                <a:spcPct val="100000"/>
+              </a:lnSpc>
+              <a:buNone/>
+            </a:pPr>
+            <a:r>
+              <a:rPr lang="en-US" sz="2400" dirty="0"/>
+              <a:t>function </a:t>
+            </a:r>
+            <a:r>
+              <a:rPr lang="en-US" sz="2400" dirty="0" err="1"/>
+              <a:t>categorize_shape</a:t>
+            </a:r>
+            <a:r>
+              <a:rPr lang="en-US" sz="2400" dirty="0"/>
+              <a:t>(</a:t>
+            </a:r>
+            <a:r>
+              <a:rPr lang="en-US" sz="2400" i="1" dirty="0"/>
+              <a:t>shape</a:t>
+            </a:r>
+            <a:r>
+              <a:rPr lang="en-US" sz="2400" dirty="0"/>
+              <a:t>) {</a:t>
+            </a:r>
+          </a:p>
+          <a:p>
+            <a:pPr marL="0" indent="0">
+              <a:lnSpc>
+                <a:spcPct val="100000"/>
+              </a:lnSpc>
+              <a:buNone/>
+            </a:pPr>
+            <a:endParaRPr lang="en-US" sz="2400" dirty="0"/>
+          </a:p>
+          <a:p>
+            <a:pPr marL="0" indent="0">
+              <a:buNone/>
+            </a:pPr>
+            <a:r>
+              <a:rPr lang="en-US" sz="2400" dirty="0"/>
+              <a:t>  if (</a:t>
+            </a:r>
+            <a:r>
+              <a:rPr lang="en-US" sz="2400" i="1" dirty="0" err="1"/>
+              <a:t>shape.side_count</a:t>
+            </a:r>
+            <a:r>
+              <a:rPr lang="en-US" sz="2400" dirty="0"/>
+              <a:t> </a:t>
+            </a:r>
+            <a:r>
+              <a:rPr lang="en-US" sz="2400" b="1" dirty="0"/>
+              <a:t>===</a:t>
+            </a:r>
+            <a:r>
+              <a:rPr lang="en-US" sz="2400" dirty="0"/>
+              <a:t> 3)</a:t>
+            </a:r>
+          </a:p>
+          <a:p>
+            <a:pPr marL="0" indent="0">
+              <a:buNone/>
+            </a:pPr>
+            <a:r>
+              <a:rPr lang="en-US" sz="2400" dirty="0"/>
+              <a:t>    return “triangle”</a:t>
+            </a:r>
+          </a:p>
+          <a:p>
+            <a:pPr marL="0" indent="0">
+              <a:buNone/>
+            </a:pPr>
+            <a:endParaRPr lang="en-US" sz="2400" dirty="0"/>
+          </a:p>
+          <a:p>
+            <a:pPr marL="0" indent="0">
+              <a:buNone/>
+            </a:pPr>
+            <a:r>
+              <a:rPr lang="en-US" sz="2400" dirty="0"/>
+              <a:t>  if (</a:t>
+            </a:r>
+            <a:r>
+              <a:rPr lang="en-US" sz="2400" i="1" dirty="0" err="1"/>
+              <a:t>shape.side_count</a:t>
+            </a:r>
+            <a:r>
+              <a:rPr lang="en-US" sz="2400" dirty="0"/>
+              <a:t> </a:t>
+            </a:r>
+            <a:r>
+              <a:rPr lang="en-US" sz="2400" b="1" dirty="0"/>
+              <a:t>===</a:t>
+            </a:r>
+            <a:r>
+              <a:rPr lang="en-US" sz="2400" dirty="0"/>
+              <a:t> 4)</a:t>
+            </a:r>
+          </a:p>
+          <a:p>
+            <a:pPr marL="0" indent="0">
+              <a:buNone/>
+            </a:pPr>
+            <a:r>
+              <a:rPr lang="en-US" sz="2400" dirty="0"/>
+              <a:t>    return “rectangle”</a:t>
+            </a:r>
+          </a:p>
+          <a:p>
+            <a:pPr marL="0" indent="0">
+              <a:lnSpc>
+                <a:spcPct val="100000"/>
+              </a:lnSpc>
+              <a:buNone/>
+            </a:pPr>
+            <a:endParaRPr lang="en-US" sz="2400" dirty="0"/>
+          </a:p>
+          <a:p>
+            <a:pPr marL="0" indent="0">
+              <a:lnSpc>
+                <a:spcPct val="100000"/>
+              </a:lnSpc>
+              <a:buNone/>
+            </a:pPr>
+            <a:r>
+              <a:rPr lang="en-US" sz="2400" dirty="0"/>
+              <a:t>}</a:t>
+            </a:r>
+          </a:p>
+        </p:txBody>
+      </p:sp>
+      <p:sp>
+        <p:nvSpPr>
+          <p:cNvPr id="6" name="Rectangle 5">
+            <a:extLst>
+              <a:ext uri="{FF2B5EF4-FFF2-40B4-BE49-F238E27FC236}">
+                <a16:creationId xmlns:a16="http://schemas.microsoft.com/office/drawing/2014/main" id="{9976206F-C770-914A-BEDB-3F3B9797C383}"/>
+              </a:ext>
+            </a:extLst>
+          </p:cNvPr>
+          <p:cNvSpPr/>
+          <p:nvPr/>
+        </p:nvSpPr>
+        <p:spPr>
+          <a:xfrm>
+            <a:off x="7685314" y="0"/>
+            <a:ext cx="4506686" cy="6858000"/>
+          </a:xfrm>
+          <a:prstGeom prst="rect">
+            <a:avLst/>
+          </a:prstGeom>
+          <a:solidFill>
+            <a:srgbClr val="1B222C"/>
+          </a:solidFill>
+          <a:ln>
+            <a:noFill/>
+          </a:ln>
+        </p:spPr>
+        <p:style>
+          <a:lnRef idx="2">
+            <a:schemeClr val="accent1">
+              <a:shade val="50000"/>
+            </a:schemeClr>
+          </a:lnRef>
+          <a:fillRef idx="1">
+            <a:schemeClr val="accent1"/>
+          </a:fillRef>
+          <a:effectRef idx="0">
+            <a:schemeClr val="accent1"/>
+          </a:effectRef>
+          <a:fontRef idx="minor">
+            <a:schemeClr val="lt1"/>
+          </a:fontRef>
+        </p:style>
+        <p:txBody>
+          <a:bodyPr rtlCol="0" anchor="ctr"/>
+          <a:lstStyle/>
+          <a:p>
+            <a:pPr algn="ctr"/>
+            <a:endParaRPr lang="en-US"/>
+          </a:p>
+        </p:txBody>
+      </p:sp>
+      <p:sp>
+        <p:nvSpPr>
+          <p:cNvPr id="5" name="Content Placeholder 4">
+            <a:extLst>
+              <a:ext uri="{FF2B5EF4-FFF2-40B4-BE49-F238E27FC236}">
+                <a16:creationId xmlns:a16="http://schemas.microsoft.com/office/drawing/2014/main" id="{4D4EC926-B295-8945-B485-40296918C8A8}"/>
+              </a:ext>
+            </a:extLst>
+          </p:cNvPr>
+          <p:cNvSpPr txBox="1">
+            <a:spLocks/>
+          </p:cNvSpPr>
+          <p:nvPr/>
+        </p:nvSpPr>
+        <p:spPr>
+          <a:xfrm>
+            <a:off x="7949093" y="1480457"/>
+            <a:ext cx="3979128" cy="4696505"/>
+          </a:xfrm>
+          <a:prstGeom prst="rect">
+            <a:avLst/>
+          </a:prstGeom>
+        </p:spPr>
+        <p:txBody>
+          <a:bodyPr>
+            <a:normAutofit/>
+          </a:bodyPr>
+          <a:lstStyle>
+            <a:lvl1pPr marL="228600" indent="-228600" algn="l" defTabSz="914400" rtl="0" eaLnBrk="1" latinLnBrk="0" hangingPunct="1">
+              <a:lnSpc>
+                <a:spcPct val="90000"/>
+              </a:lnSpc>
+              <a:spcBef>
+                <a:spcPts val="1000"/>
+              </a:spcBef>
+              <a:buFont typeface="Arial" panose="020B0604020202020204" pitchFamily="34" charset="0"/>
+              <a:buChar char="•"/>
+              <a:defRPr sz="2800" kern="1200">
+                <a:solidFill>
+                  <a:schemeClr val="bg1"/>
+                </a:solidFill>
+                <a:latin typeface="Fira Code" panose="020B0509050000020004" pitchFamily="49" charset="0"/>
+                <a:ea typeface="Fira Code" panose="020B0509050000020004" pitchFamily="49" charset="0"/>
+                <a:cs typeface="Menlo" panose="020B0609030804020204" pitchFamily="49" charset="0"/>
+              </a:defRPr>
+            </a:lvl1pPr>
+            <a:lvl2pPr marL="685800" indent="-228600" algn="l" defTabSz="914400" rtl="0" eaLnBrk="1" latinLnBrk="0" hangingPunct="1">
+              <a:lnSpc>
+                <a:spcPct val="90000"/>
+              </a:lnSpc>
+              <a:spcBef>
+                <a:spcPts val="500"/>
+              </a:spcBef>
+              <a:buFont typeface="Arial" panose="020B0604020202020204" pitchFamily="34" charset="0"/>
+              <a:buChar char="•"/>
+              <a:defRPr sz="2400" kern="1200">
+                <a:solidFill>
+                  <a:schemeClr val="bg1"/>
+                </a:solidFill>
+                <a:latin typeface="Fira Code" panose="020B0509050000020004" pitchFamily="49" charset="0"/>
+                <a:ea typeface="Fira Code" panose="020B0509050000020004" pitchFamily="49" charset="0"/>
+                <a:cs typeface="Menlo" panose="020B0609030804020204" pitchFamily="49" charset="0"/>
+              </a:defRPr>
+            </a:lvl2pPr>
+            <a:lvl3pPr marL="1143000" indent="-228600" algn="l" defTabSz="914400" rtl="0" eaLnBrk="1" latinLnBrk="0" hangingPunct="1">
+              <a:lnSpc>
+                <a:spcPct val="90000"/>
+              </a:lnSpc>
+              <a:spcBef>
+                <a:spcPts val="500"/>
+              </a:spcBef>
+              <a:buFont typeface="Arial" panose="020B0604020202020204" pitchFamily="34" charset="0"/>
+              <a:buChar char="•"/>
+              <a:defRPr sz="2000" kern="1200">
+                <a:solidFill>
+                  <a:schemeClr val="bg1"/>
+                </a:solidFill>
+                <a:latin typeface="Fira Code" panose="020B0509050000020004" pitchFamily="49" charset="0"/>
+                <a:ea typeface="Fira Code" panose="020B0509050000020004" pitchFamily="49" charset="0"/>
+                <a:cs typeface="Menlo" panose="020B0609030804020204" pitchFamily="49" charset="0"/>
+              </a:defRPr>
+            </a:lvl3pPr>
+            <a:lvl4pPr marL="1600200" indent="-228600" algn="l" defTabSz="914400" rtl="0" eaLnBrk="1" latinLnBrk="0" hangingPunct="1">
+              <a:lnSpc>
+                <a:spcPct val="90000"/>
+              </a:lnSpc>
+              <a:spcBef>
+                <a:spcPts val="500"/>
+              </a:spcBef>
+              <a:buFont typeface="Arial" panose="020B0604020202020204" pitchFamily="34" charset="0"/>
+              <a:buChar char="•"/>
+              <a:defRPr sz="1800" kern="1200">
+                <a:solidFill>
+                  <a:schemeClr val="bg1"/>
+                </a:solidFill>
+                <a:latin typeface="Fira Code" panose="020B0509050000020004" pitchFamily="49" charset="0"/>
+                <a:ea typeface="Fira Code" panose="020B0509050000020004" pitchFamily="49" charset="0"/>
+                <a:cs typeface="Menlo" panose="020B0609030804020204" pitchFamily="49" charset="0"/>
+              </a:defRPr>
+            </a:lvl4pPr>
+            <a:lvl5pPr marL="2057400" indent="-228600" algn="l" defTabSz="914400" rtl="0" eaLnBrk="1" latinLnBrk="0" hangingPunct="1">
+              <a:lnSpc>
+                <a:spcPct val="90000"/>
+              </a:lnSpc>
+              <a:spcBef>
+                <a:spcPts val="500"/>
+              </a:spcBef>
+              <a:buFont typeface="Arial" panose="020B0604020202020204" pitchFamily="34" charset="0"/>
+              <a:buChar char="•"/>
+              <a:defRPr sz="1800" kern="1200">
+                <a:solidFill>
+                  <a:schemeClr val="bg1"/>
+                </a:solidFill>
+                <a:latin typeface="Fira Code" panose="020B0509050000020004" pitchFamily="49" charset="0"/>
+                <a:ea typeface="Fira Code" panose="020B0509050000020004" pitchFamily="49" charset="0"/>
+                <a:cs typeface="Menlo" panose="020B0609030804020204" pitchFamily="49" charset="0"/>
+              </a:defRPr>
+            </a:lvl5pPr>
+            <a:lvl6pPr marL="2514600" indent="-228600" algn="l" defTabSz="914400" rtl="0" eaLnBrk="1" latinLnBrk="0" hangingPunct="1">
+              <a:lnSpc>
+                <a:spcPct val="90000"/>
+              </a:lnSpc>
+              <a:spcBef>
+                <a:spcPts val="500"/>
+              </a:spcBef>
+              <a:buFont typeface="Arial" panose="020B0604020202020204" pitchFamily="34" charset="0"/>
+              <a:buChar char="•"/>
+              <a:defRPr sz="1800" kern="1200">
+                <a:solidFill>
+                  <a:schemeClr val="tx1"/>
+                </a:solidFill>
+                <a:latin typeface="+mn-lt"/>
+                <a:ea typeface="+mn-ea"/>
+                <a:cs typeface="+mn-cs"/>
+              </a:defRPr>
+            </a:lvl6pPr>
+            <a:lvl7pPr marL="2971800" indent="-228600" algn="l" defTabSz="914400" rtl="0" eaLnBrk="1" latinLnBrk="0" hangingPunct="1">
+              <a:lnSpc>
+                <a:spcPct val="90000"/>
+              </a:lnSpc>
+              <a:spcBef>
+                <a:spcPts val="500"/>
+              </a:spcBef>
+              <a:buFont typeface="Arial" panose="020B0604020202020204" pitchFamily="34" charset="0"/>
+              <a:buChar char="•"/>
+              <a:defRPr sz="1800" kern="1200">
+                <a:solidFill>
+                  <a:schemeClr val="tx1"/>
+                </a:solidFill>
+                <a:latin typeface="+mn-lt"/>
+                <a:ea typeface="+mn-ea"/>
+                <a:cs typeface="+mn-cs"/>
+              </a:defRPr>
+            </a:lvl7pPr>
+            <a:lvl8pPr marL="3429000" indent="-228600" algn="l" defTabSz="914400" rtl="0" eaLnBrk="1" latinLnBrk="0" hangingPunct="1">
+              <a:lnSpc>
+                <a:spcPct val="90000"/>
+              </a:lnSpc>
+              <a:spcBef>
+                <a:spcPts val="500"/>
+              </a:spcBef>
+              <a:buFont typeface="Arial" panose="020B0604020202020204" pitchFamily="34" charset="0"/>
+              <a:buChar char="•"/>
+              <a:defRPr sz="1800" kern="1200">
+                <a:solidFill>
+                  <a:schemeClr val="tx1"/>
+                </a:solidFill>
+                <a:latin typeface="+mn-lt"/>
+                <a:ea typeface="+mn-ea"/>
+                <a:cs typeface="+mn-cs"/>
+              </a:defRPr>
+            </a:lvl8pPr>
+            <a:lvl9pPr marL="3886200" indent="-228600" algn="l" defTabSz="914400" rtl="0" eaLnBrk="1" latinLnBrk="0" hangingPunct="1">
+              <a:lnSpc>
+                <a:spcPct val="90000"/>
+              </a:lnSpc>
+              <a:spcBef>
+                <a:spcPts val="500"/>
+              </a:spcBef>
+              <a:buFont typeface="Arial" panose="020B0604020202020204" pitchFamily="34" charset="0"/>
+              <a:buChar char="•"/>
+              <a:defRPr sz="1800" kern="1200">
+                <a:solidFill>
+                  <a:schemeClr val="tx1"/>
+                </a:solidFill>
+                <a:latin typeface="+mn-lt"/>
+                <a:ea typeface="+mn-ea"/>
+                <a:cs typeface="+mn-cs"/>
+              </a:defRPr>
+            </a:lvl9pPr>
+          </a:lstStyle>
+          <a:p>
+            <a:pPr marL="0" indent="0">
+              <a:buNone/>
+            </a:pPr>
+            <a:r>
+              <a:rPr lang="en-US" sz="1400" dirty="0"/>
+              <a:t>{</a:t>
+            </a:r>
+          </a:p>
+          <a:p>
+            <a:pPr marL="457200" lvl="1" indent="0">
+              <a:buNone/>
+            </a:pPr>
+            <a:r>
+              <a:rPr lang="en-US" sz="2000" dirty="0"/>
+              <a:t>"id": 2,</a:t>
+            </a:r>
+          </a:p>
+          <a:p>
+            <a:pPr marL="457200" lvl="1" indent="0">
+              <a:buNone/>
+            </a:pPr>
+            <a:r>
+              <a:rPr lang="en-US" sz="2000" dirty="0"/>
+              <a:t>"</a:t>
+            </a:r>
+            <a:r>
+              <a:rPr lang="en-US" sz="2000" dirty="0" err="1"/>
+              <a:t>side_count</a:t>
+            </a:r>
+            <a:r>
+              <a:rPr lang="en-US" sz="2000" dirty="0"/>
+              <a:t>": 4,</a:t>
+            </a:r>
+          </a:p>
+          <a:p>
+            <a:pPr marL="457200" lvl="1" indent="0">
+              <a:buNone/>
+            </a:pPr>
+            <a:r>
+              <a:rPr lang="en-US" sz="2000" dirty="0"/>
+              <a:t>"</a:t>
+            </a:r>
+            <a:r>
+              <a:rPr lang="en-US" sz="2000" dirty="0" err="1"/>
+              <a:t>is_closed</a:t>
+            </a:r>
+            <a:r>
+              <a:rPr lang="en-US" sz="2000" dirty="0"/>
+              <a:t>": true</a:t>
+            </a:r>
+          </a:p>
+          <a:p>
+            <a:pPr marL="0" indent="0">
+              <a:buNone/>
+            </a:pPr>
+            <a:r>
+              <a:rPr lang="en-US" sz="1400" dirty="0"/>
+              <a:t>}</a:t>
+            </a:r>
+            <a:endParaRPr lang="en-US" dirty="0"/>
+          </a:p>
+        </p:txBody>
+      </p:sp>
+    </p:spTree>
+    <p:extLst>
+      <p:ext uri="{BB962C8B-B14F-4D97-AF65-F5344CB8AC3E}">
+        <p14:creationId xmlns:p14="http://schemas.microsoft.com/office/powerpoint/2010/main" val="3039647628"/>
+      </p:ext>
+    </p:extLst>
+  </p:cSld>
+  <p:clrMapOvr>
+    <a:masterClrMapping/>
+  </p:clrMapOvr>
+</p:sld>
+</file>
+
+<file path=ppt/slides/slide19.xml><?xml version="1.0" encoding="utf-8"?>
+<p:sld xmlns:a="http://schemas.openxmlformats.org/drawingml/2006/main" xmlns:r="http://schemas.openxmlformats.org/officeDocument/2006/relationships" xmlns:p="http://schemas.openxmlformats.org/presentationml/2006/main">
+  <p:cSld>
+    <p:spTree>
+      <p:nvGrpSpPr>
+        <p:cNvPr id="1" name=""/>
+        <p:cNvGrpSpPr/>
+        <p:nvPr/>
+      </p:nvGrpSpPr>
+      <p:grpSpPr>
+        <a:xfrm>
+          <a:off x="0" y="0"/>
+          <a:ext cx="0" cy="0"/>
+          <a:chOff x="0" y="0"/>
+          <a:chExt cx="0" cy="0"/>
+        </a:xfrm>
+      </p:grpSpPr>
+      <p:sp>
+        <p:nvSpPr>
+          <p:cNvPr id="2" name="Title 1">
+            <a:extLst>
+              <a:ext uri="{FF2B5EF4-FFF2-40B4-BE49-F238E27FC236}">
+                <a16:creationId xmlns:a16="http://schemas.microsoft.com/office/drawing/2014/main" id="{2B35D68B-B37C-504C-85D3-BF233A74573F}"/>
+              </a:ext>
+            </a:extLst>
+          </p:cNvPr>
+          <p:cNvSpPr>
+            <a:spLocks noGrp="1"/>
+          </p:cNvSpPr>
+          <p:nvPr>
+            <p:ph type="title"/>
+          </p:nvPr>
+        </p:nvSpPr>
+        <p:spPr/>
+        <p:txBody>
+          <a:bodyPr/>
+          <a:lstStyle/>
+          <a:p>
+            <a:r>
+              <a:rPr lang="en-US" dirty="0"/>
+              <a:t>Categorizing organisms</a:t>
+            </a:r>
+          </a:p>
+        </p:txBody>
+      </p:sp>
+      <p:sp>
+        <p:nvSpPr>
+          <p:cNvPr id="5" name="TextBox 4">
+            <a:extLst>
+              <a:ext uri="{FF2B5EF4-FFF2-40B4-BE49-F238E27FC236}">
+                <a16:creationId xmlns:a16="http://schemas.microsoft.com/office/drawing/2014/main" id="{F9F357F1-1976-5048-A2F4-9495D6DBD50C}"/>
+              </a:ext>
+            </a:extLst>
+          </p:cNvPr>
+          <p:cNvSpPr txBox="1"/>
+          <p:nvPr/>
+        </p:nvSpPr>
+        <p:spPr>
+          <a:xfrm>
+            <a:off x="838199" y="1830616"/>
+            <a:ext cx="4778829" cy="3970318"/>
+          </a:xfrm>
+          <a:prstGeom prst="rect">
+            <a:avLst/>
+          </a:prstGeom>
+          <a:noFill/>
+        </p:spPr>
+        <p:txBody>
+          <a:bodyPr wrap="square" rtlCol="0">
+            <a:spAutoFit/>
+          </a:bodyPr>
+          <a:lstStyle/>
+          <a:p>
+            <a:r>
+              <a:rPr lang="en-US" dirty="0">
+                <a:solidFill>
+                  <a:schemeClr val="bg1"/>
+                </a:solidFill>
+                <a:latin typeface="Fira Code" panose="020B0509050000020004" pitchFamily="49" charset="0"/>
+                <a:ea typeface="Fira Code" panose="020B0509050000020004" pitchFamily="49" charset="0"/>
+              </a:rPr>
+              <a:t>{</a:t>
+            </a:r>
+          </a:p>
+          <a:p>
+            <a:r>
+              <a:rPr lang="en-US" dirty="0">
+                <a:solidFill>
+                  <a:schemeClr val="bg1"/>
+                </a:solidFill>
+                <a:latin typeface="Fira Code" panose="020B0509050000020004" pitchFamily="49" charset="0"/>
+                <a:ea typeface="Fira Code" panose="020B0509050000020004" pitchFamily="49" charset="0"/>
+              </a:rPr>
+              <a:t>  "id": 1,</a:t>
+            </a:r>
+          </a:p>
+          <a:p>
+            <a:r>
+              <a:rPr lang="en-US" dirty="0">
+                <a:solidFill>
+                  <a:schemeClr val="bg1"/>
+                </a:solidFill>
+                <a:latin typeface="Fira Code" panose="020B0509050000020004" pitchFamily="49" charset="0"/>
+                <a:ea typeface="Fira Code" panose="020B0509050000020004" pitchFamily="49" charset="0"/>
+              </a:rPr>
+              <a:t>  "age": 105120,</a:t>
+            </a:r>
+          </a:p>
+          <a:p>
+            <a:r>
+              <a:rPr lang="en-US" dirty="0">
+                <a:solidFill>
+                  <a:schemeClr val="bg1"/>
+                </a:solidFill>
+                <a:latin typeface="Fira Code" panose="020B0509050000020004" pitchFamily="49" charset="0"/>
+                <a:ea typeface="Fira Code" panose="020B0509050000020004" pitchFamily="49" charset="0"/>
+              </a:rPr>
+              <a:t>  "</a:t>
+            </a:r>
+            <a:r>
+              <a:rPr lang="en-US" dirty="0" err="1">
+                <a:solidFill>
+                  <a:schemeClr val="bg1"/>
+                </a:solidFill>
+                <a:latin typeface="Fira Code" panose="020B0509050000020004" pitchFamily="49" charset="0"/>
+                <a:ea typeface="Fira Code" panose="020B0509050000020004" pitchFamily="49" charset="0"/>
+              </a:rPr>
+              <a:t>blood_temp</a:t>
+            </a:r>
+            <a:r>
+              <a:rPr lang="en-US" dirty="0">
+                <a:solidFill>
+                  <a:schemeClr val="bg1"/>
+                </a:solidFill>
+                <a:latin typeface="Fira Code" panose="020B0509050000020004" pitchFamily="49" charset="0"/>
+                <a:ea typeface="Fira Code" panose="020B0509050000020004" pitchFamily="49" charset="0"/>
+              </a:rPr>
+              <a:t>": "warm",</a:t>
+            </a:r>
+          </a:p>
+          <a:p>
+            <a:r>
+              <a:rPr lang="en-US" dirty="0">
+                <a:solidFill>
+                  <a:schemeClr val="bg1"/>
+                </a:solidFill>
+                <a:latin typeface="Fira Code" panose="020B0509050000020004" pitchFamily="49" charset="0"/>
+                <a:ea typeface="Fira Code" panose="020B0509050000020004" pitchFamily="49" charset="0"/>
+              </a:rPr>
+              <a:t>  "habitat": "land",</a:t>
+            </a:r>
+          </a:p>
+          <a:p>
+            <a:r>
+              <a:rPr lang="en-US" dirty="0">
+                <a:solidFill>
+                  <a:schemeClr val="bg1"/>
+                </a:solidFill>
+                <a:latin typeface="Fira Code" panose="020B0509050000020004" pitchFamily="49" charset="0"/>
+                <a:ea typeface="Fira Code" panose="020B0509050000020004" pitchFamily="49" charset="0"/>
+              </a:rPr>
+              <a:t>  "</a:t>
+            </a:r>
+            <a:r>
+              <a:rPr lang="en-US" dirty="0" err="1">
+                <a:solidFill>
+                  <a:schemeClr val="bg1"/>
+                </a:solidFill>
+                <a:latin typeface="Fira Code" panose="020B0509050000020004" pitchFamily="49" charset="0"/>
+                <a:ea typeface="Fira Code" panose="020B0509050000020004" pitchFamily="49" charset="0"/>
+              </a:rPr>
+              <a:t>lays_eggs</a:t>
+            </a:r>
+            <a:r>
+              <a:rPr lang="en-US" dirty="0">
+                <a:solidFill>
+                  <a:schemeClr val="bg1"/>
+                </a:solidFill>
+                <a:latin typeface="Fira Code" panose="020B0509050000020004" pitchFamily="49" charset="0"/>
+                <a:ea typeface="Fira Code" panose="020B0509050000020004" pitchFamily="49" charset="0"/>
+              </a:rPr>
+              <a:t>": false</a:t>
+            </a:r>
+          </a:p>
+          <a:p>
+            <a:r>
+              <a:rPr lang="en-US" dirty="0">
+                <a:solidFill>
+                  <a:schemeClr val="bg1"/>
+                </a:solidFill>
+                <a:latin typeface="Fira Code" panose="020B0509050000020004" pitchFamily="49" charset="0"/>
+                <a:ea typeface="Fira Code" panose="020B0509050000020004" pitchFamily="49" charset="0"/>
+              </a:rPr>
+              <a:t>},</a:t>
+            </a:r>
+          </a:p>
+          <a:p>
+            <a:r>
+              <a:rPr lang="en-US" dirty="0">
+                <a:solidFill>
+                  <a:schemeClr val="bg1"/>
+                </a:solidFill>
+                <a:latin typeface="Fira Code" panose="020B0509050000020004" pitchFamily="49" charset="0"/>
+                <a:ea typeface="Fira Code" panose="020B0509050000020004" pitchFamily="49" charset="0"/>
+              </a:rPr>
+              <a:t>{</a:t>
+            </a:r>
+          </a:p>
+          <a:p>
+            <a:r>
+              <a:rPr lang="en-US" dirty="0">
+                <a:solidFill>
+                  <a:schemeClr val="bg1"/>
+                </a:solidFill>
+                <a:latin typeface="Fira Code" panose="020B0509050000020004" pitchFamily="49" charset="0"/>
+                <a:ea typeface="Fira Code" panose="020B0509050000020004" pitchFamily="49" charset="0"/>
+              </a:rPr>
+              <a:t>  "id": 2,</a:t>
+            </a:r>
+          </a:p>
+          <a:p>
+            <a:r>
+              <a:rPr lang="en-US" dirty="0">
+                <a:solidFill>
+                  <a:schemeClr val="bg1"/>
+                </a:solidFill>
+                <a:latin typeface="Fira Code" panose="020B0509050000020004" pitchFamily="49" charset="0"/>
+                <a:ea typeface="Fira Code" panose="020B0509050000020004" pitchFamily="49" charset="0"/>
+              </a:rPr>
+              <a:t>  "age": 84096,</a:t>
+            </a:r>
+          </a:p>
+          <a:p>
+            <a:r>
+              <a:rPr lang="en-US" dirty="0">
+                <a:solidFill>
+                  <a:schemeClr val="bg1"/>
+                </a:solidFill>
+                <a:latin typeface="Fira Code" panose="020B0509050000020004" pitchFamily="49" charset="0"/>
+                <a:ea typeface="Fira Code" panose="020B0509050000020004" pitchFamily="49" charset="0"/>
+              </a:rPr>
+              <a:t>  "</a:t>
+            </a:r>
+            <a:r>
+              <a:rPr lang="en-US" dirty="0" err="1">
+                <a:solidFill>
+                  <a:schemeClr val="bg1"/>
+                </a:solidFill>
+                <a:latin typeface="Fira Code" panose="020B0509050000020004" pitchFamily="49" charset="0"/>
+                <a:ea typeface="Fira Code" panose="020B0509050000020004" pitchFamily="49" charset="0"/>
+              </a:rPr>
+              <a:t>blood_temp</a:t>
+            </a:r>
+            <a:r>
+              <a:rPr lang="en-US" dirty="0">
+                <a:solidFill>
+                  <a:schemeClr val="bg1"/>
+                </a:solidFill>
+                <a:latin typeface="Fira Code" panose="020B0509050000020004" pitchFamily="49" charset="0"/>
+                <a:ea typeface="Fira Code" panose="020B0509050000020004" pitchFamily="49" charset="0"/>
+              </a:rPr>
+              <a:t>": "warm",</a:t>
+            </a:r>
+          </a:p>
+          <a:p>
+            <a:r>
+              <a:rPr lang="en-US" dirty="0">
+                <a:solidFill>
+                  <a:schemeClr val="bg1"/>
+                </a:solidFill>
+                <a:latin typeface="Fira Code" panose="020B0509050000020004" pitchFamily="49" charset="0"/>
+                <a:ea typeface="Fira Code" panose="020B0509050000020004" pitchFamily="49" charset="0"/>
+              </a:rPr>
+              <a:t>  "habitat": "land",</a:t>
+            </a:r>
+          </a:p>
+          <a:p>
+            <a:r>
+              <a:rPr lang="en-US" dirty="0">
+                <a:solidFill>
+                  <a:schemeClr val="bg1"/>
+                </a:solidFill>
+                <a:latin typeface="Fira Code" panose="020B0509050000020004" pitchFamily="49" charset="0"/>
+                <a:ea typeface="Fira Code" panose="020B0509050000020004" pitchFamily="49" charset="0"/>
+              </a:rPr>
+              <a:t>  "</a:t>
+            </a:r>
+            <a:r>
+              <a:rPr lang="en-US" dirty="0" err="1">
+                <a:solidFill>
+                  <a:schemeClr val="bg1"/>
+                </a:solidFill>
+                <a:latin typeface="Fira Code" panose="020B0509050000020004" pitchFamily="49" charset="0"/>
+                <a:ea typeface="Fira Code" panose="020B0509050000020004" pitchFamily="49" charset="0"/>
+              </a:rPr>
+              <a:t>lays_eggs</a:t>
+            </a:r>
+            <a:r>
+              <a:rPr lang="en-US" dirty="0">
+                <a:solidFill>
+                  <a:schemeClr val="bg1"/>
+                </a:solidFill>
+                <a:latin typeface="Fira Code" panose="020B0509050000020004" pitchFamily="49" charset="0"/>
+                <a:ea typeface="Fira Code" panose="020B0509050000020004" pitchFamily="49" charset="0"/>
+              </a:rPr>
+              <a:t>": true</a:t>
+            </a:r>
+          </a:p>
+          <a:p>
+            <a:r>
+              <a:rPr lang="en-US" dirty="0">
+                <a:solidFill>
+                  <a:schemeClr val="bg1"/>
+                </a:solidFill>
+                <a:latin typeface="Fira Code" panose="020B0509050000020004" pitchFamily="49" charset="0"/>
+                <a:ea typeface="Fira Code" panose="020B0509050000020004" pitchFamily="49" charset="0"/>
+              </a:rPr>
+              <a:t>},</a:t>
+            </a:r>
+          </a:p>
+        </p:txBody>
+      </p:sp>
+      <p:sp>
+        <p:nvSpPr>
+          <p:cNvPr id="6" name="TextBox 5">
+            <a:extLst>
+              <a:ext uri="{FF2B5EF4-FFF2-40B4-BE49-F238E27FC236}">
+                <a16:creationId xmlns:a16="http://schemas.microsoft.com/office/drawing/2014/main" id="{C233A6D2-9CAC-9643-B575-AD16ECF6ACCD}"/>
+              </a:ext>
+            </a:extLst>
+          </p:cNvPr>
+          <p:cNvSpPr txBox="1"/>
+          <p:nvPr/>
+        </p:nvSpPr>
+        <p:spPr>
+          <a:xfrm>
+            <a:off x="6574971" y="1830616"/>
+            <a:ext cx="4778829" cy="3970318"/>
+          </a:xfrm>
+          <a:prstGeom prst="rect">
+            <a:avLst/>
+          </a:prstGeom>
+          <a:noFill/>
+        </p:spPr>
+        <p:txBody>
+          <a:bodyPr wrap="square" rtlCol="0">
+            <a:spAutoFit/>
+          </a:bodyPr>
+          <a:lstStyle/>
+          <a:p>
+            <a:r>
+              <a:rPr lang="en-US" dirty="0">
+                <a:solidFill>
+                  <a:schemeClr val="bg1"/>
+                </a:solidFill>
+                <a:latin typeface="Fira Code" panose="020B0509050000020004" pitchFamily="49" charset="0"/>
+                <a:ea typeface="Fira Code" panose="020B0509050000020004" pitchFamily="49" charset="0"/>
+              </a:rPr>
+              <a:t>{</a:t>
+            </a:r>
+          </a:p>
+          <a:p>
+            <a:r>
+              <a:rPr lang="en-US" dirty="0">
+                <a:solidFill>
+                  <a:schemeClr val="bg1"/>
+                </a:solidFill>
+                <a:latin typeface="Fira Code" panose="020B0509050000020004" pitchFamily="49" charset="0"/>
+                <a:ea typeface="Fira Code" panose="020B0509050000020004" pitchFamily="49" charset="0"/>
+              </a:rPr>
+              <a:t>  "id": 3,</a:t>
+            </a:r>
+          </a:p>
+          <a:p>
+            <a:r>
+              <a:rPr lang="en-US" dirty="0">
+                <a:solidFill>
+                  <a:schemeClr val="bg1"/>
+                </a:solidFill>
+                <a:latin typeface="Fira Code" panose="020B0509050000020004" pitchFamily="49" charset="0"/>
+                <a:ea typeface="Fira Code" panose="020B0509050000020004" pitchFamily="49" charset="0"/>
+              </a:rPr>
+              <a:t>  "age": 35040,</a:t>
+            </a:r>
+          </a:p>
+          <a:p>
+            <a:r>
+              <a:rPr lang="en-US" dirty="0">
+                <a:solidFill>
+                  <a:schemeClr val="bg1"/>
+                </a:solidFill>
+                <a:latin typeface="Fira Code" panose="020B0509050000020004" pitchFamily="49" charset="0"/>
+                <a:ea typeface="Fira Code" panose="020B0509050000020004" pitchFamily="49" charset="0"/>
+              </a:rPr>
+              <a:t>  "</a:t>
+            </a:r>
+            <a:r>
+              <a:rPr lang="en-US" dirty="0" err="1">
+                <a:solidFill>
+                  <a:schemeClr val="bg1"/>
+                </a:solidFill>
+                <a:latin typeface="Fira Code" panose="020B0509050000020004" pitchFamily="49" charset="0"/>
+                <a:ea typeface="Fira Code" panose="020B0509050000020004" pitchFamily="49" charset="0"/>
+              </a:rPr>
+              <a:t>blood_temp</a:t>
+            </a:r>
+            <a:r>
+              <a:rPr lang="en-US" dirty="0">
+                <a:solidFill>
+                  <a:schemeClr val="bg1"/>
+                </a:solidFill>
+                <a:latin typeface="Fira Code" panose="020B0509050000020004" pitchFamily="49" charset="0"/>
+                <a:ea typeface="Fira Code" panose="020B0509050000020004" pitchFamily="49" charset="0"/>
+              </a:rPr>
+              <a:t>": "cold",</a:t>
+            </a:r>
+          </a:p>
+          <a:p>
+            <a:r>
+              <a:rPr lang="en-US" dirty="0">
+                <a:solidFill>
+                  <a:schemeClr val="bg1"/>
+                </a:solidFill>
+                <a:latin typeface="Fira Code" panose="020B0509050000020004" pitchFamily="49" charset="0"/>
+                <a:ea typeface="Fira Code" panose="020B0509050000020004" pitchFamily="49" charset="0"/>
+              </a:rPr>
+              <a:t>  "habitat": "water",</a:t>
+            </a:r>
+          </a:p>
+          <a:p>
+            <a:r>
+              <a:rPr lang="en-US" dirty="0">
+                <a:solidFill>
+                  <a:schemeClr val="bg1"/>
+                </a:solidFill>
+                <a:latin typeface="Fira Code" panose="020B0509050000020004" pitchFamily="49" charset="0"/>
+                <a:ea typeface="Fira Code" panose="020B0509050000020004" pitchFamily="49" charset="0"/>
+              </a:rPr>
+              <a:t>  "</a:t>
+            </a:r>
+            <a:r>
+              <a:rPr lang="en-US" dirty="0" err="1">
+                <a:solidFill>
+                  <a:schemeClr val="bg1"/>
+                </a:solidFill>
+                <a:latin typeface="Fira Code" panose="020B0509050000020004" pitchFamily="49" charset="0"/>
+                <a:ea typeface="Fira Code" panose="020B0509050000020004" pitchFamily="49" charset="0"/>
+              </a:rPr>
+              <a:t>lays_eggs</a:t>
+            </a:r>
+            <a:r>
+              <a:rPr lang="en-US" dirty="0">
+                <a:solidFill>
+                  <a:schemeClr val="bg1"/>
+                </a:solidFill>
+                <a:latin typeface="Fira Code" panose="020B0509050000020004" pitchFamily="49" charset="0"/>
+                <a:ea typeface="Fira Code" panose="020B0509050000020004" pitchFamily="49" charset="0"/>
+              </a:rPr>
+              <a:t>": true</a:t>
+            </a:r>
+          </a:p>
+          <a:p>
+            <a:r>
+              <a:rPr lang="en-US" dirty="0">
+                <a:solidFill>
+                  <a:schemeClr val="bg1"/>
+                </a:solidFill>
+                <a:latin typeface="Fira Code" panose="020B0509050000020004" pitchFamily="49" charset="0"/>
+                <a:ea typeface="Fira Code" panose="020B0509050000020004" pitchFamily="49" charset="0"/>
+              </a:rPr>
+              <a:t>},</a:t>
+            </a:r>
+          </a:p>
+          <a:p>
+            <a:r>
+              <a:rPr lang="en-US" dirty="0">
+                <a:solidFill>
+                  <a:schemeClr val="bg1"/>
+                </a:solidFill>
+                <a:latin typeface="Fira Code" panose="020B0509050000020004" pitchFamily="49" charset="0"/>
+                <a:ea typeface="Fira Code" panose="020B0509050000020004" pitchFamily="49" charset="0"/>
+              </a:rPr>
+              <a:t>{</a:t>
+            </a:r>
+          </a:p>
+          <a:p>
+            <a:r>
+              <a:rPr lang="en-US" dirty="0">
+                <a:solidFill>
+                  <a:schemeClr val="bg1"/>
+                </a:solidFill>
+                <a:latin typeface="Fira Code" panose="020B0509050000020004" pitchFamily="49" charset="0"/>
+                <a:ea typeface="Fira Code" panose="020B0509050000020004" pitchFamily="49" charset="0"/>
+              </a:rPr>
+              <a:t>  "id": 4,</a:t>
+            </a:r>
+          </a:p>
+          <a:p>
+            <a:r>
+              <a:rPr lang="en-US" dirty="0">
+                <a:solidFill>
+                  <a:schemeClr val="bg1"/>
+                </a:solidFill>
+                <a:latin typeface="Fira Code" panose="020B0509050000020004" pitchFamily="49" charset="0"/>
+                <a:ea typeface="Fira Code" panose="020B0509050000020004" pitchFamily="49" charset="0"/>
+              </a:rPr>
+              <a:t>  "age": 13140,</a:t>
+            </a:r>
+          </a:p>
+          <a:p>
+            <a:r>
+              <a:rPr lang="en-US" dirty="0">
+                <a:solidFill>
+                  <a:schemeClr val="bg1"/>
+                </a:solidFill>
+                <a:latin typeface="Fira Code" panose="020B0509050000020004" pitchFamily="49" charset="0"/>
+                <a:ea typeface="Fira Code" panose="020B0509050000020004" pitchFamily="49" charset="0"/>
+              </a:rPr>
+              <a:t>  "</a:t>
+            </a:r>
+            <a:r>
+              <a:rPr lang="en-US" dirty="0" err="1">
+                <a:solidFill>
+                  <a:schemeClr val="bg1"/>
+                </a:solidFill>
+                <a:latin typeface="Fira Code" panose="020B0509050000020004" pitchFamily="49" charset="0"/>
+                <a:ea typeface="Fira Code" panose="020B0509050000020004" pitchFamily="49" charset="0"/>
+              </a:rPr>
+              <a:t>blood_temp</a:t>
+            </a:r>
+            <a:r>
+              <a:rPr lang="en-US" dirty="0">
+                <a:solidFill>
+                  <a:schemeClr val="bg1"/>
+                </a:solidFill>
+                <a:latin typeface="Fira Code" panose="020B0509050000020004" pitchFamily="49" charset="0"/>
+                <a:ea typeface="Fira Code" panose="020B0509050000020004" pitchFamily="49" charset="0"/>
+              </a:rPr>
+              <a:t>": "cold",</a:t>
+            </a:r>
+          </a:p>
+          <a:p>
+            <a:r>
+              <a:rPr lang="en-US" dirty="0">
+                <a:solidFill>
+                  <a:schemeClr val="bg1"/>
+                </a:solidFill>
+                <a:latin typeface="Fira Code" panose="020B0509050000020004" pitchFamily="49" charset="0"/>
+                <a:ea typeface="Fira Code" panose="020B0509050000020004" pitchFamily="49" charset="0"/>
+              </a:rPr>
+              <a:t>  "habitat": "land",</a:t>
+            </a:r>
+          </a:p>
+          <a:p>
+            <a:r>
+              <a:rPr lang="en-US" dirty="0">
+                <a:solidFill>
+                  <a:schemeClr val="bg1"/>
+                </a:solidFill>
+                <a:latin typeface="Fira Code" panose="020B0509050000020004" pitchFamily="49" charset="0"/>
+                <a:ea typeface="Fira Code" panose="020B0509050000020004" pitchFamily="49" charset="0"/>
+              </a:rPr>
+              <a:t>  "</a:t>
+            </a:r>
+            <a:r>
+              <a:rPr lang="en-US" dirty="0" err="1">
+                <a:solidFill>
+                  <a:schemeClr val="bg1"/>
+                </a:solidFill>
+                <a:latin typeface="Fira Code" panose="020B0509050000020004" pitchFamily="49" charset="0"/>
+                <a:ea typeface="Fira Code" panose="020B0509050000020004" pitchFamily="49" charset="0"/>
+              </a:rPr>
+              <a:t>lays_eggs</a:t>
+            </a:r>
+            <a:r>
+              <a:rPr lang="en-US" dirty="0">
+                <a:solidFill>
+                  <a:schemeClr val="bg1"/>
+                </a:solidFill>
+                <a:latin typeface="Fira Code" panose="020B0509050000020004" pitchFamily="49" charset="0"/>
+                <a:ea typeface="Fira Code" panose="020B0509050000020004" pitchFamily="49" charset="0"/>
+              </a:rPr>
+              <a:t>": true</a:t>
+            </a:r>
+          </a:p>
+          <a:p>
+            <a:r>
+              <a:rPr lang="en-US" dirty="0">
+                <a:solidFill>
+                  <a:schemeClr val="bg1"/>
+                </a:solidFill>
+                <a:latin typeface="Fira Code" panose="020B0509050000020004" pitchFamily="49" charset="0"/>
+                <a:ea typeface="Fira Code" panose="020B0509050000020004" pitchFamily="49" charset="0"/>
+              </a:rPr>
+              <a:t>}</a:t>
+            </a:r>
+          </a:p>
+        </p:txBody>
+      </p:sp>
+      <p:sp>
+        <p:nvSpPr>
+          <p:cNvPr id="8" name="Content Placeholder 7">
+            <a:extLst>
+              <a:ext uri="{FF2B5EF4-FFF2-40B4-BE49-F238E27FC236}">
+                <a16:creationId xmlns:a16="http://schemas.microsoft.com/office/drawing/2014/main" id="{B4F3B773-BA9B-EC4B-9BAA-81AA40A13EB7}"/>
+              </a:ext>
+            </a:extLst>
+          </p:cNvPr>
+          <p:cNvSpPr>
+            <a:spLocks noGrp="1"/>
+          </p:cNvSpPr>
+          <p:nvPr>
+            <p:ph idx="1"/>
+          </p:nvPr>
+        </p:nvSpPr>
+        <p:spPr>
+          <a:xfrm>
+            <a:off x="838200" y="5940861"/>
+            <a:ext cx="10515600" cy="361967"/>
+          </a:xfrm>
+        </p:spPr>
+        <p:txBody>
+          <a:bodyPr>
+            <a:normAutofit/>
+          </a:bodyPr>
+          <a:lstStyle/>
+          <a:p>
+            <a:pPr marL="0" indent="0">
+              <a:buNone/>
+            </a:pPr>
+            <a:r>
+              <a:rPr lang="en-US" sz="1800" dirty="0">
+                <a:solidFill>
+                  <a:schemeClr val="tx2">
+                    <a:lumMod val="60000"/>
+                    <a:lumOff val="40000"/>
+                  </a:schemeClr>
+                </a:solidFill>
+              </a:rPr>
+              <a:t>Hint: bird (1), fish (1), mammal (1), reptile (1)</a:t>
+            </a:r>
+          </a:p>
+        </p:txBody>
+      </p:sp>
+    </p:spTree>
+    <p:extLst>
+      <p:ext uri="{BB962C8B-B14F-4D97-AF65-F5344CB8AC3E}">
+        <p14:creationId xmlns:p14="http://schemas.microsoft.com/office/powerpoint/2010/main" val="3047724782"/>
       </p:ext>
     </p:extLst>
   </p:cSld>
@@ -4283,27 +6341,1389 @@
           <p:cNvPr id="2" name="Title 1">
             <a:extLst>
               <a:ext uri="{FF2B5EF4-FFF2-40B4-BE49-F238E27FC236}">
-                <a16:creationId xmlns:a16="http://schemas.microsoft.com/office/drawing/2014/main" id="{008E9C63-7CEE-3249-8C42-E0DB7DEFC5DB}"/>
-              </a:ext>
-            </a:extLst>
-          </p:cNvPr>
-          <p:cNvSpPr>
-            <a:spLocks noGrp="1"/>
-          </p:cNvSpPr>
-          <p:nvPr>
-            <p:ph type="ctrTitle"/>
+                <a16:creationId xmlns:a16="http://schemas.microsoft.com/office/drawing/2014/main" id="{8184309A-6B6D-BE4F-9624-F819E679114E}"/>
+              </a:ext>
+            </a:extLst>
+          </p:cNvPr>
+          <p:cNvSpPr>
+            <a:spLocks noGrp="1"/>
+          </p:cNvSpPr>
+          <p:nvPr>
+            <p:ph type="title"/>
           </p:nvPr>
         </p:nvSpPr>
         <p:spPr>
           <a:xfrm>
-            <a:off x="1524000" y="871605"/>
-            <a:ext cx="9144000" cy="5114789"/>
+            <a:off x="838200" y="1328796"/>
+            <a:ext cx="10515600" cy="4200408"/>
           </a:xfrm>
         </p:spPr>
         <p:txBody>
-          <a:bodyPr anchor="ctr">
-            <a:normAutofit fontScale="90000"/>
+          <a:bodyPr anchor="ctr"/>
+          <a:lstStyle/>
+          <a:p>
+            <a:pPr algn="ctr"/>
+            <a:r>
+              <a:rPr lang="en-US" dirty="0"/>
+              <a:t>👋</a:t>
+            </a:r>
+            <a:br>
+              <a:rPr lang="en-US" dirty="0"/>
+            </a:br>
+            <a:r>
+              <a:rPr lang="en-US" dirty="0"/>
+              <a:t>Hey, I’m Sean</a:t>
+            </a:r>
+          </a:p>
+        </p:txBody>
+      </p:sp>
+    </p:spTree>
+    <p:extLst>
+      <p:ext uri="{BB962C8B-B14F-4D97-AF65-F5344CB8AC3E}">
+        <p14:creationId xmlns:p14="http://schemas.microsoft.com/office/powerpoint/2010/main" val="1696712926"/>
+      </p:ext>
+    </p:extLst>
+  </p:cSld>
+  <p:clrMapOvr>
+    <a:masterClrMapping/>
+  </p:clrMapOvr>
+</p:sld>
+</file>
+
+<file path=ppt/slides/slide20.xml><?xml version="1.0" encoding="utf-8"?>
+<p:sld xmlns:a="http://schemas.openxmlformats.org/drawingml/2006/main" xmlns:r="http://schemas.openxmlformats.org/officeDocument/2006/relationships" xmlns:p="http://schemas.openxmlformats.org/presentationml/2006/main">
+  <p:cSld>
+    <p:spTree>
+      <p:nvGrpSpPr>
+        <p:cNvPr id="1" name=""/>
+        <p:cNvGrpSpPr/>
+        <p:nvPr/>
+      </p:nvGrpSpPr>
+      <p:grpSpPr>
+        <a:xfrm>
+          <a:off x="0" y="0"/>
+          <a:ext cx="0" cy="0"/>
+          <a:chOff x="0" y="0"/>
+          <a:chExt cx="0" cy="0"/>
+        </a:xfrm>
+      </p:grpSpPr>
+      <p:sp>
+        <p:nvSpPr>
+          <p:cNvPr id="2" name="Title 1">
+            <a:extLst>
+              <a:ext uri="{FF2B5EF4-FFF2-40B4-BE49-F238E27FC236}">
+                <a16:creationId xmlns:a16="http://schemas.microsoft.com/office/drawing/2014/main" id="{1F902445-A1CF-4049-BEC6-6785EC63F2E5}"/>
+              </a:ext>
+            </a:extLst>
+          </p:cNvPr>
+          <p:cNvSpPr>
+            <a:spLocks noGrp="1"/>
+          </p:cNvSpPr>
+          <p:nvPr>
+            <p:ph type="title"/>
+          </p:nvPr>
+        </p:nvSpPr>
+        <p:spPr>
+          <a:xfrm>
+            <a:off x="457201" y="365125"/>
+            <a:ext cx="6917471" cy="1115331"/>
+          </a:xfrm>
+        </p:spPr>
+        <p:txBody>
+          <a:bodyPr>
+            <a:normAutofit/>
           </a:bodyPr>
+          <a:lstStyle/>
+          <a:p>
+            <a:r>
+              <a:rPr lang="en-US" sz="3600" dirty="0"/>
+              <a:t>Categorizing organisms</a:t>
+            </a:r>
+          </a:p>
+        </p:txBody>
+      </p:sp>
+      <p:sp>
+        <p:nvSpPr>
+          <p:cNvPr id="3" name="Content Placeholder 2">
+            <a:extLst>
+              <a:ext uri="{FF2B5EF4-FFF2-40B4-BE49-F238E27FC236}">
+                <a16:creationId xmlns:a16="http://schemas.microsoft.com/office/drawing/2014/main" id="{A00A9857-D27E-2647-A6AC-E728A05D77A0}"/>
+              </a:ext>
+            </a:extLst>
+          </p:cNvPr>
+          <p:cNvSpPr>
+            <a:spLocks noGrp="1"/>
+          </p:cNvSpPr>
+          <p:nvPr>
+            <p:ph idx="1"/>
+          </p:nvPr>
+        </p:nvSpPr>
+        <p:spPr>
+          <a:xfrm>
+            <a:off x="457201" y="1480456"/>
+            <a:ext cx="6917471" cy="4920343"/>
+          </a:xfrm>
+        </p:spPr>
+        <p:txBody>
+          <a:bodyPr>
+            <a:normAutofit/>
+          </a:bodyPr>
+          <a:lstStyle/>
+          <a:p>
+            <a:pPr marL="0" indent="0">
+              <a:lnSpc>
+                <a:spcPct val="100000"/>
+              </a:lnSpc>
+              <a:buNone/>
+            </a:pPr>
+            <a:r>
+              <a:rPr lang="en-US" sz="2400" dirty="0"/>
+              <a:t>function </a:t>
+            </a:r>
+            <a:r>
+              <a:rPr lang="en-US" sz="2400" dirty="0" err="1"/>
+              <a:t>categorize_organism</a:t>
+            </a:r>
+            <a:r>
+              <a:rPr lang="en-US" sz="2400" dirty="0"/>
+              <a:t>(</a:t>
+            </a:r>
+            <a:r>
+              <a:rPr lang="en-US" sz="2400" i="1" dirty="0"/>
+              <a:t>org</a:t>
+            </a:r>
+            <a:r>
+              <a:rPr lang="en-US" sz="2400" dirty="0"/>
+              <a:t>) {</a:t>
+            </a:r>
+          </a:p>
+          <a:p>
+            <a:pPr marL="0" indent="0">
+              <a:lnSpc>
+                <a:spcPct val="100000"/>
+              </a:lnSpc>
+              <a:buNone/>
+            </a:pPr>
+            <a:endParaRPr lang="en-US" sz="2400" dirty="0"/>
+          </a:p>
+          <a:p>
+            <a:pPr marL="0" indent="0">
+              <a:lnSpc>
+                <a:spcPct val="100000"/>
+              </a:lnSpc>
+              <a:buNone/>
+            </a:pPr>
+            <a:r>
+              <a:rPr lang="en-US" sz="2400" dirty="0"/>
+              <a:t>  if (</a:t>
+            </a:r>
+          </a:p>
+          <a:p>
+            <a:pPr marL="0" indent="0">
+              <a:lnSpc>
+                <a:spcPct val="100000"/>
+              </a:lnSpc>
+              <a:buNone/>
+            </a:pPr>
+            <a:r>
+              <a:rPr lang="en-US" sz="2400" dirty="0"/>
+              <a:t>	</a:t>
+            </a:r>
+            <a:r>
+              <a:rPr lang="en-US" sz="2400" i="1" dirty="0" err="1"/>
+              <a:t>org.blood_temp</a:t>
+            </a:r>
+            <a:r>
+              <a:rPr lang="en-US" sz="2400" dirty="0"/>
+              <a:t> </a:t>
+            </a:r>
+            <a:r>
+              <a:rPr lang="en-US" sz="2400" b="1" dirty="0"/>
+              <a:t>===</a:t>
+            </a:r>
+            <a:r>
+              <a:rPr lang="en-US" sz="2400" dirty="0"/>
+              <a:t> ‘warm’ </a:t>
+            </a:r>
+            <a:r>
+              <a:rPr lang="en-US" sz="2400" b="1" dirty="0"/>
+              <a:t>&amp;&amp;</a:t>
+            </a:r>
+          </a:p>
+          <a:p>
+            <a:pPr marL="0" indent="0">
+              <a:lnSpc>
+                <a:spcPct val="100000"/>
+              </a:lnSpc>
+              <a:buNone/>
+            </a:pPr>
+            <a:r>
+              <a:rPr lang="en-US" sz="2400" dirty="0"/>
+              <a:t>	</a:t>
+            </a:r>
+            <a:r>
+              <a:rPr lang="en-US" sz="2400" i="1" dirty="0" err="1"/>
+              <a:t>org.habitat</a:t>
+            </a:r>
+            <a:r>
+              <a:rPr lang="en-US" sz="2400" dirty="0"/>
+              <a:t> </a:t>
+            </a:r>
+            <a:r>
+              <a:rPr lang="en-US" sz="2400" b="1" dirty="0"/>
+              <a:t>===</a:t>
+            </a:r>
+            <a:r>
+              <a:rPr lang="en-US" sz="2400" dirty="0"/>
+              <a:t> ‘land’</a:t>
+            </a:r>
+          </a:p>
+          <a:p>
+            <a:pPr marL="0" indent="0">
+              <a:lnSpc>
+                <a:spcPct val="100000"/>
+              </a:lnSpc>
+              <a:buNone/>
+            </a:pPr>
+            <a:r>
+              <a:rPr lang="en-US" sz="2400" dirty="0"/>
+              <a:t>  )</a:t>
+            </a:r>
+          </a:p>
+          <a:p>
+            <a:pPr marL="0" indent="0">
+              <a:lnSpc>
+                <a:spcPct val="100000"/>
+              </a:lnSpc>
+              <a:buNone/>
+            </a:pPr>
+            <a:r>
+              <a:rPr lang="en-US" sz="2400" dirty="0"/>
+              <a:t>	return ‘mammal’</a:t>
+            </a:r>
+          </a:p>
+          <a:p>
+            <a:pPr marL="0" indent="0">
+              <a:lnSpc>
+                <a:spcPct val="100000"/>
+              </a:lnSpc>
+              <a:buNone/>
+            </a:pPr>
+            <a:endParaRPr lang="en-US" sz="2400" dirty="0"/>
+          </a:p>
+          <a:p>
+            <a:pPr marL="0" indent="0">
+              <a:lnSpc>
+                <a:spcPct val="100000"/>
+              </a:lnSpc>
+              <a:buNone/>
+            </a:pPr>
+            <a:r>
+              <a:rPr lang="en-US" sz="2400" dirty="0"/>
+              <a:t>}</a:t>
+            </a:r>
+          </a:p>
+        </p:txBody>
+      </p:sp>
+      <p:sp>
+        <p:nvSpPr>
+          <p:cNvPr id="6" name="Rectangle 5">
+            <a:extLst>
+              <a:ext uri="{FF2B5EF4-FFF2-40B4-BE49-F238E27FC236}">
+                <a16:creationId xmlns:a16="http://schemas.microsoft.com/office/drawing/2014/main" id="{9976206F-C770-914A-BEDB-3F3B9797C383}"/>
+              </a:ext>
+            </a:extLst>
+          </p:cNvPr>
+          <p:cNvSpPr/>
+          <p:nvPr/>
+        </p:nvSpPr>
+        <p:spPr>
+          <a:xfrm>
+            <a:off x="7685314" y="0"/>
+            <a:ext cx="4506686" cy="6858000"/>
+          </a:xfrm>
+          <a:prstGeom prst="rect">
+            <a:avLst/>
+          </a:prstGeom>
+          <a:solidFill>
+            <a:srgbClr val="1B222C"/>
+          </a:solidFill>
+          <a:ln>
+            <a:noFill/>
+          </a:ln>
+        </p:spPr>
+        <p:style>
+          <a:lnRef idx="2">
+            <a:schemeClr val="accent1">
+              <a:shade val="50000"/>
+            </a:schemeClr>
+          </a:lnRef>
+          <a:fillRef idx="1">
+            <a:schemeClr val="accent1"/>
+          </a:fillRef>
+          <a:effectRef idx="0">
+            <a:schemeClr val="accent1"/>
+          </a:effectRef>
+          <a:fontRef idx="minor">
+            <a:schemeClr val="lt1"/>
+          </a:fontRef>
+        </p:style>
+        <p:txBody>
+          <a:bodyPr rtlCol="0" anchor="ctr"/>
+          <a:lstStyle/>
+          <a:p>
+            <a:pPr algn="ctr"/>
+            <a:endParaRPr lang="en-US"/>
+          </a:p>
+        </p:txBody>
+      </p:sp>
+      <p:sp>
+        <p:nvSpPr>
+          <p:cNvPr id="5" name="Content Placeholder 4">
+            <a:extLst>
+              <a:ext uri="{FF2B5EF4-FFF2-40B4-BE49-F238E27FC236}">
+                <a16:creationId xmlns:a16="http://schemas.microsoft.com/office/drawing/2014/main" id="{4D4EC926-B295-8945-B485-40296918C8A8}"/>
+              </a:ext>
+            </a:extLst>
+          </p:cNvPr>
+          <p:cNvSpPr txBox="1">
+            <a:spLocks/>
+          </p:cNvSpPr>
+          <p:nvPr/>
+        </p:nvSpPr>
+        <p:spPr>
+          <a:xfrm>
+            <a:off x="7949093" y="1480457"/>
+            <a:ext cx="3979128" cy="4696505"/>
+          </a:xfrm>
+          <a:prstGeom prst="rect">
+            <a:avLst/>
+          </a:prstGeom>
+        </p:spPr>
+        <p:txBody>
+          <a:bodyPr>
+            <a:normAutofit/>
+          </a:bodyPr>
+          <a:lstStyle>
+            <a:lvl1pPr marL="228600" indent="-228600" algn="l" defTabSz="914400" rtl="0" eaLnBrk="1" latinLnBrk="0" hangingPunct="1">
+              <a:lnSpc>
+                <a:spcPct val="90000"/>
+              </a:lnSpc>
+              <a:spcBef>
+                <a:spcPts val="1000"/>
+              </a:spcBef>
+              <a:buFont typeface="Arial" panose="020B0604020202020204" pitchFamily="34" charset="0"/>
+              <a:buChar char="•"/>
+              <a:defRPr sz="2800" kern="1200">
+                <a:solidFill>
+                  <a:schemeClr val="bg1"/>
+                </a:solidFill>
+                <a:latin typeface="Fira Code" panose="020B0509050000020004" pitchFamily="49" charset="0"/>
+                <a:ea typeface="Fira Code" panose="020B0509050000020004" pitchFamily="49" charset="0"/>
+                <a:cs typeface="Menlo" panose="020B0609030804020204" pitchFamily="49" charset="0"/>
+              </a:defRPr>
+            </a:lvl1pPr>
+            <a:lvl2pPr marL="685800" indent="-228600" algn="l" defTabSz="914400" rtl="0" eaLnBrk="1" latinLnBrk="0" hangingPunct="1">
+              <a:lnSpc>
+                <a:spcPct val="90000"/>
+              </a:lnSpc>
+              <a:spcBef>
+                <a:spcPts val="500"/>
+              </a:spcBef>
+              <a:buFont typeface="Arial" panose="020B0604020202020204" pitchFamily="34" charset="0"/>
+              <a:buChar char="•"/>
+              <a:defRPr sz="2400" kern="1200">
+                <a:solidFill>
+                  <a:schemeClr val="bg1"/>
+                </a:solidFill>
+                <a:latin typeface="Fira Code" panose="020B0509050000020004" pitchFamily="49" charset="0"/>
+                <a:ea typeface="Fira Code" panose="020B0509050000020004" pitchFamily="49" charset="0"/>
+                <a:cs typeface="Menlo" panose="020B0609030804020204" pitchFamily="49" charset="0"/>
+              </a:defRPr>
+            </a:lvl2pPr>
+            <a:lvl3pPr marL="1143000" indent="-228600" algn="l" defTabSz="914400" rtl="0" eaLnBrk="1" latinLnBrk="0" hangingPunct="1">
+              <a:lnSpc>
+                <a:spcPct val="90000"/>
+              </a:lnSpc>
+              <a:spcBef>
+                <a:spcPts val="500"/>
+              </a:spcBef>
+              <a:buFont typeface="Arial" panose="020B0604020202020204" pitchFamily="34" charset="0"/>
+              <a:buChar char="•"/>
+              <a:defRPr sz="2000" kern="1200">
+                <a:solidFill>
+                  <a:schemeClr val="bg1"/>
+                </a:solidFill>
+                <a:latin typeface="Fira Code" panose="020B0509050000020004" pitchFamily="49" charset="0"/>
+                <a:ea typeface="Fira Code" panose="020B0509050000020004" pitchFamily="49" charset="0"/>
+                <a:cs typeface="Menlo" panose="020B0609030804020204" pitchFamily="49" charset="0"/>
+              </a:defRPr>
+            </a:lvl3pPr>
+            <a:lvl4pPr marL="1600200" indent="-228600" algn="l" defTabSz="914400" rtl="0" eaLnBrk="1" latinLnBrk="0" hangingPunct="1">
+              <a:lnSpc>
+                <a:spcPct val="90000"/>
+              </a:lnSpc>
+              <a:spcBef>
+                <a:spcPts val="500"/>
+              </a:spcBef>
+              <a:buFont typeface="Arial" panose="020B0604020202020204" pitchFamily="34" charset="0"/>
+              <a:buChar char="•"/>
+              <a:defRPr sz="1800" kern="1200">
+                <a:solidFill>
+                  <a:schemeClr val="bg1"/>
+                </a:solidFill>
+                <a:latin typeface="Fira Code" panose="020B0509050000020004" pitchFamily="49" charset="0"/>
+                <a:ea typeface="Fira Code" panose="020B0509050000020004" pitchFamily="49" charset="0"/>
+                <a:cs typeface="Menlo" panose="020B0609030804020204" pitchFamily="49" charset="0"/>
+              </a:defRPr>
+            </a:lvl4pPr>
+            <a:lvl5pPr marL="2057400" indent="-228600" algn="l" defTabSz="914400" rtl="0" eaLnBrk="1" latinLnBrk="0" hangingPunct="1">
+              <a:lnSpc>
+                <a:spcPct val="90000"/>
+              </a:lnSpc>
+              <a:spcBef>
+                <a:spcPts val="500"/>
+              </a:spcBef>
+              <a:buFont typeface="Arial" panose="020B0604020202020204" pitchFamily="34" charset="0"/>
+              <a:buChar char="•"/>
+              <a:defRPr sz="1800" kern="1200">
+                <a:solidFill>
+                  <a:schemeClr val="bg1"/>
+                </a:solidFill>
+                <a:latin typeface="Fira Code" panose="020B0509050000020004" pitchFamily="49" charset="0"/>
+                <a:ea typeface="Fira Code" panose="020B0509050000020004" pitchFamily="49" charset="0"/>
+                <a:cs typeface="Menlo" panose="020B0609030804020204" pitchFamily="49" charset="0"/>
+              </a:defRPr>
+            </a:lvl5pPr>
+            <a:lvl6pPr marL="2514600" indent="-228600" algn="l" defTabSz="914400" rtl="0" eaLnBrk="1" latinLnBrk="0" hangingPunct="1">
+              <a:lnSpc>
+                <a:spcPct val="90000"/>
+              </a:lnSpc>
+              <a:spcBef>
+                <a:spcPts val="500"/>
+              </a:spcBef>
+              <a:buFont typeface="Arial" panose="020B0604020202020204" pitchFamily="34" charset="0"/>
+              <a:buChar char="•"/>
+              <a:defRPr sz="1800" kern="1200">
+                <a:solidFill>
+                  <a:schemeClr val="tx1"/>
+                </a:solidFill>
+                <a:latin typeface="+mn-lt"/>
+                <a:ea typeface="+mn-ea"/>
+                <a:cs typeface="+mn-cs"/>
+              </a:defRPr>
+            </a:lvl6pPr>
+            <a:lvl7pPr marL="2971800" indent="-228600" algn="l" defTabSz="914400" rtl="0" eaLnBrk="1" latinLnBrk="0" hangingPunct="1">
+              <a:lnSpc>
+                <a:spcPct val="90000"/>
+              </a:lnSpc>
+              <a:spcBef>
+                <a:spcPts val="500"/>
+              </a:spcBef>
+              <a:buFont typeface="Arial" panose="020B0604020202020204" pitchFamily="34" charset="0"/>
+              <a:buChar char="•"/>
+              <a:defRPr sz="1800" kern="1200">
+                <a:solidFill>
+                  <a:schemeClr val="tx1"/>
+                </a:solidFill>
+                <a:latin typeface="+mn-lt"/>
+                <a:ea typeface="+mn-ea"/>
+                <a:cs typeface="+mn-cs"/>
+              </a:defRPr>
+            </a:lvl7pPr>
+            <a:lvl8pPr marL="3429000" indent="-228600" algn="l" defTabSz="914400" rtl="0" eaLnBrk="1" latinLnBrk="0" hangingPunct="1">
+              <a:lnSpc>
+                <a:spcPct val="90000"/>
+              </a:lnSpc>
+              <a:spcBef>
+                <a:spcPts val="500"/>
+              </a:spcBef>
+              <a:buFont typeface="Arial" panose="020B0604020202020204" pitchFamily="34" charset="0"/>
+              <a:buChar char="•"/>
+              <a:defRPr sz="1800" kern="1200">
+                <a:solidFill>
+                  <a:schemeClr val="tx1"/>
+                </a:solidFill>
+                <a:latin typeface="+mn-lt"/>
+                <a:ea typeface="+mn-ea"/>
+                <a:cs typeface="+mn-cs"/>
+              </a:defRPr>
+            </a:lvl8pPr>
+            <a:lvl9pPr marL="3886200" indent="-228600" algn="l" defTabSz="914400" rtl="0" eaLnBrk="1" latinLnBrk="0" hangingPunct="1">
+              <a:lnSpc>
+                <a:spcPct val="90000"/>
+              </a:lnSpc>
+              <a:spcBef>
+                <a:spcPts val="500"/>
+              </a:spcBef>
+              <a:buFont typeface="Arial" panose="020B0604020202020204" pitchFamily="34" charset="0"/>
+              <a:buChar char="•"/>
+              <a:defRPr sz="1800" kern="1200">
+                <a:solidFill>
+                  <a:schemeClr val="tx1"/>
+                </a:solidFill>
+                <a:latin typeface="+mn-lt"/>
+                <a:ea typeface="+mn-ea"/>
+                <a:cs typeface="+mn-cs"/>
+              </a:defRPr>
+            </a:lvl9pPr>
+          </a:lstStyle>
+          <a:p>
+            <a:pPr marL="0" indent="0">
+              <a:buNone/>
+            </a:pPr>
+            <a:r>
+              <a:rPr lang="en-US" sz="2000" dirty="0"/>
+              <a:t>{</a:t>
+            </a:r>
+          </a:p>
+          <a:p>
+            <a:pPr marL="0" indent="0">
+              <a:buNone/>
+            </a:pPr>
+            <a:r>
+              <a:rPr lang="en-US" sz="2000" dirty="0"/>
+              <a:t>  "id": 1,</a:t>
+            </a:r>
+          </a:p>
+          <a:p>
+            <a:pPr marL="0" indent="0">
+              <a:buNone/>
+            </a:pPr>
+            <a:r>
+              <a:rPr lang="en-US" sz="2000" dirty="0"/>
+              <a:t>  "age": 105120,</a:t>
+            </a:r>
+          </a:p>
+          <a:p>
+            <a:pPr marL="0" indent="0">
+              <a:buNone/>
+            </a:pPr>
+            <a:r>
+              <a:rPr lang="en-US" sz="2000" dirty="0"/>
+              <a:t>  "</a:t>
+            </a:r>
+            <a:r>
+              <a:rPr lang="en-US" sz="2000" dirty="0" err="1"/>
+              <a:t>blood_temp</a:t>
+            </a:r>
+            <a:r>
+              <a:rPr lang="en-US" sz="2000" dirty="0"/>
+              <a:t>": "warm",</a:t>
+            </a:r>
+          </a:p>
+          <a:p>
+            <a:pPr marL="0" indent="0">
+              <a:buNone/>
+            </a:pPr>
+            <a:r>
+              <a:rPr lang="en-US" sz="2000" dirty="0"/>
+              <a:t>  "habitat": "land",</a:t>
+            </a:r>
+          </a:p>
+          <a:p>
+            <a:pPr marL="0" indent="0">
+              <a:buNone/>
+            </a:pPr>
+            <a:r>
+              <a:rPr lang="en-US" sz="2000" dirty="0"/>
+              <a:t>  "</a:t>
+            </a:r>
+            <a:r>
+              <a:rPr lang="en-US" sz="2000" dirty="0" err="1"/>
+              <a:t>lays_eggs</a:t>
+            </a:r>
+            <a:r>
+              <a:rPr lang="en-US" sz="2000" dirty="0"/>
+              <a:t>": false</a:t>
+            </a:r>
+          </a:p>
+          <a:p>
+            <a:pPr marL="0" indent="0">
+              <a:buNone/>
+            </a:pPr>
+            <a:r>
+              <a:rPr lang="en-US" sz="2000" dirty="0"/>
+              <a:t>}</a:t>
+            </a:r>
+          </a:p>
+          <a:p>
+            <a:pPr marL="0" indent="0">
+              <a:buNone/>
+            </a:pPr>
+            <a:endParaRPr lang="en-US" sz="2000" dirty="0"/>
+          </a:p>
+        </p:txBody>
+      </p:sp>
+    </p:spTree>
+    <p:extLst>
+      <p:ext uri="{BB962C8B-B14F-4D97-AF65-F5344CB8AC3E}">
+        <p14:creationId xmlns:p14="http://schemas.microsoft.com/office/powerpoint/2010/main" val="4101908662"/>
+      </p:ext>
+    </p:extLst>
+  </p:cSld>
+  <p:clrMapOvr>
+    <a:masterClrMapping/>
+  </p:clrMapOvr>
+</p:sld>
+</file>
+
+<file path=ppt/slides/slide21.xml><?xml version="1.0" encoding="utf-8"?>
+<p:sld xmlns:a="http://schemas.openxmlformats.org/drawingml/2006/main" xmlns:r="http://schemas.openxmlformats.org/officeDocument/2006/relationships" xmlns:p="http://schemas.openxmlformats.org/presentationml/2006/main">
+  <p:cSld>
+    <p:spTree>
+      <p:nvGrpSpPr>
+        <p:cNvPr id="1" name=""/>
+        <p:cNvGrpSpPr/>
+        <p:nvPr/>
+      </p:nvGrpSpPr>
+      <p:grpSpPr>
+        <a:xfrm>
+          <a:off x="0" y="0"/>
+          <a:ext cx="0" cy="0"/>
+          <a:chOff x="0" y="0"/>
+          <a:chExt cx="0" cy="0"/>
+        </a:xfrm>
+      </p:grpSpPr>
+      <p:sp>
+        <p:nvSpPr>
+          <p:cNvPr id="2" name="Title 1">
+            <a:extLst>
+              <a:ext uri="{FF2B5EF4-FFF2-40B4-BE49-F238E27FC236}">
+                <a16:creationId xmlns:a16="http://schemas.microsoft.com/office/drawing/2014/main" id="{1F902445-A1CF-4049-BEC6-6785EC63F2E5}"/>
+              </a:ext>
+            </a:extLst>
+          </p:cNvPr>
+          <p:cNvSpPr>
+            <a:spLocks noGrp="1"/>
+          </p:cNvSpPr>
+          <p:nvPr>
+            <p:ph type="title"/>
+          </p:nvPr>
+        </p:nvSpPr>
+        <p:spPr>
+          <a:xfrm>
+            <a:off x="457201" y="365125"/>
+            <a:ext cx="6917471" cy="1115331"/>
+          </a:xfrm>
+        </p:spPr>
+        <p:txBody>
+          <a:bodyPr>
+            <a:normAutofit/>
+          </a:bodyPr>
+          <a:lstStyle/>
+          <a:p>
+            <a:r>
+              <a:rPr lang="en-US" sz="3600" dirty="0"/>
+              <a:t>Area of a pyramid</a:t>
+            </a:r>
+          </a:p>
+        </p:txBody>
+      </p:sp>
+      <mc:AlternateContent xmlns:mc="http://schemas.openxmlformats.org/markup-compatibility/2006">
+        <mc:Choice xmlns:a14="http://schemas.microsoft.com/office/drawing/2010/main" Requires="a14">
+          <p:sp>
+            <p:nvSpPr>
+              <p:cNvPr id="3" name="Content Placeholder 2">
+                <a:extLst>
+                  <a:ext uri="{FF2B5EF4-FFF2-40B4-BE49-F238E27FC236}">
+                    <a16:creationId xmlns:a16="http://schemas.microsoft.com/office/drawing/2014/main" id="{A00A9857-D27E-2647-A6AC-E728A05D77A0}"/>
+                  </a:ext>
+                </a:extLst>
+              </p:cNvPr>
+              <p:cNvSpPr>
+                <a:spLocks noGrp="1"/>
+              </p:cNvSpPr>
+              <p:nvPr>
+                <p:ph idx="1"/>
+              </p:nvPr>
+            </p:nvSpPr>
+            <p:spPr>
+              <a:xfrm>
+                <a:off x="457201" y="1480456"/>
+                <a:ext cx="6917471" cy="4920343"/>
+              </a:xfrm>
+            </p:spPr>
+            <p:txBody>
+              <a:bodyPr>
+                <a:normAutofit/>
+              </a:bodyPr>
+              <a:lstStyle/>
+              <a:p>
+                <a:pPr marL="0" indent="0">
+                  <a:lnSpc>
+                    <a:spcPct val="100000"/>
+                  </a:lnSpc>
+                  <a:buNone/>
+                </a:pPr>
+                <a:r>
+                  <a:rPr lang="en-US" sz="2400" dirty="0">
+                    <a:solidFill>
+                      <a:schemeClr val="tx2">
+                        <a:lumMod val="60000"/>
+                        <a:lumOff val="40000"/>
+                      </a:schemeClr>
+                    </a:solidFill>
+                  </a:rPr>
+                  <a:t>// Area = </a:t>
+                </a:r>
+                <a14:m>
+                  <m:oMath xmlns:m="http://schemas.openxmlformats.org/officeDocument/2006/math">
+                    <m:f>
+                      <m:fPr>
+                        <m:ctrlPr>
+                          <a:rPr lang="en-US" sz="2400" b="0" i="1" smtClean="0">
+                            <a:solidFill>
+                              <a:schemeClr val="tx2">
+                                <a:lumMod val="60000"/>
+                                <a:lumOff val="40000"/>
+                              </a:schemeClr>
+                            </a:solidFill>
+                            <a:latin typeface="Cambria Math" panose="02040503050406030204" pitchFamily="18" charset="0"/>
+                          </a:rPr>
+                        </m:ctrlPr>
+                      </m:fPr>
+                      <m:num>
+                        <m:r>
+                          <a:rPr lang="en-US" sz="2400" b="0" i="1" smtClean="0">
+                            <a:solidFill>
+                              <a:schemeClr val="tx2">
+                                <a:lumMod val="60000"/>
+                                <a:lumOff val="40000"/>
+                              </a:schemeClr>
+                            </a:solidFill>
+                            <a:latin typeface="Cambria Math" panose="02040503050406030204" pitchFamily="18" charset="0"/>
+                          </a:rPr>
+                          <m:t>1</m:t>
+                        </m:r>
+                      </m:num>
+                      <m:den>
+                        <m:r>
+                          <a:rPr lang="en-US" sz="2400" b="0" i="1" smtClean="0">
+                            <a:solidFill>
+                              <a:schemeClr val="tx2">
+                                <a:lumMod val="60000"/>
+                                <a:lumOff val="40000"/>
+                              </a:schemeClr>
+                            </a:solidFill>
+                            <a:latin typeface="Cambria Math" panose="02040503050406030204" pitchFamily="18" charset="0"/>
+                          </a:rPr>
+                          <m:t>3</m:t>
+                        </m:r>
+                      </m:den>
+                    </m:f>
+                    <m:r>
+                      <a:rPr lang="en-US" sz="2400" b="0" i="1" smtClean="0">
+                        <a:solidFill>
+                          <a:schemeClr val="tx2">
+                            <a:lumMod val="60000"/>
+                            <a:lumOff val="40000"/>
+                          </a:schemeClr>
+                        </a:solidFill>
+                        <a:latin typeface="Cambria Math" panose="02040503050406030204" pitchFamily="18" charset="0"/>
+                      </a:rPr>
+                      <m:t>𝐵h</m:t>
+                    </m:r>
+                  </m:oMath>
+                </a14:m>
+                <a:endParaRPr lang="en-US" sz="2400" dirty="0">
+                  <a:solidFill>
+                    <a:schemeClr val="tx2">
+                      <a:lumMod val="60000"/>
+                      <a:lumOff val="40000"/>
+                    </a:schemeClr>
+                  </a:solidFill>
+                </a:endParaRPr>
+              </a:p>
+              <a:p>
+                <a:pPr marL="0" indent="0">
+                  <a:lnSpc>
+                    <a:spcPct val="100000"/>
+                  </a:lnSpc>
+                  <a:buNone/>
+                </a:pPr>
+                <a:endParaRPr lang="en-US" sz="2400" dirty="0"/>
+              </a:p>
+              <a:p>
+                <a:pPr marL="0" indent="0">
+                  <a:lnSpc>
+                    <a:spcPct val="100000"/>
+                  </a:lnSpc>
+                  <a:buNone/>
+                </a:pPr>
+                <a:r>
+                  <a:rPr lang="en-US" sz="2400" dirty="0"/>
+                  <a:t>function </a:t>
+                </a:r>
+                <a:r>
+                  <a:rPr lang="en-US" sz="2400" dirty="0" err="1"/>
+                  <a:t>area_pyramid</a:t>
+                </a:r>
+                <a:r>
+                  <a:rPr lang="en-US" sz="2400" dirty="0"/>
+                  <a:t>(</a:t>
+                </a:r>
+                <a:r>
+                  <a:rPr lang="en-US" sz="2400" i="1" dirty="0"/>
+                  <a:t>B, h</a:t>
+                </a:r>
+                <a:r>
+                  <a:rPr lang="en-US" sz="2400" dirty="0"/>
+                  <a:t>) {</a:t>
+                </a:r>
+              </a:p>
+              <a:p>
+                <a:pPr marL="0" indent="0">
+                  <a:lnSpc>
+                    <a:spcPct val="100000"/>
+                  </a:lnSpc>
+                  <a:buNone/>
+                </a:pPr>
+                <a:r>
+                  <a:rPr lang="en-US" sz="2400" dirty="0"/>
+                  <a:t>  return B * h/3</a:t>
+                </a:r>
+              </a:p>
+              <a:p>
+                <a:pPr marL="0" indent="0">
+                  <a:lnSpc>
+                    <a:spcPct val="100000"/>
+                  </a:lnSpc>
+                  <a:buNone/>
+                </a:pPr>
+                <a:r>
+                  <a:rPr lang="en-US" sz="2400" dirty="0"/>
+                  <a:t>}</a:t>
+                </a:r>
+              </a:p>
+            </p:txBody>
+          </p:sp>
+        </mc:Choice>
+        <mc:Fallback>
+          <p:sp>
+            <p:nvSpPr>
+              <p:cNvPr id="3" name="Content Placeholder 2">
+                <a:extLst>
+                  <a:ext uri="{FF2B5EF4-FFF2-40B4-BE49-F238E27FC236}">
+                    <a16:creationId xmlns:a16="http://schemas.microsoft.com/office/drawing/2014/main" id="{A00A9857-D27E-2647-A6AC-E728A05D77A0}"/>
+                  </a:ext>
+                </a:extLst>
+              </p:cNvPr>
+              <p:cNvSpPr>
+                <a:spLocks noGrp="1" noRot="1" noChangeAspect="1" noMove="1" noResize="1" noEditPoints="1" noAdjustHandles="1" noChangeArrowheads="1" noChangeShapeType="1" noTextEdit="1"/>
+              </p:cNvSpPr>
+              <p:nvPr>
+                <p:ph idx="1"/>
+              </p:nvPr>
+            </p:nvSpPr>
+            <p:spPr>
+              <a:xfrm>
+                <a:off x="457201" y="1480456"/>
+                <a:ext cx="6917471" cy="4920343"/>
+              </a:xfrm>
+              <a:blipFill>
+                <a:blip r:embed="rId2"/>
+                <a:stretch>
+                  <a:fillRect l="-1468"/>
+                </a:stretch>
+              </a:blipFill>
+            </p:spPr>
+            <p:txBody>
+              <a:bodyPr/>
+              <a:lstStyle/>
+              <a:p>
+                <a:r>
+                  <a:rPr lang="en-US">
+                    <a:noFill/>
+                  </a:rPr>
+                  <a:t> </a:t>
+                </a:r>
+              </a:p>
+            </p:txBody>
+          </p:sp>
+        </mc:Fallback>
+      </mc:AlternateContent>
+      <p:sp>
+        <p:nvSpPr>
+          <p:cNvPr id="6" name="Rectangle 5">
+            <a:extLst>
+              <a:ext uri="{FF2B5EF4-FFF2-40B4-BE49-F238E27FC236}">
+                <a16:creationId xmlns:a16="http://schemas.microsoft.com/office/drawing/2014/main" id="{9976206F-C770-914A-BEDB-3F3B9797C383}"/>
+              </a:ext>
+            </a:extLst>
+          </p:cNvPr>
+          <p:cNvSpPr/>
+          <p:nvPr/>
+        </p:nvSpPr>
+        <p:spPr>
+          <a:xfrm>
+            <a:off x="7685314" y="0"/>
+            <a:ext cx="4506686" cy="6858000"/>
+          </a:xfrm>
+          <a:prstGeom prst="rect">
+            <a:avLst/>
+          </a:prstGeom>
+          <a:solidFill>
+            <a:srgbClr val="1B222C"/>
+          </a:solidFill>
+          <a:ln>
+            <a:noFill/>
+          </a:ln>
+        </p:spPr>
+        <p:style>
+          <a:lnRef idx="2">
+            <a:schemeClr val="accent1">
+              <a:shade val="50000"/>
+            </a:schemeClr>
+          </a:lnRef>
+          <a:fillRef idx="1">
+            <a:schemeClr val="accent1"/>
+          </a:fillRef>
+          <a:effectRef idx="0">
+            <a:schemeClr val="accent1"/>
+          </a:effectRef>
+          <a:fontRef idx="minor">
+            <a:schemeClr val="lt1"/>
+          </a:fontRef>
+        </p:style>
+        <p:txBody>
+          <a:bodyPr rtlCol="0" anchor="ctr"/>
+          <a:lstStyle/>
+          <a:p>
+            <a:pPr algn="ctr"/>
+            <a:endParaRPr lang="en-US"/>
+          </a:p>
+        </p:txBody>
+      </p:sp>
+      <p:sp>
+        <p:nvSpPr>
+          <p:cNvPr id="5" name="Content Placeholder 4">
+            <a:extLst>
+              <a:ext uri="{FF2B5EF4-FFF2-40B4-BE49-F238E27FC236}">
+                <a16:creationId xmlns:a16="http://schemas.microsoft.com/office/drawing/2014/main" id="{4D4EC926-B295-8945-B485-40296918C8A8}"/>
+              </a:ext>
+            </a:extLst>
+          </p:cNvPr>
+          <p:cNvSpPr txBox="1">
+            <a:spLocks/>
+          </p:cNvSpPr>
+          <p:nvPr/>
+        </p:nvSpPr>
+        <p:spPr>
+          <a:xfrm>
+            <a:off x="7949093" y="1480457"/>
+            <a:ext cx="3979128" cy="4696505"/>
+          </a:xfrm>
+          <a:prstGeom prst="rect">
+            <a:avLst/>
+          </a:prstGeom>
+        </p:spPr>
+        <p:txBody>
+          <a:bodyPr>
+            <a:normAutofit/>
+          </a:bodyPr>
+          <a:lstStyle>
+            <a:lvl1pPr marL="228600" indent="-228600" algn="l" defTabSz="914400" rtl="0" eaLnBrk="1" latinLnBrk="0" hangingPunct="1">
+              <a:lnSpc>
+                <a:spcPct val="90000"/>
+              </a:lnSpc>
+              <a:spcBef>
+                <a:spcPts val="1000"/>
+              </a:spcBef>
+              <a:buFont typeface="Arial" panose="020B0604020202020204" pitchFamily="34" charset="0"/>
+              <a:buChar char="•"/>
+              <a:defRPr sz="2800" kern="1200">
+                <a:solidFill>
+                  <a:schemeClr val="bg1"/>
+                </a:solidFill>
+                <a:latin typeface="Fira Code" panose="020B0509050000020004" pitchFamily="49" charset="0"/>
+                <a:ea typeface="Fira Code" panose="020B0509050000020004" pitchFamily="49" charset="0"/>
+                <a:cs typeface="Menlo" panose="020B0609030804020204" pitchFamily="49" charset="0"/>
+              </a:defRPr>
+            </a:lvl1pPr>
+            <a:lvl2pPr marL="685800" indent="-228600" algn="l" defTabSz="914400" rtl="0" eaLnBrk="1" latinLnBrk="0" hangingPunct="1">
+              <a:lnSpc>
+                <a:spcPct val="90000"/>
+              </a:lnSpc>
+              <a:spcBef>
+                <a:spcPts val="500"/>
+              </a:spcBef>
+              <a:buFont typeface="Arial" panose="020B0604020202020204" pitchFamily="34" charset="0"/>
+              <a:buChar char="•"/>
+              <a:defRPr sz="2400" kern="1200">
+                <a:solidFill>
+                  <a:schemeClr val="bg1"/>
+                </a:solidFill>
+                <a:latin typeface="Fira Code" panose="020B0509050000020004" pitchFamily="49" charset="0"/>
+                <a:ea typeface="Fira Code" panose="020B0509050000020004" pitchFamily="49" charset="0"/>
+                <a:cs typeface="Menlo" panose="020B0609030804020204" pitchFamily="49" charset="0"/>
+              </a:defRPr>
+            </a:lvl2pPr>
+            <a:lvl3pPr marL="1143000" indent="-228600" algn="l" defTabSz="914400" rtl="0" eaLnBrk="1" latinLnBrk="0" hangingPunct="1">
+              <a:lnSpc>
+                <a:spcPct val="90000"/>
+              </a:lnSpc>
+              <a:spcBef>
+                <a:spcPts val="500"/>
+              </a:spcBef>
+              <a:buFont typeface="Arial" panose="020B0604020202020204" pitchFamily="34" charset="0"/>
+              <a:buChar char="•"/>
+              <a:defRPr sz="2000" kern="1200">
+                <a:solidFill>
+                  <a:schemeClr val="bg1"/>
+                </a:solidFill>
+                <a:latin typeface="Fira Code" panose="020B0509050000020004" pitchFamily="49" charset="0"/>
+                <a:ea typeface="Fira Code" panose="020B0509050000020004" pitchFamily="49" charset="0"/>
+                <a:cs typeface="Menlo" panose="020B0609030804020204" pitchFamily="49" charset="0"/>
+              </a:defRPr>
+            </a:lvl3pPr>
+            <a:lvl4pPr marL="1600200" indent="-228600" algn="l" defTabSz="914400" rtl="0" eaLnBrk="1" latinLnBrk="0" hangingPunct="1">
+              <a:lnSpc>
+                <a:spcPct val="90000"/>
+              </a:lnSpc>
+              <a:spcBef>
+                <a:spcPts val="500"/>
+              </a:spcBef>
+              <a:buFont typeface="Arial" panose="020B0604020202020204" pitchFamily="34" charset="0"/>
+              <a:buChar char="•"/>
+              <a:defRPr sz="1800" kern="1200">
+                <a:solidFill>
+                  <a:schemeClr val="bg1"/>
+                </a:solidFill>
+                <a:latin typeface="Fira Code" panose="020B0509050000020004" pitchFamily="49" charset="0"/>
+                <a:ea typeface="Fira Code" panose="020B0509050000020004" pitchFamily="49" charset="0"/>
+                <a:cs typeface="Menlo" panose="020B0609030804020204" pitchFamily="49" charset="0"/>
+              </a:defRPr>
+            </a:lvl4pPr>
+            <a:lvl5pPr marL="2057400" indent="-228600" algn="l" defTabSz="914400" rtl="0" eaLnBrk="1" latinLnBrk="0" hangingPunct="1">
+              <a:lnSpc>
+                <a:spcPct val="90000"/>
+              </a:lnSpc>
+              <a:spcBef>
+                <a:spcPts val="500"/>
+              </a:spcBef>
+              <a:buFont typeface="Arial" panose="020B0604020202020204" pitchFamily="34" charset="0"/>
+              <a:buChar char="•"/>
+              <a:defRPr sz="1800" kern="1200">
+                <a:solidFill>
+                  <a:schemeClr val="bg1"/>
+                </a:solidFill>
+                <a:latin typeface="Fira Code" panose="020B0509050000020004" pitchFamily="49" charset="0"/>
+                <a:ea typeface="Fira Code" panose="020B0509050000020004" pitchFamily="49" charset="0"/>
+                <a:cs typeface="Menlo" panose="020B0609030804020204" pitchFamily="49" charset="0"/>
+              </a:defRPr>
+            </a:lvl5pPr>
+            <a:lvl6pPr marL="2514600" indent="-228600" algn="l" defTabSz="914400" rtl="0" eaLnBrk="1" latinLnBrk="0" hangingPunct="1">
+              <a:lnSpc>
+                <a:spcPct val="90000"/>
+              </a:lnSpc>
+              <a:spcBef>
+                <a:spcPts val="500"/>
+              </a:spcBef>
+              <a:buFont typeface="Arial" panose="020B0604020202020204" pitchFamily="34" charset="0"/>
+              <a:buChar char="•"/>
+              <a:defRPr sz="1800" kern="1200">
+                <a:solidFill>
+                  <a:schemeClr val="tx1"/>
+                </a:solidFill>
+                <a:latin typeface="+mn-lt"/>
+                <a:ea typeface="+mn-ea"/>
+                <a:cs typeface="+mn-cs"/>
+              </a:defRPr>
+            </a:lvl6pPr>
+            <a:lvl7pPr marL="2971800" indent="-228600" algn="l" defTabSz="914400" rtl="0" eaLnBrk="1" latinLnBrk="0" hangingPunct="1">
+              <a:lnSpc>
+                <a:spcPct val="90000"/>
+              </a:lnSpc>
+              <a:spcBef>
+                <a:spcPts val="500"/>
+              </a:spcBef>
+              <a:buFont typeface="Arial" panose="020B0604020202020204" pitchFamily="34" charset="0"/>
+              <a:buChar char="•"/>
+              <a:defRPr sz="1800" kern="1200">
+                <a:solidFill>
+                  <a:schemeClr val="tx1"/>
+                </a:solidFill>
+                <a:latin typeface="+mn-lt"/>
+                <a:ea typeface="+mn-ea"/>
+                <a:cs typeface="+mn-cs"/>
+              </a:defRPr>
+            </a:lvl7pPr>
+            <a:lvl8pPr marL="3429000" indent="-228600" algn="l" defTabSz="914400" rtl="0" eaLnBrk="1" latinLnBrk="0" hangingPunct="1">
+              <a:lnSpc>
+                <a:spcPct val="90000"/>
+              </a:lnSpc>
+              <a:spcBef>
+                <a:spcPts val="500"/>
+              </a:spcBef>
+              <a:buFont typeface="Arial" panose="020B0604020202020204" pitchFamily="34" charset="0"/>
+              <a:buChar char="•"/>
+              <a:defRPr sz="1800" kern="1200">
+                <a:solidFill>
+                  <a:schemeClr val="tx1"/>
+                </a:solidFill>
+                <a:latin typeface="+mn-lt"/>
+                <a:ea typeface="+mn-ea"/>
+                <a:cs typeface="+mn-cs"/>
+              </a:defRPr>
+            </a:lvl8pPr>
+            <a:lvl9pPr marL="3886200" indent="-228600" algn="l" defTabSz="914400" rtl="0" eaLnBrk="1" latinLnBrk="0" hangingPunct="1">
+              <a:lnSpc>
+                <a:spcPct val="90000"/>
+              </a:lnSpc>
+              <a:spcBef>
+                <a:spcPts val="500"/>
+              </a:spcBef>
+              <a:buFont typeface="Arial" panose="020B0604020202020204" pitchFamily="34" charset="0"/>
+              <a:buChar char="•"/>
+              <a:defRPr sz="1800" kern="1200">
+                <a:solidFill>
+                  <a:schemeClr val="tx1"/>
+                </a:solidFill>
+                <a:latin typeface="+mn-lt"/>
+                <a:ea typeface="+mn-ea"/>
+                <a:cs typeface="+mn-cs"/>
+              </a:defRPr>
+            </a:lvl9pPr>
+          </a:lstStyle>
+          <a:p>
+            <a:pPr marL="0" indent="0">
+              <a:buNone/>
+            </a:pPr>
+            <a:r>
+              <a:rPr lang="en-US" sz="2000" dirty="0" err="1"/>
+              <a:t>area_pyramid</a:t>
+            </a:r>
+            <a:r>
+              <a:rPr lang="en-US" sz="2000" dirty="0"/>
+              <a:t>(16, 6)</a:t>
+            </a:r>
+          </a:p>
+          <a:p>
+            <a:pPr marL="0" indent="0">
+              <a:buNone/>
+            </a:pPr>
+            <a:r>
+              <a:rPr lang="en-US" sz="2000" dirty="0">
+                <a:solidFill>
+                  <a:schemeClr val="tx2">
+                    <a:lumMod val="60000"/>
+                    <a:lumOff val="40000"/>
+                  </a:schemeClr>
+                </a:solidFill>
+              </a:rPr>
+              <a:t>// 32</a:t>
+            </a:r>
+          </a:p>
+          <a:p>
+            <a:pPr marL="0" indent="0">
+              <a:buNone/>
+            </a:pPr>
+            <a:endParaRPr lang="en-US" sz="2000" dirty="0">
+              <a:solidFill>
+                <a:schemeClr val="tx2">
+                  <a:lumMod val="60000"/>
+                  <a:lumOff val="40000"/>
+                </a:schemeClr>
+              </a:solidFill>
+            </a:endParaRPr>
+          </a:p>
+          <a:p>
+            <a:pPr marL="0" indent="0">
+              <a:buNone/>
+            </a:pPr>
+            <a:r>
+              <a:rPr lang="en-US" sz="2000" dirty="0" err="1"/>
+              <a:t>area_pyramid</a:t>
+            </a:r>
+            <a:r>
+              <a:rPr lang="en-US" sz="2000" dirty="0"/>
+              <a:t>(9, 9)</a:t>
+            </a:r>
+          </a:p>
+          <a:p>
+            <a:pPr marL="0" indent="0">
+              <a:buNone/>
+            </a:pPr>
+            <a:r>
+              <a:rPr lang="en-US" sz="2000" dirty="0">
+                <a:solidFill>
+                  <a:schemeClr val="tx2">
+                    <a:lumMod val="60000"/>
+                    <a:lumOff val="40000"/>
+                  </a:schemeClr>
+                </a:solidFill>
+              </a:rPr>
+              <a:t>// 27</a:t>
+            </a:r>
+          </a:p>
+          <a:p>
+            <a:pPr marL="0" indent="0">
+              <a:buNone/>
+            </a:pPr>
+            <a:endParaRPr lang="en-US" sz="2000" dirty="0">
+              <a:solidFill>
+                <a:schemeClr val="tx2">
+                  <a:lumMod val="60000"/>
+                  <a:lumOff val="40000"/>
+                </a:schemeClr>
+              </a:solidFill>
+            </a:endParaRPr>
+          </a:p>
+          <a:p>
+            <a:pPr marL="0" indent="0">
+              <a:buNone/>
+            </a:pPr>
+            <a:r>
+              <a:rPr lang="en-US" sz="2000" dirty="0" err="1"/>
+              <a:t>area_pyramid</a:t>
+            </a:r>
+            <a:r>
+              <a:rPr lang="en-US" sz="2000" dirty="0"/>
+              <a:t>(49, 18)</a:t>
+            </a:r>
+          </a:p>
+          <a:p>
+            <a:pPr marL="0" indent="0">
+              <a:buNone/>
+            </a:pPr>
+            <a:r>
+              <a:rPr lang="en-US" sz="2000" dirty="0">
+                <a:solidFill>
+                  <a:schemeClr val="tx2">
+                    <a:lumMod val="60000"/>
+                    <a:lumOff val="40000"/>
+                  </a:schemeClr>
+                </a:solidFill>
+              </a:rPr>
+              <a:t>// 147</a:t>
+            </a:r>
+          </a:p>
+          <a:p>
+            <a:pPr marL="0" indent="0">
+              <a:buNone/>
+            </a:pPr>
+            <a:endParaRPr lang="en-US" sz="2000" dirty="0"/>
+          </a:p>
+        </p:txBody>
+      </p:sp>
+    </p:spTree>
+    <p:extLst>
+      <p:ext uri="{BB962C8B-B14F-4D97-AF65-F5344CB8AC3E}">
+        <p14:creationId xmlns:p14="http://schemas.microsoft.com/office/powerpoint/2010/main" val="911677888"/>
+      </p:ext>
+    </p:extLst>
+  </p:cSld>
+  <p:clrMapOvr>
+    <a:masterClrMapping/>
+  </p:clrMapOvr>
+</p:sld>
+</file>
+
+<file path=ppt/slides/slide22.xml><?xml version="1.0" encoding="utf-8"?>
+<p:sld xmlns:a="http://schemas.openxmlformats.org/drawingml/2006/main" xmlns:r="http://schemas.openxmlformats.org/officeDocument/2006/relationships" xmlns:p="http://schemas.openxmlformats.org/presentationml/2006/main">
+  <p:cSld>
+    <p:spTree>
+      <p:nvGrpSpPr>
+        <p:cNvPr id="1" name=""/>
+        <p:cNvGrpSpPr/>
+        <p:nvPr/>
+      </p:nvGrpSpPr>
+      <p:grpSpPr>
+        <a:xfrm>
+          <a:off x="0" y="0"/>
+          <a:ext cx="0" cy="0"/>
+          <a:chOff x="0" y="0"/>
+          <a:chExt cx="0" cy="0"/>
+        </a:xfrm>
+      </p:grpSpPr>
+      <p:sp>
+        <p:nvSpPr>
+          <p:cNvPr id="2" name="Title 1">
+            <a:extLst>
+              <a:ext uri="{FF2B5EF4-FFF2-40B4-BE49-F238E27FC236}">
+                <a16:creationId xmlns:a16="http://schemas.microsoft.com/office/drawing/2014/main" id="{FCE3621E-13D3-D943-8D25-2FC2DA7E2BBB}"/>
+              </a:ext>
+            </a:extLst>
+          </p:cNvPr>
+          <p:cNvSpPr>
+            <a:spLocks noGrp="1"/>
+          </p:cNvSpPr>
+          <p:nvPr>
+            <p:ph type="ctrTitle"/>
+          </p:nvPr>
+        </p:nvSpPr>
+        <p:spPr>
+          <a:xfrm>
+            <a:off x="1524000" y="1622538"/>
+            <a:ext cx="9144000" cy="3612923"/>
+          </a:xfrm>
+        </p:spPr>
+        <p:txBody>
+          <a:bodyPr anchor="ctr"/>
+          <a:lstStyle/>
+          <a:p>
+            <a:r>
+              <a:rPr lang="en-US" dirty="0"/>
+              <a:t>Who can become a software developer?</a:t>
+            </a:r>
+          </a:p>
+        </p:txBody>
+      </p:sp>
+    </p:spTree>
+    <p:extLst>
+      <p:ext uri="{BB962C8B-B14F-4D97-AF65-F5344CB8AC3E}">
+        <p14:creationId xmlns:p14="http://schemas.microsoft.com/office/powerpoint/2010/main" val="1158692352"/>
+      </p:ext>
+    </p:extLst>
+  </p:cSld>
+  <p:clrMapOvr>
+    <a:masterClrMapping/>
+  </p:clrMapOvr>
+</p:sld>
+</file>
+
+<file path=ppt/slides/slide23.xml><?xml version="1.0" encoding="utf-8"?>
+<p:sld xmlns:a="http://schemas.openxmlformats.org/drawingml/2006/main" xmlns:r="http://schemas.openxmlformats.org/officeDocument/2006/relationships" xmlns:p="http://schemas.openxmlformats.org/presentationml/2006/main">
+  <p:cSld>
+    <p:spTree>
+      <p:nvGrpSpPr>
+        <p:cNvPr id="1" name=""/>
+        <p:cNvGrpSpPr/>
+        <p:nvPr/>
+      </p:nvGrpSpPr>
+      <p:grpSpPr>
+        <a:xfrm>
+          <a:off x="0" y="0"/>
+          <a:ext cx="0" cy="0"/>
+          <a:chOff x="0" y="0"/>
+          <a:chExt cx="0" cy="0"/>
+        </a:xfrm>
+      </p:grpSpPr>
+      <p:sp>
+        <p:nvSpPr>
+          <p:cNvPr id="2" name="Title 1">
+            <a:extLst>
+              <a:ext uri="{FF2B5EF4-FFF2-40B4-BE49-F238E27FC236}">
+                <a16:creationId xmlns:a16="http://schemas.microsoft.com/office/drawing/2014/main" id="{FCE3621E-13D3-D943-8D25-2FC2DA7E2BBB}"/>
+              </a:ext>
+            </a:extLst>
+          </p:cNvPr>
+          <p:cNvSpPr>
+            <a:spLocks noGrp="1"/>
+          </p:cNvSpPr>
+          <p:nvPr>
+            <p:ph type="ctrTitle"/>
+          </p:nvPr>
+        </p:nvSpPr>
+        <p:spPr>
+          <a:xfrm>
+            <a:off x="1524000" y="1622538"/>
+            <a:ext cx="9144000" cy="3612923"/>
+          </a:xfrm>
+        </p:spPr>
+        <p:txBody>
+          <a:bodyPr anchor="ctr"/>
           <a:lstStyle/>
           <a:p>
             <a:pPr>
@@ -4312,19 +7732,12 @@
               </a:lnSpc>
             </a:pPr>
             <a:r>
-              <a:rPr lang="en-US" dirty="0"/>
-              <a:t>Software Developer</a:t>
-            </a:r>
-            <a:br>
-              <a:rPr lang="en-US" dirty="0"/>
-            </a:br>
-            <a:r>
               <a:rPr lang="en-US" dirty="0">
                 <a:solidFill>
                   <a:schemeClr val="bg1"/>
                 </a:solidFill>
               </a:rPr>
-              <a:t>Software Engineer</a:t>
+              <a:t>Anyone!</a:t>
             </a:r>
             <a:br>
               <a:rPr lang="en-US" dirty="0">
@@ -4334,27 +7747,15 @@
               </a:rPr>
             </a:br>
             <a:r>
-              <a:rPr lang="en-US" dirty="0">
-                <a:solidFill>
-                  <a:schemeClr val="bg1"/>
+              <a:rPr lang="en-US" sz="2400" dirty="0">
+                <a:solidFill>
+                  <a:schemeClr val="tx2">
+                    <a:lumMod val="60000"/>
+                    <a:lumOff val="40000"/>
+                  </a:schemeClr>
                 </a:solidFill>
               </a:rPr>
-              <a:t>Web Developer</a:t>
-            </a:r>
-            <a:br>
-              <a:rPr lang="en-US" dirty="0">
-                <a:solidFill>
-                  <a:schemeClr val="bg1"/>
-                </a:solidFill>
-              </a:rPr>
-            </a:br>
-            <a:r>
-              <a:rPr lang="en-US" dirty="0">
-                <a:solidFill>
-                  <a:schemeClr val="bg1"/>
-                </a:solidFill>
-              </a:rPr>
-              <a:t>Computer programmer</a:t>
+              <a:t>Yes, that includes you!</a:t>
             </a:r>
           </a:p>
         </p:txBody>
@@ -4362,7 +7763,637 @@
     </p:spTree>
     <p:extLst>
       <p:ext uri="{BB962C8B-B14F-4D97-AF65-F5344CB8AC3E}">
-        <p14:creationId xmlns:p14="http://schemas.microsoft.com/office/powerpoint/2010/main" val="225878432"/>
+        <p14:creationId xmlns:p14="http://schemas.microsoft.com/office/powerpoint/2010/main" val="2057930958"/>
+      </p:ext>
+    </p:extLst>
+  </p:cSld>
+  <p:clrMapOvr>
+    <a:masterClrMapping/>
+  </p:clrMapOvr>
+</p:sld>
+</file>
+
+<file path=ppt/slides/slide24.xml><?xml version="1.0" encoding="utf-8"?>
+<p:sld xmlns:a="http://schemas.openxmlformats.org/drawingml/2006/main" xmlns:r="http://schemas.openxmlformats.org/officeDocument/2006/relationships" xmlns:p="http://schemas.openxmlformats.org/presentationml/2006/main">
+  <p:cSld>
+    <p:spTree>
+      <p:nvGrpSpPr>
+        <p:cNvPr id="1" name=""/>
+        <p:cNvGrpSpPr/>
+        <p:nvPr/>
+      </p:nvGrpSpPr>
+      <p:grpSpPr>
+        <a:xfrm>
+          <a:off x="0" y="0"/>
+          <a:ext cx="0" cy="0"/>
+          <a:chOff x="0" y="0"/>
+          <a:chExt cx="0" cy="0"/>
+        </a:xfrm>
+      </p:grpSpPr>
+      <p:sp>
+        <p:nvSpPr>
+          <p:cNvPr id="2" name="Title 1">
+            <a:extLst>
+              <a:ext uri="{FF2B5EF4-FFF2-40B4-BE49-F238E27FC236}">
+                <a16:creationId xmlns:a16="http://schemas.microsoft.com/office/drawing/2014/main" id="{FCE3621E-13D3-D943-8D25-2FC2DA7E2BBB}"/>
+              </a:ext>
+            </a:extLst>
+          </p:cNvPr>
+          <p:cNvSpPr>
+            <a:spLocks noGrp="1"/>
+          </p:cNvSpPr>
+          <p:nvPr>
+            <p:ph type="ctrTitle"/>
+          </p:nvPr>
+        </p:nvSpPr>
+        <p:spPr>
+          <a:xfrm>
+            <a:off x="1524000" y="1622538"/>
+            <a:ext cx="9144000" cy="3612923"/>
+          </a:xfrm>
+        </p:spPr>
+        <p:txBody>
+          <a:bodyPr anchor="ctr"/>
+          <a:lstStyle/>
+          <a:p>
+            <a:r>
+              <a:rPr lang="en-US" dirty="0"/>
+              <a:t>What does a software developer look like?</a:t>
+            </a:r>
+          </a:p>
+        </p:txBody>
+      </p:sp>
+    </p:spTree>
+    <p:extLst>
+      <p:ext uri="{BB962C8B-B14F-4D97-AF65-F5344CB8AC3E}">
+        <p14:creationId xmlns:p14="http://schemas.microsoft.com/office/powerpoint/2010/main" val="708961261"/>
+      </p:ext>
+    </p:extLst>
+  </p:cSld>
+  <p:clrMapOvr>
+    <a:masterClrMapping/>
+  </p:clrMapOvr>
+</p:sld>
+</file>
+
+<file path=ppt/slides/slide25.xml><?xml version="1.0" encoding="utf-8"?>
+<p:sld xmlns:a="http://schemas.openxmlformats.org/drawingml/2006/main" xmlns:r="http://schemas.openxmlformats.org/officeDocument/2006/relationships" xmlns:p="http://schemas.openxmlformats.org/presentationml/2006/main">
+  <p:cSld>
+    <p:spTree>
+      <p:nvGrpSpPr>
+        <p:cNvPr id="1" name=""/>
+        <p:cNvGrpSpPr/>
+        <p:nvPr/>
+      </p:nvGrpSpPr>
+      <p:grpSpPr>
+        <a:xfrm>
+          <a:off x="0" y="0"/>
+          <a:ext cx="0" cy="0"/>
+          <a:chOff x="0" y="0"/>
+          <a:chExt cx="0" cy="0"/>
+        </a:xfrm>
+      </p:grpSpPr>
+      <p:sp>
+        <p:nvSpPr>
+          <p:cNvPr id="2" name="Title 1">
+            <a:extLst>
+              <a:ext uri="{FF2B5EF4-FFF2-40B4-BE49-F238E27FC236}">
+                <a16:creationId xmlns:a16="http://schemas.microsoft.com/office/drawing/2014/main" id="{FCE3621E-13D3-D943-8D25-2FC2DA7E2BBB}"/>
+              </a:ext>
+            </a:extLst>
+          </p:cNvPr>
+          <p:cNvSpPr>
+            <a:spLocks noGrp="1"/>
+          </p:cNvSpPr>
+          <p:nvPr>
+            <p:ph type="ctrTitle"/>
+          </p:nvPr>
+        </p:nvSpPr>
+        <p:spPr>
+          <a:xfrm>
+            <a:off x="1311728" y="381000"/>
+            <a:ext cx="9568543" cy="6096000"/>
+          </a:xfrm>
+        </p:spPr>
+        <p:txBody>
+          <a:bodyPr anchor="ctr">
+            <a:normAutofit/>
+          </a:bodyPr>
+          <a:lstStyle/>
+          <a:p>
+            <a:r>
+              <a:rPr lang="en-US" dirty="0"/>
+              <a:t>👨🏿‍💻👩🏻‍💻👨🏾‍💻👩🏼‍💻👨🏽‍💻👩🏽‍💻👨🏼‍💻👩🏾‍💻👨🏻‍💻👩🏿‍💻</a:t>
+            </a:r>
+            <a:br>
+              <a:rPr lang="en-US" dirty="0"/>
+            </a:br>
+            <a:r>
+              <a:rPr lang="en-US" dirty="0"/>
+              <a:t>👩🏽‍💻👨🏼‍💻👩🏾‍💻👨🏻‍💻👩🏿‍💻👨🏿‍💻👩🏻‍💻👨🏾‍💻👩🏼‍💻👨🏽‍💻 👨🏿‍💻👩🏻‍💻👨🏾‍💻👩🏼‍💻👨🏽‍💻👩🏽‍💻👨🏼‍💻👩🏾‍💻👨🏻‍💻👩🏿‍💻 👩🏽‍💻👨🏼‍💻👩🏾‍💻👨🏻‍💻👩🏿‍💻👨🏿‍💻👩🏻‍💻👨🏾‍💻👩🏼‍💻👨🏽‍💻 👨🏿‍💻👩🏻‍💻👨🏾‍💻👩🏼‍💻👨🏽‍💻👩🏽‍💻👨🏼‍💻👩🏾‍💻👨🏻‍💻👩🏿‍💻 👩🏽‍💻👨🏼‍💻👩🏾‍💻👨🏻‍💻👩🏿‍💻👨🏿‍💻👩🏻‍💻👨🏾‍💻👩🏼‍💻👨🏽‍💻</a:t>
+            </a:r>
+          </a:p>
+        </p:txBody>
+      </p:sp>
+    </p:spTree>
+    <p:extLst>
+      <p:ext uri="{BB962C8B-B14F-4D97-AF65-F5344CB8AC3E}">
+        <p14:creationId xmlns:p14="http://schemas.microsoft.com/office/powerpoint/2010/main" val="4145829203"/>
+      </p:ext>
+    </p:extLst>
+  </p:cSld>
+  <p:clrMapOvr>
+    <a:masterClrMapping/>
+  </p:clrMapOvr>
+</p:sld>
+</file>
+
+<file path=ppt/slides/slide26.xml><?xml version="1.0" encoding="utf-8"?>
+<p:sld xmlns:a="http://schemas.openxmlformats.org/drawingml/2006/main" xmlns:r="http://schemas.openxmlformats.org/officeDocument/2006/relationships" xmlns:p="http://schemas.openxmlformats.org/presentationml/2006/main">
+  <p:cSld>
+    <p:spTree>
+      <p:nvGrpSpPr>
+        <p:cNvPr id="1" name=""/>
+        <p:cNvGrpSpPr/>
+        <p:nvPr/>
+      </p:nvGrpSpPr>
+      <p:grpSpPr>
+        <a:xfrm>
+          <a:off x="0" y="0"/>
+          <a:ext cx="0" cy="0"/>
+          <a:chOff x="0" y="0"/>
+          <a:chExt cx="0" cy="0"/>
+        </a:xfrm>
+      </p:grpSpPr>
+      <p:sp>
+        <p:nvSpPr>
+          <p:cNvPr id="2" name="Title 1">
+            <a:extLst>
+              <a:ext uri="{FF2B5EF4-FFF2-40B4-BE49-F238E27FC236}">
+                <a16:creationId xmlns:a16="http://schemas.microsoft.com/office/drawing/2014/main" id="{FCE3621E-13D3-D943-8D25-2FC2DA7E2BBB}"/>
+              </a:ext>
+            </a:extLst>
+          </p:cNvPr>
+          <p:cNvSpPr>
+            <a:spLocks noGrp="1"/>
+          </p:cNvSpPr>
+          <p:nvPr>
+            <p:ph type="ctrTitle"/>
+          </p:nvPr>
+        </p:nvSpPr>
+        <p:spPr>
+          <a:xfrm>
+            <a:off x="1524000" y="1622538"/>
+            <a:ext cx="9144000" cy="3612923"/>
+          </a:xfrm>
+        </p:spPr>
+        <p:txBody>
+          <a:bodyPr anchor="ctr"/>
+          <a:lstStyle/>
+          <a:p>
+            <a:r>
+              <a:rPr lang="en-US" dirty="0"/>
+              <a:t>How to become a software developer?</a:t>
+            </a:r>
+          </a:p>
+        </p:txBody>
+      </p:sp>
+    </p:spTree>
+    <p:extLst>
+      <p:ext uri="{BB962C8B-B14F-4D97-AF65-F5344CB8AC3E}">
+        <p14:creationId xmlns:p14="http://schemas.microsoft.com/office/powerpoint/2010/main" val="684250886"/>
+      </p:ext>
+    </p:extLst>
+  </p:cSld>
+  <p:clrMapOvr>
+    <a:masterClrMapping/>
+  </p:clrMapOvr>
+</p:sld>
+</file>
+
+<file path=ppt/slides/slide27.xml><?xml version="1.0" encoding="utf-8"?>
+<p:sld xmlns:a="http://schemas.openxmlformats.org/drawingml/2006/main" xmlns:r="http://schemas.openxmlformats.org/officeDocument/2006/relationships" xmlns:p="http://schemas.openxmlformats.org/presentationml/2006/main">
+  <p:cSld>
+    <p:spTree>
+      <p:nvGrpSpPr>
+        <p:cNvPr id="1" name=""/>
+        <p:cNvGrpSpPr/>
+        <p:nvPr/>
+      </p:nvGrpSpPr>
+      <p:grpSpPr>
+        <a:xfrm>
+          <a:off x="0" y="0"/>
+          <a:ext cx="0" cy="0"/>
+          <a:chOff x="0" y="0"/>
+          <a:chExt cx="0" cy="0"/>
+        </a:xfrm>
+      </p:grpSpPr>
+      <p:sp>
+        <p:nvSpPr>
+          <p:cNvPr id="2" name="Title 1">
+            <a:extLst>
+              <a:ext uri="{FF2B5EF4-FFF2-40B4-BE49-F238E27FC236}">
+                <a16:creationId xmlns:a16="http://schemas.microsoft.com/office/drawing/2014/main" id="{1A274C14-A59C-CC48-B502-BBB278FA45EB}"/>
+              </a:ext>
+            </a:extLst>
+          </p:cNvPr>
+          <p:cNvSpPr>
+            <a:spLocks noGrp="1"/>
+          </p:cNvSpPr>
+          <p:nvPr>
+            <p:ph type="title"/>
+          </p:nvPr>
+        </p:nvSpPr>
+        <p:spPr/>
+        <p:txBody>
+          <a:bodyPr/>
+          <a:lstStyle/>
+          <a:p>
+            <a:r>
+              <a:rPr lang="en-US" dirty="0"/>
+              <a:t>How to become a software developer, part 1</a:t>
+            </a:r>
+          </a:p>
+        </p:txBody>
+      </p:sp>
+      <p:sp>
+        <p:nvSpPr>
+          <p:cNvPr id="3" name="Content Placeholder 2">
+            <a:extLst>
+              <a:ext uri="{FF2B5EF4-FFF2-40B4-BE49-F238E27FC236}">
+                <a16:creationId xmlns:a16="http://schemas.microsoft.com/office/drawing/2014/main" id="{5CC7117D-E8DF-D944-BC57-CDE8345FA52B}"/>
+              </a:ext>
+            </a:extLst>
+          </p:cNvPr>
+          <p:cNvSpPr>
+            <a:spLocks noGrp="1"/>
+          </p:cNvSpPr>
+          <p:nvPr>
+            <p:ph idx="1"/>
+          </p:nvPr>
+        </p:nvSpPr>
+        <p:spPr/>
+        <p:txBody>
+          <a:bodyPr/>
+          <a:lstStyle/>
+          <a:p>
+            <a:pPr marL="514350" indent="-514350">
+              <a:buFont typeface="+mj-lt"/>
+              <a:buAutoNum type="arabicPeriod"/>
+            </a:pPr>
+            <a:r>
+              <a:rPr lang="en-US" dirty="0"/>
+              <a:t>Enjoy solving problems</a:t>
+            </a:r>
+          </a:p>
+          <a:p>
+            <a:pPr marL="514350" indent="-514350">
+              <a:buFont typeface="+mj-lt"/>
+              <a:buAutoNum type="arabicPeriod"/>
+            </a:pPr>
+            <a:r>
+              <a:rPr lang="en-US" dirty="0"/>
+              <a:t>Enjoy using a computer</a:t>
+            </a:r>
+          </a:p>
+          <a:p>
+            <a:pPr marL="514350" indent="-514350">
+              <a:buFont typeface="+mj-lt"/>
+              <a:buAutoNum type="arabicPeriod"/>
+            </a:pPr>
+            <a:r>
+              <a:rPr lang="en-US" dirty="0"/>
+              <a:t>Practice coding</a:t>
+            </a:r>
+          </a:p>
+          <a:p>
+            <a:pPr lvl="1"/>
+            <a:r>
+              <a:rPr lang="en-US" dirty="0"/>
+              <a:t>Build a website</a:t>
+            </a:r>
+          </a:p>
+          <a:p>
+            <a:pPr lvl="1"/>
+            <a:r>
+              <a:rPr lang="en-US" dirty="0"/>
+              <a:t>Make an app</a:t>
+            </a:r>
+          </a:p>
+          <a:p>
+            <a:pPr lvl="1"/>
+            <a:r>
+              <a:rPr lang="en-US" dirty="0"/>
+              <a:t>Write a script</a:t>
+            </a:r>
+          </a:p>
+          <a:p>
+            <a:pPr marL="514350" indent="-514350">
+              <a:buFont typeface="+mj-lt"/>
+              <a:buAutoNum type="arabicPeriod"/>
+            </a:pPr>
+            <a:r>
+              <a:rPr lang="en-US" dirty="0"/>
+              <a:t>Go to a coding summer camp </a:t>
+            </a:r>
+            <a:r>
+              <a:rPr lang="en-US" dirty="0">
+                <a:solidFill>
+                  <a:schemeClr val="tx2">
+                    <a:lumMod val="60000"/>
+                    <a:lumOff val="40000"/>
+                  </a:schemeClr>
+                </a:solidFill>
+              </a:rPr>
+              <a:t>// optional</a:t>
+            </a:r>
+          </a:p>
+          <a:p>
+            <a:pPr marL="514350" indent="-514350">
+              <a:buFont typeface="+mj-lt"/>
+              <a:buAutoNum type="arabicPeriod"/>
+            </a:pPr>
+            <a:r>
+              <a:rPr lang="en-US" dirty="0"/>
+              <a:t>Take coding electives in high school</a:t>
+            </a:r>
+          </a:p>
+        </p:txBody>
+      </p:sp>
+    </p:spTree>
+    <p:extLst>
+      <p:ext uri="{BB962C8B-B14F-4D97-AF65-F5344CB8AC3E}">
+        <p14:creationId xmlns:p14="http://schemas.microsoft.com/office/powerpoint/2010/main" val="3823051236"/>
+      </p:ext>
+    </p:extLst>
+  </p:cSld>
+  <p:clrMapOvr>
+    <a:masterClrMapping/>
+  </p:clrMapOvr>
+</p:sld>
+</file>
+
+<file path=ppt/slides/slide28.xml><?xml version="1.0" encoding="utf-8"?>
+<p:sld xmlns:a="http://schemas.openxmlformats.org/drawingml/2006/main" xmlns:r="http://schemas.openxmlformats.org/officeDocument/2006/relationships" xmlns:p="http://schemas.openxmlformats.org/presentationml/2006/main">
+  <p:cSld>
+    <p:spTree>
+      <p:nvGrpSpPr>
+        <p:cNvPr id="1" name=""/>
+        <p:cNvGrpSpPr/>
+        <p:nvPr/>
+      </p:nvGrpSpPr>
+      <p:grpSpPr>
+        <a:xfrm>
+          <a:off x="0" y="0"/>
+          <a:ext cx="0" cy="0"/>
+          <a:chOff x="0" y="0"/>
+          <a:chExt cx="0" cy="0"/>
+        </a:xfrm>
+      </p:grpSpPr>
+      <p:sp>
+        <p:nvSpPr>
+          <p:cNvPr id="2" name="Title 1">
+            <a:extLst>
+              <a:ext uri="{FF2B5EF4-FFF2-40B4-BE49-F238E27FC236}">
+                <a16:creationId xmlns:a16="http://schemas.microsoft.com/office/drawing/2014/main" id="{1A274C14-A59C-CC48-B502-BBB278FA45EB}"/>
+              </a:ext>
+            </a:extLst>
+          </p:cNvPr>
+          <p:cNvSpPr>
+            <a:spLocks noGrp="1"/>
+          </p:cNvSpPr>
+          <p:nvPr>
+            <p:ph type="title"/>
+          </p:nvPr>
+        </p:nvSpPr>
+        <p:spPr/>
+        <p:txBody>
+          <a:bodyPr/>
+          <a:lstStyle/>
+          <a:p>
+            <a:r>
+              <a:rPr lang="en-US" dirty="0"/>
+              <a:t>How to become a software developer, part 2</a:t>
+            </a:r>
+          </a:p>
+        </p:txBody>
+      </p:sp>
+      <p:sp>
+        <p:nvSpPr>
+          <p:cNvPr id="3" name="Content Placeholder 2">
+            <a:extLst>
+              <a:ext uri="{FF2B5EF4-FFF2-40B4-BE49-F238E27FC236}">
+                <a16:creationId xmlns:a16="http://schemas.microsoft.com/office/drawing/2014/main" id="{5CC7117D-E8DF-D944-BC57-CDE8345FA52B}"/>
+              </a:ext>
+            </a:extLst>
+          </p:cNvPr>
+          <p:cNvSpPr>
+            <a:spLocks noGrp="1"/>
+          </p:cNvSpPr>
+          <p:nvPr>
+            <p:ph idx="1"/>
+          </p:nvPr>
+        </p:nvSpPr>
+        <p:spPr/>
+        <p:txBody>
+          <a:bodyPr>
+            <a:normAutofit lnSpcReduction="10000"/>
+          </a:bodyPr>
+          <a:lstStyle/>
+          <a:p>
+            <a:r>
+              <a:rPr lang="en-US" dirty="0"/>
+              <a:t>Option 1: Go to a </a:t>
+            </a:r>
+            <a:r>
+              <a:rPr lang="en-US" b="1" dirty="0"/>
+              <a:t>four-year college</a:t>
+            </a:r>
+          </a:p>
+          <a:p>
+            <a:pPr lvl="1"/>
+            <a:r>
+              <a:rPr lang="en-US" dirty="0"/>
+              <a:t>Major in Computer Science or Software Engineering</a:t>
+            </a:r>
+          </a:p>
+          <a:p>
+            <a:pPr lvl="1"/>
+            <a:r>
+              <a:rPr lang="en-US" dirty="0"/>
+              <a:t>Do fun and challenging internships</a:t>
+            </a:r>
+          </a:p>
+          <a:p>
+            <a:pPr marL="457200" lvl="1" indent="0">
+              <a:buNone/>
+            </a:pPr>
+            <a:endParaRPr lang="en-US" dirty="0"/>
+          </a:p>
+          <a:p>
+            <a:r>
+              <a:rPr lang="en-US" dirty="0"/>
+              <a:t>Option 2: Go to a </a:t>
+            </a:r>
+            <a:r>
+              <a:rPr lang="en-US" b="1" dirty="0"/>
+              <a:t>two-year tech school</a:t>
+            </a:r>
+          </a:p>
+          <a:p>
+            <a:pPr lvl="1"/>
+            <a:r>
+              <a:rPr lang="en-US" dirty="0"/>
+              <a:t>Major in Computer Science or Software Engineering</a:t>
+            </a:r>
+          </a:p>
+          <a:p>
+            <a:pPr lvl="1"/>
+            <a:r>
+              <a:rPr lang="en-US" dirty="0"/>
+              <a:t>Graduate early and start working</a:t>
+            </a:r>
+          </a:p>
+          <a:p>
+            <a:pPr lvl="1"/>
+            <a:endParaRPr lang="en-US" dirty="0"/>
+          </a:p>
+          <a:p>
+            <a:r>
+              <a:rPr lang="en-US" dirty="0"/>
+              <a:t>Option 3: Go to a </a:t>
+            </a:r>
+            <a:r>
+              <a:rPr lang="en-US" b="1" dirty="0"/>
+              <a:t>coding </a:t>
+            </a:r>
+            <a:r>
+              <a:rPr lang="en-US" b="1" dirty="0" err="1"/>
+              <a:t>bootcamp</a:t>
+            </a:r>
+            <a:r>
+              <a:rPr lang="en-US" dirty="0"/>
+              <a:t> </a:t>
+            </a:r>
+            <a:r>
+              <a:rPr lang="en-US" dirty="0">
+                <a:solidFill>
+                  <a:schemeClr val="tx2">
+                    <a:lumMod val="60000"/>
+                    <a:lumOff val="40000"/>
+                  </a:schemeClr>
+                </a:solidFill>
+              </a:rPr>
+              <a:t>// </a:t>
+            </a:r>
+            <a:r>
+              <a:rPr lang="en-US" dirty="0">
+                <a:solidFill>
+                  <a:schemeClr val="tx2">
+                    <a:lumMod val="60000"/>
+                    <a:lumOff val="40000"/>
+                  </a:schemeClr>
+                </a:solidFill>
+                <a:sym typeface="Wingdings" pitchFamily="2" charset="2"/>
+              </a:rPr>
+              <a:t>&lt;-- Me</a:t>
+            </a:r>
+            <a:endParaRPr lang="en-US" dirty="0">
+              <a:solidFill>
+                <a:schemeClr val="tx2">
+                  <a:lumMod val="60000"/>
+                  <a:lumOff val="40000"/>
+                </a:schemeClr>
+              </a:solidFill>
+            </a:endParaRPr>
+          </a:p>
+          <a:p>
+            <a:pPr lvl="1"/>
+            <a:r>
+              <a:rPr lang="en-US" dirty="0"/>
+              <a:t>Study web development in a particular language</a:t>
+            </a:r>
+          </a:p>
+          <a:p>
+            <a:pPr lvl="1"/>
+            <a:r>
+              <a:rPr lang="en-US" dirty="0"/>
+              <a:t>Learn on the job</a:t>
+            </a:r>
+          </a:p>
+          <a:p>
+            <a:pPr lvl="1"/>
+            <a:endParaRPr lang="en-US" dirty="0"/>
+          </a:p>
+        </p:txBody>
+      </p:sp>
+    </p:spTree>
+    <p:extLst>
+      <p:ext uri="{BB962C8B-B14F-4D97-AF65-F5344CB8AC3E}">
+        <p14:creationId xmlns:p14="http://schemas.microsoft.com/office/powerpoint/2010/main" val="3144471463"/>
+      </p:ext>
+    </p:extLst>
+  </p:cSld>
+  <p:clrMapOvr>
+    <a:masterClrMapping/>
+  </p:clrMapOvr>
+</p:sld>
+</file>
+
+<file path=ppt/slides/slide29.xml><?xml version="1.0" encoding="utf-8"?>
+<p:sld xmlns:a="http://schemas.openxmlformats.org/drawingml/2006/main" xmlns:r="http://schemas.openxmlformats.org/officeDocument/2006/relationships" xmlns:p="http://schemas.openxmlformats.org/presentationml/2006/main">
+  <p:cSld>
+    <p:spTree>
+      <p:nvGrpSpPr>
+        <p:cNvPr id="1" name=""/>
+        <p:cNvGrpSpPr/>
+        <p:nvPr/>
+      </p:nvGrpSpPr>
+      <p:grpSpPr>
+        <a:xfrm>
+          <a:off x="0" y="0"/>
+          <a:ext cx="0" cy="0"/>
+          <a:chOff x="0" y="0"/>
+          <a:chExt cx="0" cy="0"/>
+        </a:xfrm>
+      </p:grpSpPr>
+      <p:sp>
+        <p:nvSpPr>
+          <p:cNvPr id="2" name="Title 1">
+            <a:extLst>
+              <a:ext uri="{FF2B5EF4-FFF2-40B4-BE49-F238E27FC236}">
+                <a16:creationId xmlns:a16="http://schemas.microsoft.com/office/drawing/2014/main" id="{FCE3621E-13D3-D943-8D25-2FC2DA7E2BBB}"/>
+              </a:ext>
+            </a:extLst>
+          </p:cNvPr>
+          <p:cNvSpPr>
+            <a:spLocks noGrp="1"/>
+          </p:cNvSpPr>
+          <p:nvPr>
+            <p:ph type="ctrTitle"/>
+          </p:nvPr>
+        </p:nvSpPr>
+        <p:spPr>
+          <a:xfrm>
+            <a:off x="1524000" y="1622538"/>
+            <a:ext cx="9144000" cy="3612923"/>
+          </a:xfrm>
+        </p:spPr>
+        <p:txBody>
+          <a:bodyPr anchor="ctr"/>
+          <a:lstStyle/>
+          <a:p>
+            <a:r>
+              <a:rPr lang="en-US" dirty="0"/>
+              <a:t>Go out and solve some cool problems!</a:t>
+            </a:r>
+          </a:p>
+        </p:txBody>
+      </p:sp>
+    </p:spTree>
+    <p:extLst>
+      <p:ext uri="{BB962C8B-B14F-4D97-AF65-F5344CB8AC3E}">
+        <p14:creationId xmlns:p14="http://schemas.microsoft.com/office/powerpoint/2010/main" val="239068517"/>
       </p:ext>
     </p:extLst>
   </p:cSld>
@@ -4394,7 +8425,7 @@
           <p:cNvPr id="2" name="Title 1">
             <a:extLst>
               <a:ext uri="{FF2B5EF4-FFF2-40B4-BE49-F238E27FC236}">
-                <a16:creationId xmlns:a16="http://schemas.microsoft.com/office/drawing/2014/main" id="{A4739B66-687C-5641-8204-5192E04DB9BF}"/>
+                <a16:creationId xmlns:a16="http://schemas.microsoft.com/office/drawing/2014/main" id="{C07FDB48-72F9-6844-B887-9047A83366C1}"/>
               </a:ext>
             </a:extLst>
           </p:cNvPr>
@@ -4405,20 +8436,86 @@
             <p:ph type="title"/>
           </p:nvPr>
         </p:nvSpPr>
-        <p:spPr>
-          <a:xfrm>
-            <a:off x="831850" y="2002631"/>
-            <a:ext cx="10515600" cy="2852737"/>
-          </a:xfrm>
-        </p:spPr>
-        <p:txBody>
-          <a:bodyPr anchor="ctr"/>
-          <a:lstStyle/>
-          <a:p>
-            <a:pPr algn="ctr"/>
-            <a:r>
-              <a:rPr lang="en-US" dirty="0"/>
-              <a:t>Teach computers to solve problems</a:t>
+        <p:spPr/>
+        <p:txBody>
+          <a:bodyPr/>
+          <a:lstStyle/>
+          <a:p>
+            <a:r>
+              <a:rPr lang="en-US" dirty="0"/>
+              <a:t>Background</a:t>
+            </a:r>
+          </a:p>
+        </p:txBody>
+      </p:sp>
+      <p:sp>
+        <p:nvSpPr>
+          <p:cNvPr id="3" name="Content Placeholder 2">
+            <a:extLst>
+              <a:ext uri="{FF2B5EF4-FFF2-40B4-BE49-F238E27FC236}">
+                <a16:creationId xmlns:a16="http://schemas.microsoft.com/office/drawing/2014/main" id="{1C959E04-F71E-F046-A27C-F9EE23CF3643}"/>
+              </a:ext>
+            </a:extLst>
+          </p:cNvPr>
+          <p:cNvSpPr>
+            <a:spLocks noGrp="1"/>
+          </p:cNvSpPr>
+          <p:nvPr>
+            <p:ph idx="1"/>
+          </p:nvPr>
+        </p:nvSpPr>
+        <p:spPr/>
+        <p:txBody>
+          <a:bodyPr/>
+          <a:lstStyle/>
+          <a:p>
+            <a:r>
+              <a:rPr lang="en-US" dirty="0"/>
+              <a:t>Graduated from Edinboro University ‘14</a:t>
+            </a:r>
+          </a:p>
+          <a:p>
+            <a:r>
+              <a:rPr lang="en-US" dirty="0"/>
+              <a:t>Taught for three years</a:t>
+            </a:r>
+          </a:p>
+          <a:p>
+            <a:pPr lvl="1"/>
+            <a:r>
+              <a:rPr lang="en-US" dirty="0"/>
+              <a:t>Juvenile detention center</a:t>
+            </a:r>
+          </a:p>
+          <a:p>
+            <a:pPr lvl="1"/>
+            <a:r>
+              <a:rPr lang="en-US" dirty="0"/>
+              <a:t>AmeriCorps </a:t>
+            </a:r>
+            <a:r>
+              <a:rPr lang="en-US" dirty="0" err="1"/>
+              <a:t>KeystoneSMILES</a:t>
+            </a:r>
+            <a:endParaRPr lang="en-US" dirty="0"/>
+          </a:p>
+          <a:p>
+            <a:pPr lvl="1"/>
+            <a:r>
+              <a:rPr lang="en-US" dirty="0"/>
+              <a:t>Chesney Elementary (GCPS)</a:t>
+            </a:r>
+          </a:p>
+          <a:p>
+            <a:r>
+              <a:rPr lang="en-US" dirty="0"/>
+              <a:t>Graduated from the Iron Yard ‘17</a:t>
+            </a:r>
+          </a:p>
+          <a:p>
+            <a:r>
+              <a:rPr lang="en-US" dirty="0"/>
+              <a:t>Started at TSYS ‘18</a:t>
             </a:r>
           </a:p>
         </p:txBody>
@@ -4426,7 +8523,70 @@
     </p:spTree>
     <p:extLst>
       <p:ext uri="{BB962C8B-B14F-4D97-AF65-F5344CB8AC3E}">
-        <p14:creationId xmlns:p14="http://schemas.microsoft.com/office/powerpoint/2010/main" val="2770878958"/>
+        <p14:creationId xmlns:p14="http://schemas.microsoft.com/office/powerpoint/2010/main" val="4120136488"/>
+      </p:ext>
+    </p:extLst>
+  </p:cSld>
+  <p:clrMapOvr>
+    <a:masterClrMapping/>
+  </p:clrMapOvr>
+</p:sld>
+</file>
+
+<file path=ppt/slides/slide30.xml><?xml version="1.0" encoding="utf-8"?>
+<p:sld xmlns:a="http://schemas.openxmlformats.org/drawingml/2006/main" xmlns:r="http://schemas.openxmlformats.org/officeDocument/2006/relationships" xmlns:p="http://schemas.openxmlformats.org/presentationml/2006/main">
+  <p:cSld>
+    <p:spTree>
+      <p:nvGrpSpPr>
+        <p:cNvPr id="1" name=""/>
+        <p:cNvGrpSpPr/>
+        <p:nvPr/>
+      </p:nvGrpSpPr>
+      <p:grpSpPr>
+        <a:xfrm>
+          <a:off x="0" y="0"/>
+          <a:ext cx="0" cy="0"/>
+          <a:chOff x="0" y="0"/>
+          <a:chExt cx="0" cy="0"/>
+        </a:xfrm>
+      </p:grpSpPr>
+      <p:sp>
+        <p:nvSpPr>
+          <p:cNvPr id="2" name="Title 1">
+            <a:extLst>
+              <a:ext uri="{FF2B5EF4-FFF2-40B4-BE49-F238E27FC236}">
+                <a16:creationId xmlns:a16="http://schemas.microsoft.com/office/drawing/2014/main" id="{FCE3621E-13D3-D943-8D25-2FC2DA7E2BBB}"/>
+              </a:ext>
+            </a:extLst>
+          </p:cNvPr>
+          <p:cNvSpPr>
+            <a:spLocks noGrp="1"/>
+          </p:cNvSpPr>
+          <p:nvPr>
+            <p:ph type="ctrTitle"/>
+          </p:nvPr>
+        </p:nvSpPr>
+        <p:spPr>
+          <a:xfrm>
+            <a:off x="1524000" y="1622538"/>
+            <a:ext cx="9144000" cy="3612923"/>
+          </a:xfrm>
+        </p:spPr>
+        <p:txBody>
+          <a:bodyPr anchor="ctr"/>
+          <a:lstStyle/>
+          <a:p>
+            <a:r>
+              <a:rPr lang="en-US" dirty="0"/>
+              <a:t>Questions?</a:t>
+            </a:r>
+          </a:p>
+        </p:txBody>
+      </p:sp>
+    </p:spTree>
+    <p:extLst>
+      <p:ext uri="{BB962C8B-B14F-4D97-AF65-F5344CB8AC3E}">
+        <p14:creationId xmlns:p14="http://schemas.microsoft.com/office/powerpoint/2010/main" val="3226436677"/>
       </p:ext>
     </p:extLst>
   </p:cSld>
@@ -4458,119 +8618,71 @@
           <p:cNvPr id="2" name="Title 1">
             <a:extLst>
               <a:ext uri="{FF2B5EF4-FFF2-40B4-BE49-F238E27FC236}">
-                <a16:creationId xmlns:a16="http://schemas.microsoft.com/office/drawing/2014/main" id="{2DA56969-15FF-8F42-B749-9A139427B75C}"/>
-              </a:ext>
-            </a:extLst>
-          </p:cNvPr>
-          <p:cNvSpPr>
-            <a:spLocks noGrp="1"/>
-          </p:cNvSpPr>
-          <p:nvPr>
-            <p:ph type="title"/>
-          </p:nvPr>
-        </p:nvSpPr>
-        <p:spPr/>
-        <p:txBody>
-          <a:bodyPr/>
-          <a:lstStyle/>
-          <a:p>
-            <a:r>
-              <a:rPr lang="en-US" dirty="0"/>
-              <a:t>Vari</a:t>
-            </a:r>
-            <a:r>
-              <a:rPr lang="en-US" b="1" dirty="0"/>
-              <a:t>able</a:t>
-            </a:r>
-            <a:r>
-              <a:rPr lang="en-US" dirty="0"/>
-              <a:t>s</a:t>
-            </a:r>
-          </a:p>
-        </p:txBody>
-      </p:sp>
-      <p:sp>
-        <p:nvSpPr>
-          <p:cNvPr id="3" name="Content Placeholder 2">
-            <a:extLst>
-              <a:ext uri="{FF2B5EF4-FFF2-40B4-BE49-F238E27FC236}">
-                <a16:creationId xmlns:a16="http://schemas.microsoft.com/office/drawing/2014/main" id="{E46C9E63-9392-874D-A50C-AE2C0244DC47}"/>
-              </a:ext>
-            </a:extLst>
-          </p:cNvPr>
-          <p:cNvSpPr>
-            <a:spLocks noGrp="1"/>
-          </p:cNvSpPr>
-          <p:nvPr>
-            <p:ph idx="1"/>
-          </p:nvPr>
-        </p:nvSpPr>
-        <p:spPr/>
-        <p:txBody>
-          <a:bodyPr/>
-          <a:lstStyle/>
-          <a:p>
-            <a:r>
-              <a:rPr lang="en-US" dirty="0"/>
-              <a:t>Way to store data</a:t>
-            </a:r>
-          </a:p>
-          <a:p>
-            <a:pPr lvl="1"/>
-            <a:r>
-              <a:rPr lang="en-US" dirty="0"/>
-              <a:t>Words</a:t>
-            </a:r>
-          </a:p>
-          <a:p>
-            <a:pPr lvl="1"/>
-            <a:r>
-              <a:rPr lang="en-US" dirty="0"/>
-              <a:t>Numbers</a:t>
-            </a:r>
-          </a:p>
-          <a:p>
-            <a:pPr lvl="1"/>
-            <a:r>
-              <a:rPr lang="en-US" dirty="0"/>
-              <a:t>True/false (</a:t>
-            </a:r>
-            <a:r>
-              <a:rPr lang="en-US" dirty="0" err="1"/>
-              <a:t>boolean</a:t>
-            </a:r>
-            <a:r>
-              <a:rPr lang="en-US" dirty="0"/>
-              <a:t>)</a:t>
-            </a:r>
-          </a:p>
-          <a:p>
-            <a:pPr lvl="1"/>
-            <a:r>
-              <a:rPr lang="en-US" dirty="0"/>
-              <a:t>Lists</a:t>
-            </a:r>
-          </a:p>
-          <a:p>
-            <a:pPr lvl="1"/>
-            <a:r>
-              <a:rPr lang="en-US" i="1" dirty="0"/>
-              <a:t>etc</a:t>
-            </a:r>
-            <a:r>
-              <a:rPr lang="en-US" dirty="0"/>
-              <a:t>.</a:t>
-            </a:r>
-          </a:p>
-          <a:p>
-            <a:endParaRPr lang="en-US" dirty="0"/>
+                <a16:creationId xmlns:a16="http://schemas.microsoft.com/office/drawing/2014/main" id="{008E9C63-7CEE-3249-8C42-E0DB7DEFC5DB}"/>
+              </a:ext>
+            </a:extLst>
+          </p:cNvPr>
+          <p:cNvSpPr>
+            <a:spLocks noGrp="1"/>
+          </p:cNvSpPr>
+          <p:nvPr>
+            <p:ph type="ctrTitle"/>
+          </p:nvPr>
+        </p:nvSpPr>
+        <p:spPr>
+          <a:xfrm>
+            <a:off x="1524000" y="871605"/>
+            <a:ext cx="9144000" cy="5114789"/>
+          </a:xfrm>
+        </p:spPr>
+        <p:txBody>
+          <a:bodyPr anchor="ctr">
+            <a:normAutofit/>
+          </a:bodyPr>
+          <a:lstStyle/>
+          <a:p>
+            <a:pPr>
+              <a:lnSpc>
+                <a:spcPct val="100000"/>
+              </a:lnSpc>
+            </a:pPr>
+            <a:r>
+              <a:rPr lang="en-US" dirty="0"/>
+              <a:t>Software Developer</a:t>
+            </a:r>
+            <a:br>
+              <a:rPr lang="en-US" dirty="0"/>
+            </a:br>
+            <a:r>
+              <a:rPr lang="en-US" dirty="0">
+                <a:solidFill>
+                  <a:schemeClr val="bg1"/>
+                </a:solidFill>
+              </a:rPr>
+              <a:t>Software Engineer</a:t>
+            </a:r>
+            <a:br>
+              <a:rPr lang="en-US" dirty="0">
+                <a:solidFill>
+                  <a:schemeClr val="bg1"/>
+                </a:solidFill>
+              </a:rPr>
+            </a:br>
+            <a:r>
+              <a:rPr lang="en-US" dirty="0">
+                <a:solidFill>
+                  <a:schemeClr val="bg1"/>
+                </a:solidFill>
+              </a:rPr>
+              <a:t>Computer programmer</a:t>
+            </a:r>
           </a:p>
         </p:txBody>
       </p:sp>
     </p:spTree>
     <p:extLst>
       <p:ext uri="{BB962C8B-B14F-4D97-AF65-F5344CB8AC3E}">
-        <p14:creationId xmlns:p14="http://schemas.microsoft.com/office/powerpoint/2010/main" val="3734023340"/>
+        <p14:creationId xmlns:p14="http://schemas.microsoft.com/office/powerpoint/2010/main" val="225878432"/>
       </p:ext>
     </p:extLst>
   </p:cSld>
@@ -4602,7 +8714,7 @@
           <p:cNvPr id="2" name="Title 1">
             <a:extLst>
               <a:ext uri="{FF2B5EF4-FFF2-40B4-BE49-F238E27FC236}">
-                <a16:creationId xmlns:a16="http://schemas.microsoft.com/office/drawing/2014/main" id="{501E8393-3898-E94F-B71F-D5324B2AF856}"/>
+                <a16:creationId xmlns:a16="http://schemas.microsoft.com/office/drawing/2014/main" id="{A4739B66-687C-5641-8204-5192E04DB9BF}"/>
               </a:ext>
             </a:extLst>
           </p:cNvPr>
@@ -4613,128 +8725,20 @@
             <p:ph type="title"/>
           </p:nvPr>
         </p:nvSpPr>
-        <p:spPr/>
-        <p:txBody>
-          <a:bodyPr/>
-          <a:lstStyle/>
-          <a:p>
-            <a:r>
-              <a:rPr lang="en-US" dirty="0"/>
-              <a:t>Vari</a:t>
-            </a:r>
-            <a:r>
-              <a:rPr lang="en-US" b="1" dirty="0"/>
-              <a:t>able</a:t>
-            </a:r>
-            <a:r>
-              <a:rPr lang="en-US" dirty="0"/>
-              <a:t>s example</a:t>
-            </a:r>
-          </a:p>
-        </p:txBody>
-      </p:sp>
-      <p:sp>
-        <p:nvSpPr>
-          <p:cNvPr id="3" name="Content Placeholder 2">
-            <a:extLst>
-              <a:ext uri="{FF2B5EF4-FFF2-40B4-BE49-F238E27FC236}">
-                <a16:creationId xmlns:a16="http://schemas.microsoft.com/office/drawing/2014/main" id="{7890EAB6-04AB-864E-8731-7F94FC112911}"/>
-              </a:ext>
-            </a:extLst>
-          </p:cNvPr>
-          <p:cNvSpPr>
-            <a:spLocks noGrp="1"/>
-          </p:cNvSpPr>
-          <p:nvPr>
-            <p:ph idx="1"/>
-          </p:nvPr>
-        </p:nvSpPr>
-        <p:spPr/>
-        <p:txBody>
-          <a:bodyPr/>
-          <a:lstStyle/>
-          <a:p>
-            <a:pPr marL="0" indent="0">
-              <a:buNone/>
-            </a:pPr>
-            <a:r>
-              <a:rPr lang="en-US" i="1" dirty="0"/>
-              <a:t>name</a:t>
-            </a:r>
-            <a:r>
-              <a:rPr lang="en-US" b="1" i="1" dirty="0"/>
-              <a:t> </a:t>
-            </a:r>
-            <a:r>
-              <a:rPr lang="en-US" b="1" dirty="0"/>
-              <a:t>= </a:t>
-            </a:r>
-            <a:r>
-              <a:rPr lang="en-US" dirty="0"/>
-              <a:t>“Sean”</a:t>
-            </a:r>
-          </a:p>
-          <a:p>
-            <a:pPr marL="0" indent="0">
-              <a:buNone/>
-            </a:pPr>
-            <a:r>
-              <a:rPr lang="en-US" i="1" dirty="0"/>
-              <a:t>age</a:t>
-            </a:r>
-            <a:r>
-              <a:rPr lang="en-US" dirty="0"/>
-              <a:t> </a:t>
-            </a:r>
-            <a:r>
-              <a:rPr lang="en-US" b="1" dirty="0"/>
-              <a:t>=</a:t>
-            </a:r>
-            <a:r>
-              <a:rPr lang="en-US" dirty="0"/>
-              <a:t> 72</a:t>
-            </a:r>
-          </a:p>
-          <a:p>
-            <a:pPr marL="0" indent="0">
-              <a:buNone/>
-            </a:pPr>
-            <a:r>
-              <a:rPr lang="en-US" i="1" dirty="0" err="1"/>
-              <a:t>is_female</a:t>
-            </a:r>
-            <a:r>
-              <a:rPr lang="en-US" dirty="0"/>
-              <a:t> </a:t>
-            </a:r>
-            <a:r>
-              <a:rPr lang="en-US" b="1" dirty="0"/>
-              <a:t>=</a:t>
-            </a:r>
-            <a:r>
-              <a:rPr lang="en-US" dirty="0"/>
-              <a:t> false</a:t>
-            </a:r>
-          </a:p>
-          <a:p>
-            <a:pPr marL="0" indent="0">
-              <a:buNone/>
-            </a:pPr>
-            <a:r>
-              <a:rPr lang="en-US" i="1" dirty="0"/>
-              <a:t>hobbies</a:t>
-            </a:r>
-            <a:r>
-              <a:rPr lang="en-US" dirty="0"/>
-              <a:t> </a:t>
-            </a:r>
-            <a:r>
-              <a:rPr lang="en-US" b="1" dirty="0"/>
-              <a:t>=</a:t>
-            </a:r>
-            <a:r>
-              <a:rPr lang="en-US" dirty="0"/>
-              <a:t> [“coding”, “reading”, “soccer”]</a:t>
+        <p:spPr>
+          <a:xfrm>
+            <a:off x="831850" y="2002631"/>
+            <a:ext cx="10515600" cy="2852737"/>
+          </a:xfrm>
+        </p:spPr>
+        <p:txBody>
+          <a:bodyPr anchor="ctr"/>
+          <a:lstStyle/>
+          <a:p>
+            <a:pPr algn="ctr"/>
+            <a:r>
+              <a:rPr lang="en-US" dirty="0"/>
+              <a:t>Teach computers to solve problems</a:t>
             </a:r>
           </a:p>
         </p:txBody>
@@ -4742,7 +8746,7 @@
     </p:spTree>
     <p:extLst>
       <p:ext uri="{BB962C8B-B14F-4D97-AF65-F5344CB8AC3E}">
-        <p14:creationId xmlns:p14="http://schemas.microsoft.com/office/powerpoint/2010/main" val="334598782"/>
+        <p14:creationId xmlns:p14="http://schemas.microsoft.com/office/powerpoint/2010/main" val="2770878958"/>
       </p:ext>
     </p:extLst>
   </p:cSld>
@@ -4774,7 +8778,7 @@
           <p:cNvPr id="2" name="Title 1">
             <a:extLst>
               <a:ext uri="{FF2B5EF4-FFF2-40B4-BE49-F238E27FC236}">
-                <a16:creationId xmlns:a16="http://schemas.microsoft.com/office/drawing/2014/main" id="{2DA56969-15FF-8F42-B749-9A139427B75C}"/>
+                <a16:creationId xmlns:a16="http://schemas.microsoft.com/office/drawing/2014/main" id="{DF558F60-F8E5-B147-93D0-1BF2DF061ADE}"/>
               </a:ext>
             </a:extLst>
           </p:cNvPr>
@@ -4791,12 +8795,8 @@
           <a:lstStyle/>
           <a:p>
             <a:r>
-              <a:rPr lang="en-US" b="1" dirty="0"/>
-              <a:t>Fun</a:t>
-            </a:r>
-            <a:r>
-              <a:rPr lang="en-US" dirty="0"/>
-              <a:t>ctions</a:t>
+              <a:rPr lang="en-US" dirty="0"/>
+              <a:t>Made by software developers</a:t>
             </a:r>
           </a:p>
         </p:txBody>
@@ -4806,15 +8806,15 @@
           <p:cNvPr id="3" name="Content Placeholder 2">
             <a:extLst>
               <a:ext uri="{FF2B5EF4-FFF2-40B4-BE49-F238E27FC236}">
-                <a16:creationId xmlns:a16="http://schemas.microsoft.com/office/drawing/2014/main" id="{E46C9E63-9392-874D-A50C-AE2C0244DC47}"/>
-              </a:ext>
-            </a:extLst>
-          </p:cNvPr>
-          <p:cNvSpPr>
-            <a:spLocks noGrp="1"/>
-          </p:cNvSpPr>
-          <p:nvPr>
-            <p:ph idx="1"/>
+                <a16:creationId xmlns:a16="http://schemas.microsoft.com/office/drawing/2014/main" id="{96A9590F-D93E-A648-84C2-547082351F9A}"/>
+              </a:ext>
+            </a:extLst>
+          </p:cNvPr>
+          <p:cNvSpPr>
+            <a:spLocks noGrp="1"/>
+          </p:cNvSpPr>
+          <p:nvPr>
+            <p:ph sz="half" idx="1"/>
           </p:nvPr>
         </p:nvSpPr>
         <p:spPr/>
@@ -4824,21 +8824,98 @@
           <a:p>
             <a:r>
               <a:rPr lang="en-US" dirty="0"/>
-              <a:t>Little robot that does something</a:t>
-            </a:r>
-          </a:p>
-          <a:p>
-            <a:pPr lvl="1"/>
-            <a:r>
-              <a:rPr lang="en-US" dirty="0"/>
-              <a:t>Takes in (input)</a:t>
-            </a:r>
-          </a:p>
-          <a:p>
-            <a:pPr lvl="1"/>
-            <a:r>
-              <a:rPr lang="en-US" dirty="0"/>
-              <a:t>Gives out (output)</a:t>
+              <a:t>YouTube</a:t>
+            </a:r>
+          </a:p>
+          <a:p>
+            <a:r>
+              <a:rPr lang="en-US" dirty="0" err="1"/>
+              <a:t>musical.ly</a:t>
+            </a:r>
+            <a:endParaRPr lang="en-US" dirty="0"/>
+          </a:p>
+          <a:p>
+            <a:r>
+              <a:rPr lang="en-US" dirty="0"/>
+              <a:t>FIFA</a:t>
+            </a:r>
+          </a:p>
+          <a:p>
+            <a:r>
+              <a:rPr lang="en-US" dirty="0" err="1"/>
+              <a:t>TikTok</a:t>
+            </a:r>
+            <a:endParaRPr lang="en-US" dirty="0"/>
+          </a:p>
+          <a:p>
+            <a:r>
+              <a:rPr lang="en-US" dirty="0" err="1"/>
+              <a:t>Fortnite</a:t>
+            </a:r>
+            <a:endParaRPr lang="en-US" dirty="0"/>
+          </a:p>
+          <a:p>
+            <a:r>
+              <a:rPr lang="en-US" dirty="0"/>
+              <a:t>Instagram</a:t>
+            </a:r>
+          </a:p>
+        </p:txBody>
+      </p:sp>
+      <p:sp>
+        <p:nvSpPr>
+          <p:cNvPr id="4" name="Content Placeholder 3">
+            <a:extLst>
+              <a:ext uri="{FF2B5EF4-FFF2-40B4-BE49-F238E27FC236}">
+                <a16:creationId xmlns:a16="http://schemas.microsoft.com/office/drawing/2014/main" id="{D5DB773C-5D1D-C04C-8422-B3535167FB02}"/>
+              </a:ext>
+            </a:extLst>
+          </p:cNvPr>
+          <p:cNvSpPr>
+            <a:spLocks noGrp="1"/>
+          </p:cNvSpPr>
+          <p:nvPr>
+            <p:ph sz="half" idx="2"/>
+          </p:nvPr>
+        </p:nvSpPr>
+        <p:spPr/>
+        <p:txBody>
+          <a:bodyPr/>
+          <a:lstStyle/>
+          <a:p>
+            <a:r>
+              <a:rPr lang="en-US" dirty="0"/>
+              <a:t>Internet</a:t>
+            </a:r>
+          </a:p>
+          <a:p>
+            <a:r>
+              <a:rPr lang="en-US" dirty="0"/>
+              <a:t>Computers</a:t>
+            </a:r>
+          </a:p>
+          <a:p>
+            <a:r>
+              <a:rPr lang="en-US" dirty="0"/>
+              <a:t>Mobile watches</a:t>
+            </a:r>
+          </a:p>
+          <a:p>
+            <a:r>
+              <a:rPr lang="en-US" dirty="0"/>
+              <a:t>Satellites</a:t>
+            </a:r>
+          </a:p>
+          <a:p>
+            <a:r>
+              <a:rPr lang="en-US" dirty="0"/>
+              <a:t>Space station</a:t>
+            </a:r>
+          </a:p>
+          <a:p>
+            <a:r>
+              <a:rPr lang="en-US" dirty="0"/>
+              <a:t>Smart limbs</a:t>
             </a:r>
           </a:p>
         </p:txBody>
@@ -4846,7 +8923,7 @@
     </p:spTree>
     <p:extLst>
       <p:ext uri="{BB962C8B-B14F-4D97-AF65-F5344CB8AC3E}">
-        <p14:creationId xmlns:p14="http://schemas.microsoft.com/office/powerpoint/2010/main" val="2603212825"/>
+        <p14:creationId xmlns:p14="http://schemas.microsoft.com/office/powerpoint/2010/main" val="3317827832"/>
       </p:ext>
     </p:extLst>
   </p:cSld>
@@ -4878,7 +8955,7 @@
           <p:cNvPr id="2" name="Title 1">
             <a:extLst>
               <a:ext uri="{FF2B5EF4-FFF2-40B4-BE49-F238E27FC236}">
-                <a16:creationId xmlns:a16="http://schemas.microsoft.com/office/drawing/2014/main" id="{03BC00B2-B2FA-3A40-B9E7-944EC9A22633}"/>
+                <a16:creationId xmlns:a16="http://schemas.microsoft.com/office/drawing/2014/main" id="{9F08A7AC-FAEA-BB4B-B0E7-1DF4D980F2F8}"/>
               </a:ext>
             </a:extLst>
           </p:cNvPr>
@@ -4889,83 +8966,54 @@
             <p:ph type="title"/>
           </p:nvPr>
         </p:nvSpPr>
-        <p:spPr/>
+        <p:spPr>
+          <a:xfrm>
+            <a:off x="831850" y="1709738"/>
+            <a:ext cx="10515600" cy="2033587"/>
+          </a:xfrm>
+        </p:spPr>
         <p:txBody>
           <a:bodyPr/>
           <a:lstStyle/>
           <a:p>
-            <a:r>
-              <a:rPr lang="en-US" b="1" dirty="0"/>
-              <a:t>Fun</a:t>
-            </a:r>
-            <a:r>
-              <a:rPr lang="en-US" dirty="0"/>
-              <a:t>ctions example</a:t>
-            </a:r>
-            <a:endParaRPr lang="en-US" b="1" dirty="0"/>
-          </a:p>
-        </p:txBody>
-      </p:sp>
-      <p:sp>
-        <p:nvSpPr>
-          <p:cNvPr id="3" name="Content Placeholder 2">
-            <a:extLst>
-              <a:ext uri="{FF2B5EF4-FFF2-40B4-BE49-F238E27FC236}">
-                <a16:creationId xmlns:a16="http://schemas.microsoft.com/office/drawing/2014/main" id="{4F380F03-F161-AF44-BF55-7A5B6FAE0B51}"/>
-              </a:ext>
-            </a:extLst>
-          </p:cNvPr>
-          <p:cNvSpPr>
-            <a:spLocks noGrp="1"/>
-          </p:cNvSpPr>
-          <p:nvPr>
-            <p:ph idx="1"/>
-          </p:nvPr>
-        </p:nvSpPr>
-        <p:spPr/>
+            <a:pPr algn="ctr"/>
+            <a:r>
+              <a:rPr lang="en-US" dirty="0"/>
+              <a:t>Computer Science 101</a:t>
+            </a:r>
+          </a:p>
+        </p:txBody>
+      </p:sp>
+      <p:sp>
+        <p:nvSpPr>
+          <p:cNvPr id="3" name="Text Placeholder 2">
+            <a:extLst>
+              <a:ext uri="{FF2B5EF4-FFF2-40B4-BE49-F238E27FC236}">
+                <a16:creationId xmlns:a16="http://schemas.microsoft.com/office/drawing/2014/main" id="{9D6F6739-26D2-1940-81E9-98A5E14AD8D8}"/>
+              </a:ext>
+            </a:extLst>
+          </p:cNvPr>
+          <p:cNvSpPr>
+            <a:spLocks noGrp="1"/>
+          </p:cNvSpPr>
+          <p:nvPr>
+            <p:ph type="body" idx="1"/>
+          </p:nvPr>
+        </p:nvSpPr>
+        <p:spPr>
+          <a:xfrm>
+            <a:off x="831850" y="3743325"/>
+            <a:ext cx="10515600" cy="2346325"/>
+          </a:xfrm>
+        </p:spPr>
         <p:txBody>
           <a:bodyPr/>
           <a:lstStyle/>
           <a:p>
-            <a:pPr marL="0" indent="0">
-              <a:buNone/>
-            </a:pPr>
-            <a:r>
-              <a:rPr lang="en-US" dirty="0"/>
-              <a:t>function </a:t>
-            </a:r>
-            <a:r>
-              <a:rPr lang="en-US" dirty="0" err="1"/>
-              <a:t>name_of_function</a:t>
-            </a:r>
-            <a:endParaRPr lang="en-US" dirty="0"/>
-          </a:p>
-          <a:p>
-            <a:pPr marL="0" indent="0">
-              <a:buNone/>
-            </a:pPr>
-            <a:r>
-              <a:rPr lang="en-US" dirty="0"/>
-              <a:t>  in: </a:t>
-            </a:r>
-            <a:r>
-              <a:rPr lang="en-US" i="1" dirty="0"/>
-              <a:t>input</a:t>
-            </a:r>
-          </a:p>
-          <a:p>
-            <a:pPr marL="0" indent="0">
-              <a:buNone/>
-            </a:pPr>
-            <a:endParaRPr lang="en-US" dirty="0"/>
-          </a:p>
-          <a:p>
-            <a:pPr marL="0" indent="0">
-              <a:buNone/>
-            </a:pPr>
-            <a:r>
-              <a:rPr lang="en-US" dirty="0"/>
-              <a:t>  out: output</a:t>
+            <a:pPr algn="ctr"/>
+            <a:r>
+              <a:rPr lang="en-US" dirty="0"/>
+              <a:t>How to teach computers to do your homework for you</a:t>
             </a:r>
           </a:p>
         </p:txBody>
@@ -4973,7 +9021,7 @@
     </p:spTree>
     <p:extLst>
       <p:ext uri="{BB962C8B-B14F-4D97-AF65-F5344CB8AC3E}">
-        <p14:creationId xmlns:p14="http://schemas.microsoft.com/office/powerpoint/2010/main" val="151906686"/>
+        <p14:creationId xmlns:p14="http://schemas.microsoft.com/office/powerpoint/2010/main" val="139752190"/>
       </p:ext>
     </p:extLst>
   </p:cSld>
@@ -5005,7 +9053,7 @@
           <p:cNvPr id="2" name="Title 1">
             <a:extLst>
               <a:ext uri="{FF2B5EF4-FFF2-40B4-BE49-F238E27FC236}">
-                <a16:creationId xmlns:a16="http://schemas.microsoft.com/office/drawing/2014/main" id="{F38EF949-F4DC-D944-A9CB-9CF30463CE08}"/>
+                <a16:creationId xmlns:a16="http://schemas.microsoft.com/office/drawing/2014/main" id="{2DA56969-15FF-8F42-B749-9A139427B75C}"/>
               </a:ext>
             </a:extLst>
           </p:cNvPr>
@@ -5023,109 +9071,101 @@
           <a:p>
             <a:r>
               <a:rPr lang="en-US" dirty="0"/>
-              <a:t>Sorting with </a:t>
+              <a:t>Vari</a:t>
             </a:r>
             <a:r>
               <a:rPr lang="en-US" b="1" dirty="0"/>
-              <a:t>if</a:t>
-            </a:r>
+              <a:t>able</a:t>
+            </a:r>
+            <a:r>
+              <a:rPr lang="en-US" dirty="0"/>
+              <a:t>s</a:t>
+            </a:r>
+          </a:p>
+        </p:txBody>
+      </p:sp>
+      <p:sp>
+        <p:nvSpPr>
+          <p:cNvPr id="3" name="Content Placeholder 2">
+            <a:extLst>
+              <a:ext uri="{FF2B5EF4-FFF2-40B4-BE49-F238E27FC236}">
+                <a16:creationId xmlns:a16="http://schemas.microsoft.com/office/drawing/2014/main" id="{E46C9E63-9392-874D-A50C-AE2C0244DC47}"/>
+              </a:ext>
+            </a:extLst>
+          </p:cNvPr>
+          <p:cNvSpPr>
+            <a:spLocks noGrp="1"/>
+          </p:cNvSpPr>
+          <p:nvPr>
+            <p:ph idx="1"/>
+          </p:nvPr>
+        </p:nvSpPr>
+        <p:spPr/>
+        <p:txBody>
+          <a:bodyPr/>
+          <a:lstStyle/>
+          <a:p>
+            <a:r>
+              <a:rPr lang="en-US" dirty="0"/>
+              <a:t>Way to store data</a:t>
+            </a:r>
+          </a:p>
+          <a:p>
+            <a:pPr lvl="1"/>
+            <a:r>
+              <a:rPr lang="en-US" dirty="0"/>
+              <a:t>Words</a:t>
+            </a:r>
+          </a:p>
+          <a:p>
+            <a:pPr lvl="1"/>
+            <a:r>
+              <a:rPr lang="en-US" dirty="0"/>
+              <a:t>Numbers</a:t>
+            </a:r>
+          </a:p>
+          <a:p>
+            <a:pPr lvl="1"/>
+            <a:r>
+              <a:rPr lang="en-US" dirty="0"/>
+              <a:t>True/false (</a:t>
+            </a:r>
+            <a:r>
+              <a:rPr lang="en-US" dirty="0" err="1"/>
+              <a:t>boolean</a:t>
+            </a:r>
+            <a:r>
+              <a:rPr lang="en-US" dirty="0"/>
+              <a:t>)</a:t>
+            </a:r>
+          </a:p>
+          <a:p>
+            <a:pPr lvl="1"/>
+            <a:r>
+              <a:rPr lang="en-US" dirty="0"/>
+              <a:t>Lists</a:t>
+            </a:r>
+          </a:p>
+          <a:p>
+            <a:pPr lvl="1"/>
+            <a:r>
+              <a:rPr lang="en-US" i="1" dirty="0"/>
+              <a:t>etc</a:t>
+            </a:r>
+            <a:r>
+              <a:rPr lang="en-US" dirty="0"/>
+              <a:t>.</a:t>
+            </a:r>
+          </a:p>
+          <a:p>
             <a:endParaRPr lang="en-US" dirty="0"/>
-          </a:p>
-        </p:txBody>
-      </p:sp>
-      <p:sp>
-        <p:nvSpPr>
-          <p:cNvPr id="3" name="Content Placeholder 2">
-            <a:extLst>
-              <a:ext uri="{FF2B5EF4-FFF2-40B4-BE49-F238E27FC236}">
-                <a16:creationId xmlns:a16="http://schemas.microsoft.com/office/drawing/2014/main" id="{EFF8AAE5-396D-8F43-BD3A-DDD0D50479CA}"/>
-              </a:ext>
-            </a:extLst>
-          </p:cNvPr>
-          <p:cNvSpPr>
-            <a:spLocks noGrp="1"/>
-          </p:cNvSpPr>
-          <p:nvPr>
-            <p:ph idx="1"/>
-          </p:nvPr>
-        </p:nvSpPr>
-        <p:spPr/>
-        <p:txBody>
-          <a:bodyPr/>
-          <a:lstStyle/>
-          <a:p>
-            <a:pPr marL="0" indent="0">
-              <a:buNone/>
-            </a:pPr>
-            <a:r>
-              <a:rPr lang="en-US" dirty="0"/>
-              <a:t>function </a:t>
-            </a:r>
-            <a:r>
-              <a:rPr lang="en-US" dirty="0" err="1"/>
-              <a:t>is_number</a:t>
-            </a:r>
-            <a:endParaRPr lang="en-US" dirty="0"/>
-          </a:p>
-          <a:p>
-            <a:pPr marL="0" indent="0">
-              <a:buNone/>
-            </a:pPr>
-            <a:r>
-              <a:rPr lang="en-US" dirty="0"/>
-              <a:t>  in: </a:t>
-            </a:r>
-            <a:r>
-              <a:rPr lang="en-US" i="1" dirty="0"/>
-              <a:t>value</a:t>
-            </a:r>
-          </a:p>
-          <a:p>
-            <a:pPr marL="0" indent="0">
-              <a:buNone/>
-            </a:pPr>
-            <a:endParaRPr lang="en-US" dirty="0"/>
-          </a:p>
-          <a:p>
-            <a:pPr marL="0" indent="0">
-              <a:buNone/>
-            </a:pPr>
-            <a:r>
-              <a:rPr lang="en-US" dirty="0"/>
-              <a:t>  if </a:t>
-            </a:r>
-            <a:r>
-              <a:rPr lang="en-US" i="1" dirty="0"/>
-              <a:t>value</a:t>
-            </a:r>
-            <a:r>
-              <a:rPr lang="en-US" dirty="0"/>
-              <a:t> </a:t>
-            </a:r>
-            <a:r>
-              <a:rPr lang="en-US" b="1" dirty="0"/>
-              <a:t>is</a:t>
-            </a:r>
-            <a:r>
-              <a:rPr lang="en-US" dirty="0"/>
-              <a:t> number</a:t>
-            </a:r>
-          </a:p>
-          <a:p>
-            <a:pPr marL="0" indent="0">
-              <a:buNone/>
-            </a:pPr>
-            <a:r>
-              <a:rPr lang="en-US" dirty="0"/>
-              <a:t>    out: ”Yes, it’s a number!”</a:t>
-            </a:r>
           </a:p>
         </p:txBody>
       </p:sp>
     </p:spTree>
     <p:extLst>
       <p:ext uri="{BB962C8B-B14F-4D97-AF65-F5344CB8AC3E}">
-        <p14:creationId xmlns:p14="http://schemas.microsoft.com/office/powerpoint/2010/main" val="1165837687"/>
+        <p14:creationId xmlns:p14="http://schemas.microsoft.com/office/powerpoint/2010/main" val="3734023340"/>
       </p:ext>
     </p:extLst>
   </p:cSld>
@@ -5157,7 +9197,7 @@
           <p:cNvPr id="2" name="Title 1">
             <a:extLst>
               <a:ext uri="{FF2B5EF4-FFF2-40B4-BE49-F238E27FC236}">
-                <a16:creationId xmlns:a16="http://schemas.microsoft.com/office/drawing/2014/main" id="{F38EF949-F4DC-D944-A9CB-9CF30463CE08}"/>
+                <a16:creationId xmlns:a16="http://schemas.microsoft.com/office/drawing/2014/main" id="{501E8393-3898-E94F-B71F-D5324B2AF856}"/>
               </a:ext>
             </a:extLst>
           </p:cNvPr>
@@ -5174,14 +9214,17 @@
           <a:lstStyle/>
           <a:p>
             <a:r>
+              <a:rPr lang="en-US" dirty="0"/>
+              <a:t>Vari</a:t>
+            </a:r>
+            <a:r>
               <a:rPr lang="en-US" b="1" dirty="0"/>
-              <a:t>Add</a:t>
-            </a:r>
-            <a:r>
-              <a:rPr lang="en-US" dirty="0"/>
-              <a:t>itional conditionals</a:t>
-            </a:r>
-            <a:endParaRPr lang="en-US" b="1" dirty="0"/>
+              <a:t>able</a:t>
+            </a:r>
+            <a:r>
+              <a:rPr lang="en-US" dirty="0"/>
+              <a:t>s example</a:t>
+            </a:r>
           </a:p>
         </p:txBody>
       </p:sp>
@@ -5190,7 +9233,7 @@
           <p:cNvPr id="3" name="Content Placeholder 2">
             <a:extLst>
               <a:ext uri="{FF2B5EF4-FFF2-40B4-BE49-F238E27FC236}">
-                <a16:creationId xmlns:a16="http://schemas.microsoft.com/office/drawing/2014/main" id="{EFF8AAE5-396D-8F43-BD3A-DDD0D50479CA}"/>
+                <a16:creationId xmlns:a16="http://schemas.microsoft.com/office/drawing/2014/main" id="{7890EAB6-04AB-864E-8731-7F94FC112911}"/>
               </a:ext>
             </a:extLst>
           </p:cNvPr>
@@ -5203,22 +9246,41 @@
         </p:nvSpPr>
         <p:spPr/>
         <p:txBody>
-          <a:bodyPr>
-            <a:normAutofit/>
-          </a:bodyPr>
+          <a:bodyPr/>
           <a:lstStyle/>
           <a:p>
             <a:pPr marL="0" indent="0">
               <a:buNone/>
             </a:pPr>
             <a:r>
-              <a:rPr lang="en-US" dirty="0"/>
-              <a:t>function </a:t>
-            </a:r>
-            <a:r>
               <a:rPr lang="en-US" dirty="0" err="1"/>
-              <a:t>greet_student</a:t>
-            </a:r>
+              <a:t>var</a:t>
+            </a:r>
+            <a:r>
+              <a:rPr lang="en-US" dirty="0"/>
+              <a:t> </a:t>
+            </a:r>
+            <a:r>
+              <a:rPr lang="en-US" i="1" dirty="0"/>
+              <a:t>greeting</a:t>
+            </a:r>
+            <a:r>
+              <a:rPr lang="en-US" dirty="0"/>
+              <a:t> </a:t>
+            </a:r>
+            <a:r>
+              <a:rPr lang="en-US" b="1" dirty="0"/>
+              <a:t>=</a:t>
+            </a:r>
+            <a:r>
+              <a:rPr lang="en-US" dirty="0"/>
+              <a:t> ‘Hello world!’</a:t>
+            </a:r>
+          </a:p>
+          <a:p>
+            <a:pPr marL="0" indent="0">
+              <a:buNone/>
+            </a:pPr>
             <a:endParaRPr lang="en-US" dirty="0"/>
           </a:p>
           <a:p>
@@ -5226,69 +9288,24 @@
               <a:buNone/>
             </a:pPr>
             <a:r>
-              <a:rPr lang="en-US" dirty="0"/>
-              <a:t>  in: </a:t>
-            </a:r>
-            <a:r>
-              <a:rPr lang="en-US" i="1" dirty="0" err="1"/>
-              <a:t>is_student</a:t>
-            </a:r>
-            <a:r>
-              <a:rPr lang="en-US" dirty="0"/>
-              <a:t>, </a:t>
-            </a:r>
-            <a:r>
-              <a:rPr lang="en-US" i="1" dirty="0" err="1"/>
-              <a:t>is_present</a:t>
-            </a:r>
-            <a:r>
               <a:rPr lang="en-US" i="1" dirty="0"/>
-              <a:t> </a:t>
+              <a:t>greeting</a:t>
             </a:r>
           </a:p>
           <a:p>
             <a:pPr marL="0" indent="0">
               <a:buNone/>
             </a:pPr>
-            <a:endParaRPr lang="en-US" dirty="0"/>
-          </a:p>
-          <a:p>
-            <a:pPr marL="0" indent="0">
-              <a:buNone/>
-            </a:pPr>
-            <a:r>
-              <a:rPr lang="en-US" dirty="0"/>
-              <a:t>  if </a:t>
-            </a:r>
-            <a:r>
-              <a:rPr lang="en-US" i="1" dirty="0" err="1"/>
-              <a:t>is_student</a:t>
-            </a:r>
-            <a:r>
-              <a:rPr lang="en-US" dirty="0"/>
-              <a:t> </a:t>
-            </a:r>
-            <a:r>
-              <a:rPr lang="en-US" b="1" dirty="0"/>
-              <a:t>and </a:t>
-            </a:r>
-            <a:r>
-              <a:rPr lang="en-US" i="1" dirty="0" err="1"/>
-              <a:t>is_present</a:t>
-            </a:r>
-            <a:endParaRPr lang="en-US" i="1" dirty="0"/>
-          </a:p>
-          <a:p>
-            <a:pPr marL="0" indent="0">
-              <a:buNone/>
-            </a:pPr>
-            <a:r>
-              <a:rPr lang="en-US" i="1" dirty="0"/>
-              <a:t>    </a:t>
-            </a:r>
-            <a:r>
-              <a:rPr lang="en-US" dirty="0"/>
-              <a:t>out: ”Welcome to class!”</a:t>
+            <a:r>
+              <a:rPr lang="en-US" dirty="0">
+                <a:solidFill>
+                  <a:schemeClr val="tx2">
+                    <a:lumMod val="60000"/>
+                    <a:lumOff val="40000"/>
+                  </a:schemeClr>
+                </a:solidFill>
+              </a:rPr>
+              <a:t>// ‘Hello world!’</a:t>
             </a:r>
           </a:p>
         </p:txBody>
@@ -5296,7 +9313,7 @@
     </p:spTree>
     <p:extLst>
       <p:ext uri="{BB962C8B-B14F-4D97-AF65-F5344CB8AC3E}">
-        <p14:creationId xmlns:p14="http://schemas.microsoft.com/office/powerpoint/2010/main" val="1403667875"/>
+        <p14:creationId xmlns:p14="http://schemas.microsoft.com/office/powerpoint/2010/main" val="560495219"/>
       </p:ext>
     </p:extLst>
   </p:cSld>
